--- a/Kaggle - Into to ML.pptx
+++ b/Kaggle - Into to ML.pptx
@@ -10,6 +10,9 @@
     <p:sldId id="259" r:id="rId4"/>
     <p:sldId id="260" r:id="rId5"/>
     <p:sldId id="261" r:id="rId6"/>
+    <p:sldId id="262" r:id="rId7"/>
+    <p:sldId id="263" r:id="rId8"/>
+    <p:sldId id="264" r:id="rId9"/>
   </p:sldIdLst>
   <p:sldSz cx="12192000" cy="6858000"/>
   <p:notesSz cx="6858000" cy="9144000"/>
@@ -108,7 +111,3543 @@
       </a:defRPr>
     </a:lvl9pPr>
   </p:defaultTextStyle>
+  <p:extLst>
+    <p:ext uri="{EFAFB233-063F-42B5-8137-9DF3F51BA10A}">
+      <p15:sldGuideLst xmlns:p15="http://schemas.microsoft.com/office/powerpoint/2012/main"/>
+    </p:ext>
+  </p:extLst>
 </p:presentation>
+</file>
+
+<file path=ppt/diagrams/colors1.xml><?xml version="1.0" encoding="utf-8"?>
+<dgm:colorsDef xmlns:dgm="http://schemas.openxmlformats.org/drawingml/2006/diagram" xmlns:a="http://schemas.openxmlformats.org/drawingml/2006/main" uniqueId="urn:microsoft.com/office/officeart/2005/8/colors/accent1_2">
+  <dgm:title val=""/>
+  <dgm:desc val=""/>
+  <dgm:catLst>
+    <dgm:cat type="accent1" pri="11200"/>
+  </dgm:catLst>
+  <dgm:styleLbl name="node0">
+    <dgm:fillClrLst meth="repeat">
+      <a:schemeClr val="accent1"/>
+    </dgm:fillClrLst>
+    <dgm:linClrLst meth="repeat">
+      <a:schemeClr val="lt1"/>
+    </dgm:linClrLst>
+    <dgm:effectClrLst/>
+    <dgm:txLinClrLst/>
+    <dgm:txFillClrLst/>
+    <dgm:txEffectClrLst/>
+  </dgm:styleLbl>
+  <dgm:styleLbl name="alignNode1">
+    <dgm:fillClrLst meth="repeat">
+      <a:schemeClr val="accent1"/>
+    </dgm:fillClrLst>
+    <dgm:linClrLst meth="repeat">
+      <a:schemeClr val="accent1"/>
+    </dgm:linClrLst>
+    <dgm:effectClrLst/>
+    <dgm:txLinClrLst/>
+    <dgm:txFillClrLst/>
+    <dgm:txEffectClrLst/>
+  </dgm:styleLbl>
+  <dgm:styleLbl name="node1">
+    <dgm:fillClrLst meth="repeat">
+      <a:schemeClr val="accent1"/>
+    </dgm:fillClrLst>
+    <dgm:linClrLst meth="repeat">
+      <a:schemeClr val="lt1"/>
+    </dgm:linClrLst>
+    <dgm:effectClrLst/>
+    <dgm:txLinClrLst/>
+    <dgm:txFillClrLst/>
+    <dgm:txEffectClrLst/>
+  </dgm:styleLbl>
+  <dgm:styleLbl name="lnNode1">
+    <dgm:fillClrLst meth="repeat">
+      <a:schemeClr val="accent1"/>
+    </dgm:fillClrLst>
+    <dgm:linClrLst meth="repeat">
+      <a:schemeClr val="lt1"/>
+    </dgm:linClrLst>
+    <dgm:effectClrLst/>
+    <dgm:txLinClrLst/>
+    <dgm:txFillClrLst/>
+    <dgm:txEffectClrLst/>
+  </dgm:styleLbl>
+  <dgm:styleLbl name="vennNode1">
+    <dgm:fillClrLst meth="repeat">
+      <a:schemeClr val="accent1">
+        <a:alpha val="50000"/>
+      </a:schemeClr>
+    </dgm:fillClrLst>
+    <dgm:linClrLst meth="repeat">
+      <a:schemeClr val="lt1"/>
+    </dgm:linClrLst>
+    <dgm:effectClrLst/>
+    <dgm:txLinClrLst/>
+    <dgm:txFillClrLst/>
+    <dgm:txEffectClrLst/>
+  </dgm:styleLbl>
+  <dgm:styleLbl name="node2">
+    <dgm:fillClrLst meth="repeat">
+      <a:schemeClr val="accent1"/>
+    </dgm:fillClrLst>
+    <dgm:linClrLst meth="repeat">
+      <a:schemeClr val="lt1"/>
+    </dgm:linClrLst>
+    <dgm:effectClrLst/>
+    <dgm:txLinClrLst/>
+    <dgm:txFillClrLst/>
+    <dgm:txEffectClrLst/>
+  </dgm:styleLbl>
+  <dgm:styleLbl name="node3">
+    <dgm:fillClrLst meth="repeat">
+      <a:schemeClr val="accent1"/>
+    </dgm:fillClrLst>
+    <dgm:linClrLst meth="repeat">
+      <a:schemeClr val="lt1"/>
+    </dgm:linClrLst>
+    <dgm:effectClrLst/>
+    <dgm:txLinClrLst/>
+    <dgm:txFillClrLst/>
+    <dgm:txEffectClrLst/>
+  </dgm:styleLbl>
+  <dgm:styleLbl name="node4">
+    <dgm:fillClrLst meth="repeat">
+      <a:schemeClr val="accent1"/>
+    </dgm:fillClrLst>
+    <dgm:linClrLst meth="repeat">
+      <a:schemeClr val="lt1"/>
+    </dgm:linClrLst>
+    <dgm:effectClrLst/>
+    <dgm:txLinClrLst/>
+    <dgm:txFillClrLst/>
+    <dgm:txEffectClrLst/>
+  </dgm:styleLbl>
+  <dgm:styleLbl name="fgImgPlace1">
+    <dgm:fillClrLst meth="repeat">
+      <a:schemeClr val="accent1">
+        <a:tint val="50000"/>
+      </a:schemeClr>
+    </dgm:fillClrLst>
+    <dgm:linClrLst meth="repeat">
+      <a:schemeClr val="lt1"/>
+    </dgm:linClrLst>
+    <dgm:effectClrLst/>
+    <dgm:txLinClrLst/>
+    <dgm:txFillClrLst meth="repeat">
+      <a:schemeClr val="lt1"/>
+    </dgm:txFillClrLst>
+    <dgm:txEffectClrLst/>
+  </dgm:styleLbl>
+  <dgm:styleLbl name="alignImgPlace1">
+    <dgm:fillClrLst meth="repeat">
+      <a:schemeClr val="accent1">
+        <a:tint val="50000"/>
+      </a:schemeClr>
+    </dgm:fillClrLst>
+    <dgm:linClrLst meth="repeat">
+      <a:schemeClr val="lt1"/>
+    </dgm:linClrLst>
+    <dgm:effectClrLst/>
+    <dgm:txLinClrLst/>
+    <dgm:txFillClrLst meth="repeat">
+      <a:schemeClr val="lt1"/>
+    </dgm:txFillClrLst>
+    <dgm:txEffectClrLst/>
+  </dgm:styleLbl>
+  <dgm:styleLbl name="bgImgPlace1">
+    <dgm:fillClrLst meth="repeat">
+      <a:schemeClr val="accent1">
+        <a:tint val="50000"/>
+      </a:schemeClr>
+    </dgm:fillClrLst>
+    <dgm:linClrLst meth="repeat">
+      <a:schemeClr val="lt1"/>
+    </dgm:linClrLst>
+    <dgm:effectClrLst/>
+    <dgm:txLinClrLst/>
+    <dgm:txFillClrLst meth="repeat">
+      <a:schemeClr val="lt1"/>
+    </dgm:txFillClrLst>
+    <dgm:txEffectClrLst/>
+  </dgm:styleLbl>
+  <dgm:styleLbl name="sibTrans2D1">
+    <dgm:fillClrLst meth="repeat">
+      <a:schemeClr val="accent1">
+        <a:tint val="60000"/>
+      </a:schemeClr>
+    </dgm:fillClrLst>
+    <dgm:linClrLst meth="repeat">
+      <a:schemeClr val="accent1">
+        <a:tint val="60000"/>
+      </a:schemeClr>
+    </dgm:linClrLst>
+    <dgm:effectClrLst/>
+    <dgm:txLinClrLst/>
+    <dgm:txFillClrLst/>
+    <dgm:txEffectClrLst/>
+  </dgm:styleLbl>
+  <dgm:styleLbl name="fgSibTrans2D1">
+    <dgm:fillClrLst meth="repeat">
+      <a:schemeClr val="accent1">
+        <a:tint val="60000"/>
+      </a:schemeClr>
+    </dgm:fillClrLst>
+    <dgm:linClrLst meth="repeat">
+      <a:schemeClr val="accent1">
+        <a:tint val="60000"/>
+      </a:schemeClr>
+    </dgm:linClrLst>
+    <dgm:effectClrLst/>
+    <dgm:txLinClrLst/>
+    <dgm:txFillClrLst/>
+    <dgm:txEffectClrLst/>
+  </dgm:styleLbl>
+  <dgm:styleLbl name="bgSibTrans2D1">
+    <dgm:fillClrLst meth="repeat">
+      <a:schemeClr val="accent1">
+        <a:tint val="60000"/>
+      </a:schemeClr>
+    </dgm:fillClrLst>
+    <dgm:linClrLst meth="repeat">
+      <a:schemeClr val="accent1">
+        <a:tint val="60000"/>
+      </a:schemeClr>
+    </dgm:linClrLst>
+    <dgm:effectClrLst/>
+    <dgm:txLinClrLst/>
+    <dgm:txFillClrLst/>
+    <dgm:txEffectClrLst/>
+  </dgm:styleLbl>
+  <dgm:styleLbl name="sibTrans1D1">
+    <dgm:fillClrLst meth="repeat">
+      <a:schemeClr val="accent1"/>
+    </dgm:fillClrLst>
+    <dgm:linClrLst meth="repeat">
+      <a:schemeClr val="accent1"/>
+    </dgm:linClrLst>
+    <dgm:effectClrLst/>
+    <dgm:txLinClrLst/>
+    <dgm:txFillClrLst meth="repeat">
+      <a:schemeClr val="tx1"/>
+    </dgm:txFillClrLst>
+    <dgm:txEffectClrLst/>
+  </dgm:styleLbl>
+  <dgm:styleLbl name="callout">
+    <dgm:fillClrLst meth="repeat">
+      <a:schemeClr val="accent1"/>
+    </dgm:fillClrLst>
+    <dgm:linClrLst meth="repeat">
+      <a:schemeClr val="accent1">
+        <a:tint val="50000"/>
+      </a:schemeClr>
+    </dgm:linClrLst>
+    <dgm:effectClrLst/>
+    <dgm:txLinClrLst/>
+    <dgm:txFillClrLst meth="repeat">
+      <a:schemeClr val="tx1"/>
+    </dgm:txFillClrLst>
+    <dgm:txEffectClrLst/>
+  </dgm:styleLbl>
+  <dgm:styleLbl name="asst0">
+    <dgm:fillClrLst meth="repeat">
+      <a:schemeClr val="accent1"/>
+    </dgm:fillClrLst>
+    <dgm:linClrLst meth="repeat">
+      <a:schemeClr val="lt1"/>
+    </dgm:linClrLst>
+    <dgm:effectClrLst/>
+    <dgm:txLinClrLst/>
+    <dgm:txFillClrLst/>
+    <dgm:txEffectClrLst/>
+  </dgm:styleLbl>
+  <dgm:styleLbl name="asst1">
+    <dgm:fillClrLst meth="repeat">
+      <a:schemeClr val="accent1"/>
+    </dgm:fillClrLst>
+    <dgm:linClrLst meth="repeat">
+      <a:schemeClr val="lt1"/>
+    </dgm:linClrLst>
+    <dgm:effectClrLst/>
+    <dgm:txLinClrLst/>
+    <dgm:txFillClrLst/>
+    <dgm:txEffectClrLst/>
+  </dgm:styleLbl>
+  <dgm:styleLbl name="asst2">
+    <dgm:fillClrLst meth="repeat">
+      <a:schemeClr val="accent1"/>
+    </dgm:fillClrLst>
+    <dgm:linClrLst meth="repeat">
+      <a:schemeClr val="lt1"/>
+    </dgm:linClrLst>
+    <dgm:effectClrLst/>
+    <dgm:txLinClrLst/>
+    <dgm:txFillClrLst/>
+    <dgm:txEffectClrLst/>
+  </dgm:styleLbl>
+  <dgm:styleLbl name="asst3">
+    <dgm:fillClrLst meth="repeat">
+      <a:schemeClr val="accent1"/>
+    </dgm:fillClrLst>
+    <dgm:linClrLst meth="repeat">
+      <a:schemeClr val="lt1"/>
+    </dgm:linClrLst>
+    <dgm:effectClrLst/>
+    <dgm:txLinClrLst/>
+    <dgm:txFillClrLst/>
+    <dgm:txEffectClrLst/>
+  </dgm:styleLbl>
+  <dgm:styleLbl name="asst4">
+    <dgm:fillClrLst meth="repeat">
+      <a:schemeClr val="accent1"/>
+    </dgm:fillClrLst>
+    <dgm:linClrLst meth="repeat">
+      <a:schemeClr val="lt1"/>
+    </dgm:linClrLst>
+    <dgm:effectClrLst/>
+    <dgm:txLinClrLst/>
+    <dgm:txFillClrLst/>
+    <dgm:txEffectClrLst/>
+  </dgm:styleLbl>
+  <dgm:styleLbl name="parChTrans2D1">
+    <dgm:fillClrLst meth="repeat">
+      <a:schemeClr val="accent1">
+        <a:tint val="60000"/>
+      </a:schemeClr>
+    </dgm:fillClrLst>
+    <dgm:linClrLst meth="repeat">
+      <a:schemeClr val="accent1">
+        <a:tint val="60000"/>
+      </a:schemeClr>
+    </dgm:linClrLst>
+    <dgm:effectClrLst/>
+    <dgm:txLinClrLst/>
+    <dgm:txFillClrLst meth="repeat">
+      <a:schemeClr val="lt1"/>
+    </dgm:txFillClrLst>
+    <dgm:txEffectClrLst/>
+  </dgm:styleLbl>
+  <dgm:styleLbl name="parChTrans2D2">
+    <dgm:fillClrLst meth="repeat">
+      <a:schemeClr val="accent1"/>
+    </dgm:fillClrLst>
+    <dgm:linClrLst meth="repeat">
+      <a:schemeClr val="accent1"/>
+    </dgm:linClrLst>
+    <dgm:effectClrLst/>
+    <dgm:txLinClrLst/>
+    <dgm:txFillClrLst meth="repeat">
+      <a:schemeClr val="lt1"/>
+    </dgm:txFillClrLst>
+    <dgm:txEffectClrLst/>
+  </dgm:styleLbl>
+  <dgm:styleLbl name="parChTrans2D3">
+    <dgm:fillClrLst meth="repeat">
+      <a:schemeClr val="accent1"/>
+    </dgm:fillClrLst>
+    <dgm:linClrLst meth="repeat">
+      <a:schemeClr val="accent1"/>
+    </dgm:linClrLst>
+    <dgm:effectClrLst/>
+    <dgm:txLinClrLst/>
+    <dgm:txFillClrLst meth="repeat">
+      <a:schemeClr val="lt1"/>
+    </dgm:txFillClrLst>
+    <dgm:txEffectClrLst/>
+  </dgm:styleLbl>
+  <dgm:styleLbl name="parChTrans2D4">
+    <dgm:fillClrLst meth="repeat">
+      <a:schemeClr val="accent1"/>
+    </dgm:fillClrLst>
+    <dgm:linClrLst meth="repeat">
+      <a:schemeClr val="accent1"/>
+    </dgm:linClrLst>
+    <dgm:effectClrLst/>
+    <dgm:txLinClrLst/>
+    <dgm:txFillClrLst meth="repeat">
+      <a:schemeClr val="lt1"/>
+    </dgm:txFillClrLst>
+    <dgm:txEffectClrLst/>
+  </dgm:styleLbl>
+  <dgm:styleLbl name="parChTrans1D1">
+    <dgm:fillClrLst meth="repeat">
+      <a:schemeClr val="accent1"/>
+    </dgm:fillClrLst>
+    <dgm:linClrLst meth="repeat">
+      <a:schemeClr val="accent1">
+        <a:shade val="60000"/>
+      </a:schemeClr>
+    </dgm:linClrLst>
+    <dgm:effectClrLst/>
+    <dgm:txLinClrLst/>
+    <dgm:txFillClrLst meth="repeat">
+      <a:schemeClr val="tx1"/>
+    </dgm:txFillClrLst>
+    <dgm:txEffectClrLst/>
+  </dgm:styleLbl>
+  <dgm:styleLbl name="parChTrans1D2">
+    <dgm:fillClrLst meth="repeat">
+      <a:schemeClr val="accent1"/>
+    </dgm:fillClrLst>
+    <dgm:linClrLst meth="repeat">
+      <a:schemeClr val="accent1">
+        <a:shade val="60000"/>
+      </a:schemeClr>
+    </dgm:linClrLst>
+    <dgm:effectClrLst/>
+    <dgm:txLinClrLst/>
+    <dgm:txFillClrLst meth="repeat">
+      <a:schemeClr val="tx1"/>
+    </dgm:txFillClrLst>
+    <dgm:txEffectClrLst/>
+  </dgm:styleLbl>
+  <dgm:styleLbl name="parChTrans1D3">
+    <dgm:fillClrLst meth="repeat">
+      <a:schemeClr val="accent1"/>
+    </dgm:fillClrLst>
+    <dgm:linClrLst meth="repeat">
+      <a:schemeClr val="accent1">
+        <a:shade val="80000"/>
+      </a:schemeClr>
+    </dgm:linClrLst>
+    <dgm:effectClrLst/>
+    <dgm:txLinClrLst/>
+    <dgm:txFillClrLst meth="repeat">
+      <a:schemeClr val="tx1"/>
+    </dgm:txFillClrLst>
+    <dgm:txEffectClrLst/>
+  </dgm:styleLbl>
+  <dgm:styleLbl name="parChTrans1D4">
+    <dgm:fillClrLst meth="repeat">
+      <a:schemeClr val="accent1"/>
+    </dgm:fillClrLst>
+    <dgm:linClrLst meth="repeat">
+      <a:schemeClr val="accent1">
+        <a:shade val="80000"/>
+      </a:schemeClr>
+    </dgm:linClrLst>
+    <dgm:effectClrLst/>
+    <dgm:txLinClrLst/>
+    <dgm:txFillClrLst meth="repeat">
+      <a:schemeClr val="tx1"/>
+    </dgm:txFillClrLst>
+    <dgm:txEffectClrLst/>
+  </dgm:styleLbl>
+  <dgm:styleLbl name="fgAcc1">
+    <dgm:fillClrLst meth="repeat">
+      <a:schemeClr val="lt1">
+        <a:alpha val="90000"/>
+      </a:schemeClr>
+    </dgm:fillClrLst>
+    <dgm:linClrLst meth="repeat">
+      <a:schemeClr val="accent1"/>
+    </dgm:linClrLst>
+    <dgm:effectClrLst/>
+    <dgm:txLinClrLst/>
+    <dgm:txFillClrLst meth="repeat">
+      <a:schemeClr val="dk1"/>
+    </dgm:txFillClrLst>
+    <dgm:txEffectClrLst/>
+  </dgm:styleLbl>
+  <dgm:styleLbl name="conFgAcc1">
+    <dgm:fillClrLst meth="repeat">
+      <a:schemeClr val="lt1">
+        <a:alpha val="90000"/>
+      </a:schemeClr>
+    </dgm:fillClrLst>
+    <dgm:linClrLst meth="repeat">
+      <a:schemeClr val="accent1"/>
+    </dgm:linClrLst>
+    <dgm:effectClrLst/>
+    <dgm:txLinClrLst/>
+    <dgm:txFillClrLst meth="repeat">
+      <a:schemeClr val="dk1"/>
+    </dgm:txFillClrLst>
+    <dgm:txEffectClrLst/>
+  </dgm:styleLbl>
+  <dgm:styleLbl name="alignAcc1">
+    <dgm:fillClrLst meth="repeat">
+      <a:schemeClr val="lt1">
+        <a:alpha val="90000"/>
+      </a:schemeClr>
+    </dgm:fillClrLst>
+    <dgm:linClrLst meth="repeat">
+      <a:schemeClr val="accent1"/>
+    </dgm:linClrLst>
+    <dgm:effectClrLst/>
+    <dgm:txLinClrLst/>
+    <dgm:txFillClrLst meth="repeat">
+      <a:schemeClr val="dk1"/>
+    </dgm:txFillClrLst>
+    <dgm:txEffectClrLst/>
+  </dgm:styleLbl>
+  <dgm:styleLbl name="trAlignAcc1">
+    <dgm:fillClrLst meth="repeat">
+      <a:schemeClr val="lt1">
+        <a:alpha val="40000"/>
+      </a:schemeClr>
+    </dgm:fillClrLst>
+    <dgm:linClrLst meth="repeat">
+      <a:schemeClr val="accent1"/>
+    </dgm:linClrLst>
+    <dgm:effectClrLst/>
+    <dgm:txLinClrLst/>
+    <dgm:txFillClrLst meth="repeat">
+      <a:schemeClr val="dk1"/>
+    </dgm:txFillClrLst>
+    <dgm:txEffectClrLst/>
+  </dgm:styleLbl>
+  <dgm:styleLbl name="bgAcc1">
+    <dgm:fillClrLst meth="repeat">
+      <a:schemeClr val="lt1">
+        <a:alpha val="90000"/>
+      </a:schemeClr>
+    </dgm:fillClrLst>
+    <dgm:linClrLst meth="repeat">
+      <a:schemeClr val="accent1"/>
+    </dgm:linClrLst>
+    <dgm:effectClrLst/>
+    <dgm:txLinClrLst/>
+    <dgm:txFillClrLst meth="repeat">
+      <a:schemeClr val="dk1"/>
+    </dgm:txFillClrLst>
+    <dgm:txEffectClrLst/>
+  </dgm:styleLbl>
+  <dgm:styleLbl name="solidFgAcc1">
+    <dgm:fillClrLst meth="repeat">
+      <a:schemeClr val="lt1"/>
+    </dgm:fillClrLst>
+    <dgm:linClrLst meth="repeat">
+      <a:schemeClr val="accent1"/>
+    </dgm:linClrLst>
+    <dgm:effectClrLst/>
+    <dgm:txLinClrLst/>
+    <dgm:txFillClrLst meth="repeat">
+      <a:schemeClr val="dk1"/>
+    </dgm:txFillClrLst>
+    <dgm:txEffectClrLst/>
+  </dgm:styleLbl>
+  <dgm:styleLbl name="solidAlignAcc1">
+    <dgm:fillClrLst meth="repeat">
+      <a:schemeClr val="lt1"/>
+    </dgm:fillClrLst>
+    <dgm:linClrLst meth="repeat">
+      <a:schemeClr val="accent1"/>
+    </dgm:linClrLst>
+    <dgm:effectClrLst/>
+    <dgm:txLinClrLst/>
+    <dgm:txFillClrLst meth="repeat">
+      <a:schemeClr val="dk1"/>
+    </dgm:txFillClrLst>
+    <dgm:txEffectClrLst/>
+  </dgm:styleLbl>
+  <dgm:styleLbl name="solidBgAcc1">
+    <dgm:fillClrLst meth="repeat">
+      <a:schemeClr val="lt1"/>
+    </dgm:fillClrLst>
+    <dgm:linClrLst meth="repeat">
+      <a:schemeClr val="accent1"/>
+    </dgm:linClrLst>
+    <dgm:effectClrLst/>
+    <dgm:txLinClrLst/>
+    <dgm:txFillClrLst meth="repeat">
+      <a:schemeClr val="dk1"/>
+    </dgm:txFillClrLst>
+    <dgm:txEffectClrLst/>
+  </dgm:styleLbl>
+  <dgm:styleLbl name="fgAccFollowNode1">
+    <dgm:fillClrLst meth="repeat">
+      <a:schemeClr val="accent1">
+        <a:alpha val="90000"/>
+        <a:tint val="40000"/>
+      </a:schemeClr>
+    </dgm:fillClrLst>
+    <dgm:linClrLst meth="repeat">
+      <a:schemeClr val="accent1">
+        <a:alpha val="90000"/>
+        <a:tint val="40000"/>
+      </a:schemeClr>
+    </dgm:linClrLst>
+    <dgm:effectClrLst/>
+    <dgm:txLinClrLst/>
+    <dgm:txFillClrLst meth="repeat">
+      <a:schemeClr val="dk1"/>
+    </dgm:txFillClrLst>
+    <dgm:txEffectClrLst/>
+  </dgm:styleLbl>
+  <dgm:styleLbl name="alignAccFollowNode1">
+    <dgm:fillClrLst meth="repeat">
+      <a:schemeClr val="accent1">
+        <a:alpha val="90000"/>
+        <a:tint val="40000"/>
+      </a:schemeClr>
+    </dgm:fillClrLst>
+    <dgm:linClrLst meth="repeat">
+      <a:schemeClr val="accent1">
+        <a:alpha val="90000"/>
+        <a:tint val="40000"/>
+      </a:schemeClr>
+    </dgm:linClrLst>
+    <dgm:effectClrLst/>
+    <dgm:txLinClrLst/>
+    <dgm:txFillClrLst meth="repeat">
+      <a:schemeClr val="dk1"/>
+    </dgm:txFillClrLst>
+    <dgm:txEffectClrLst/>
+  </dgm:styleLbl>
+  <dgm:styleLbl name="bgAccFollowNode1">
+    <dgm:fillClrLst meth="repeat">
+      <a:schemeClr val="accent1">
+        <a:alpha val="90000"/>
+        <a:tint val="40000"/>
+      </a:schemeClr>
+    </dgm:fillClrLst>
+    <dgm:linClrLst meth="repeat">
+      <a:schemeClr val="accent1">
+        <a:alpha val="90000"/>
+        <a:tint val="40000"/>
+      </a:schemeClr>
+    </dgm:linClrLst>
+    <dgm:effectClrLst/>
+    <dgm:txLinClrLst/>
+    <dgm:txFillClrLst meth="repeat">
+      <a:schemeClr val="dk1"/>
+    </dgm:txFillClrLst>
+    <dgm:txEffectClrLst/>
+  </dgm:styleLbl>
+  <dgm:styleLbl name="fgAcc0">
+    <dgm:fillClrLst meth="repeat">
+      <a:schemeClr val="lt1">
+        <a:alpha val="90000"/>
+      </a:schemeClr>
+    </dgm:fillClrLst>
+    <dgm:linClrLst meth="repeat">
+      <a:schemeClr val="accent1"/>
+    </dgm:linClrLst>
+    <dgm:effectClrLst/>
+    <dgm:txLinClrLst/>
+    <dgm:txFillClrLst meth="repeat">
+      <a:schemeClr val="dk1"/>
+    </dgm:txFillClrLst>
+    <dgm:txEffectClrLst/>
+  </dgm:styleLbl>
+  <dgm:styleLbl name="fgAcc2">
+    <dgm:fillClrLst meth="repeat">
+      <a:schemeClr val="lt1">
+        <a:alpha val="90000"/>
+      </a:schemeClr>
+    </dgm:fillClrLst>
+    <dgm:linClrLst meth="repeat">
+      <a:schemeClr val="accent1"/>
+    </dgm:linClrLst>
+    <dgm:effectClrLst/>
+    <dgm:txLinClrLst/>
+    <dgm:txFillClrLst meth="repeat">
+      <a:schemeClr val="dk1"/>
+    </dgm:txFillClrLst>
+    <dgm:txEffectClrLst/>
+  </dgm:styleLbl>
+  <dgm:styleLbl name="fgAcc3">
+    <dgm:fillClrLst meth="repeat">
+      <a:schemeClr val="lt1">
+        <a:alpha val="90000"/>
+      </a:schemeClr>
+    </dgm:fillClrLst>
+    <dgm:linClrLst meth="repeat">
+      <a:schemeClr val="accent1"/>
+    </dgm:linClrLst>
+    <dgm:effectClrLst/>
+    <dgm:txLinClrLst/>
+    <dgm:txFillClrLst meth="repeat">
+      <a:schemeClr val="dk1"/>
+    </dgm:txFillClrLst>
+    <dgm:txEffectClrLst/>
+  </dgm:styleLbl>
+  <dgm:styleLbl name="fgAcc4">
+    <dgm:fillClrLst meth="repeat">
+      <a:schemeClr val="lt1">
+        <a:alpha val="90000"/>
+      </a:schemeClr>
+    </dgm:fillClrLst>
+    <dgm:linClrLst meth="repeat">
+      <a:schemeClr val="accent1"/>
+    </dgm:linClrLst>
+    <dgm:effectClrLst/>
+    <dgm:txLinClrLst/>
+    <dgm:txFillClrLst meth="repeat">
+      <a:schemeClr val="dk1"/>
+    </dgm:txFillClrLst>
+    <dgm:txEffectClrLst/>
+  </dgm:styleLbl>
+  <dgm:styleLbl name="bgShp">
+    <dgm:fillClrLst meth="repeat">
+      <a:schemeClr val="accent1">
+        <a:tint val="40000"/>
+      </a:schemeClr>
+    </dgm:fillClrLst>
+    <dgm:linClrLst meth="repeat">
+      <a:schemeClr val="accent1"/>
+    </dgm:linClrLst>
+    <dgm:effectClrLst/>
+    <dgm:txLinClrLst/>
+    <dgm:txFillClrLst meth="repeat">
+      <a:schemeClr val="dk1"/>
+    </dgm:txFillClrLst>
+    <dgm:txEffectClrLst/>
+  </dgm:styleLbl>
+  <dgm:styleLbl name="dkBgShp">
+    <dgm:fillClrLst meth="repeat">
+      <a:schemeClr val="accent1">
+        <a:shade val="80000"/>
+      </a:schemeClr>
+    </dgm:fillClrLst>
+    <dgm:linClrLst meth="repeat">
+      <a:schemeClr val="accent1"/>
+    </dgm:linClrLst>
+    <dgm:effectClrLst/>
+    <dgm:txLinClrLst/>
+    <dgm:txFillClrLst meth="repeat">
+      <a:schemeClr val="lt1"/>
+    </dgm:txFillClrLst>
+    <dgm:txEffectClrLst/>
+  </dgm:styleLbl>
+  <dgm:styleLbl name="trBgShp">
+    <dgm:fillClrLst meth="repeat">
+      <a:schemeClr val="accent1">
+        <a:tint val="50000"/>
+        <a:alpha val="40000"/>
+      </a:schemeClr>
+    </dgm:fillClrLst>
+    <dgm:linClrLst meth="repeat">
+      <a:schemeClr val="accent1"/>
+    </dgm:linClrLst>
+    <dgm:effectClrLst/>
+    <dgm:txLinClrLst/>
+    <dgm:txFillClrLst meth="repeat">
+      <a:schemeClr val="lt1"/>
+    </dgm:txFillClrLst>
+    <dgm:txEffectClrLst/>
+  </dgm:styleLbl>
+  <dgm:styleLbl name="fgShp">
+    <dgm:fillClrLst meth="repeat">
+      <a:schemeClr val="accent1">
+        <a:tint val="60000"/>
+      </a:schemeClr>
+    </dgm:fillClrLst>
+    <dgm:linClrLst meth="repeat">
+      <a:schemeClr val="lt1"/>
+    </dgm:linClrLst>
+    <dgm:effectClrLst/>
+    <dgm:txLinClrLst/>
+    <dgm:txFillClrLst meth="repeat">
+      <a:schemeClr val="dk1"/>
+    </dgm:txFillClrLst>
+    <dgm:txEffectClrLst/>
+  </dgm:styleLbl>
+  <dgm:styleLbl name="revTx">
+    <dgm:fillClrLst meth="repeat">
+      <a:schemeClr val="lt1">
+        <a:alpha val="0"/>
+      </a:schemeClr>
+    </dgm:fillClrLst>
+    <dgm:linClrLst meth="repeat">
+      <a:schemeClr val="dk1">
+        <a:alpha val="0"/>
+      </a:schemeClr>
+    </dgm:linClrLst>
+    <dgm:effectClrLst/>
+    <dgm:txLinClrLst/>
+    <dgm:txFillClrLst meth="repeat">
+      <a:schemeClr val="tx1"/>
+    </dgm:txFillClrLst>
+    <dgm:txEffectClrLst/>
+  </dgm:styleLbl>
+</dgm:colorsDef>
+</file>
+
+<file path=ppt/diagrams/data1.xml><?xml version="1.0" encoding="utf-8"?>
+<dgm:dataModel xmlns:dgm="http://schemas.openxmlformats.org/drawingml/2006/diagram" xmlns:a="http://schemas.openxmlformats.org/drawingml/2006/main">
+  <dgm:ptLst>
+    <dgm:pt modelId="{0456FCB8-9312-4704-9AF1-BE98555DC1CC}" type="doc">
+      <dgm:prSet loTypeId="urn:microsoft.com/office/officeart/2018/2/layout/IconVerticalSolidList" loCatId="icon" qsTypeId="urn:microsoft.com/office/officeart/2005/8/quickstyle/simple1" qsCatId="simple" csTypeId="urn:microsoft.com/office/officeart/2005/8/colors/accent1_2" csCatId="accent1" phldr="1"/>
+      <dgm:spPr/>
+      <dgm:t>
+        <a:bodyPr/>
+        <a:lstStyle/>
+        <a:p>
+          <a:endParaRPr lang="en-US"/>
+        </a:p>
+      </dgm:t>
+    </dgm:pt>
+    <dgm:pt modelId="{61D829E1-0B3E-4B9A-ACF8-4AAF1FA3C94D}">
+      <dgm:prSet custT="1"/>
+      <dgm:spPr/>
+      <dgm:t>
+        <a:bodyPr/>
+        <a:lstStyle/>
+        <a:p>
+          <a:pPr>
+            <a:lnSpc>
+              <a:spcPct val="100000"/>
+            </a:lnSpc>
+          </a:pPr>
+          <a:r>
+            <a:rPr lang="en-US" sz="2400" dirty="0"/>
+            <a:t>The step of capturing patterns from data is called </a:t>
+          </a:r>
+          <a:r>
+            <a:rPr lang="en-US" sz="2400" b="1" dirty="0"/>
+            <a:t>fitting</a:t>
+          </a:r>
+          <a:r>
+            <a:rPr lang="en-US" sz="2400" dirty="0"/>
+            <a:t> or </a:t>
+          </a:r>
+          <a:r>
+            <a:rPr lang="en-US" sz="2400" b="1" dirty="0"/>
+            <a:t>training</a:t>
+          </a:r>
+          <a:r>
+            <a:rPr lang="en-US" sz="2400" dirty="0"/>
+            <a:t> the model. </a:t>
+          </a:r>
+        </a:p>
+      </dgm:t>
+    </dgm:pt>
+    <dgm:pt modelId="{80B146BA-9F90-4B63-97DB-F035D4A6EA91}" type="parTrans" cxnId="{BF307076-02D0-4F7B-A619-49C6334EE0F6}">
+      <dgm:prSet/>
+      <dgm:spPr/>
+      <dgm:t>
+        <a:bodyPr/>
+        <a:lstStyle/>
+        <a:p>
+          <a:endParaRPr lang="en-US"/>
+        </a:p>
+      </dgm:t>
+    </dgm:pt>
+    <dgm:pt modelId="{5B48E163-AE0F-4354-97FC-4567344D8D8B}" type="sibTrans" cxnId="{BF307076-02D0-4F7B-A619-49C6334EE0F6}">
+      <dgm:prSet/>
+      <dgm:spPr/>
+      <dgm:t>
+        <a:bodyPr/>
+        <a:lstStyle/>
+        <a:p>
+          <a:endParaRPr lang="en-US"/>
+        </a:p>
+      </dgm:t>
+    </dgm:pt>
+    <dgm:pt modelId="{BD7E5066-08FD-4DC7-9C9F-BEC9FB39A41A}">
+      <dgm:prSet custT="1"/>
+      <dgm:spPr/>
+      <dgm:t>
+        <a:bodyPr/>
+        <a:lstStyle/>
+        <a:p>
+          <a:pPr>
+            <a:lnSpc>
+              <a:spcPct val="100000"/>
+            </a:lnSpc>
+          </a:pPr>
+          <a:r>
+            <a:rPr lang="en-US" sz="2400" dirty="0"/>
+            <a:t>The data used to </a:t>
+          </a:r>
+          <a:r>
+            <a:rPr lang="en-US" sz="2400" b="1" dirty="0"/>
+            <a:t>fit</a:t>
+          </a:r>
+          <a:r>
+            <a:rPr lang="en-US" sz="2400" dirty="0"/>
+            <a:t> the model is called the </a:t>
+          </a:r>
+          <a:r>
+            <a:rPr lang="en-US" sz="2400" b="1" dirty="0"/>
+            <a:t>training data</a:t>
+          </a:r>
+          <a:r>
+            <a:rPr lang="en-US" sz="2400" dirty="0"/>
+            <a:t>.</a:t>
+          </a:r>
+        </a:p>
+      </dgm:t>
+    </dgm:pt>
+    <dgm:pt modelId="{625D6E19-102C-4AC5-8E00-2FC58124DAC6}" type="parTrans" cxnId="{605F5467-31B1-4C8B-9D6A-92252113D3AC}">
+      <dgm:prSet/>
+      <dgm:spPr/>
+      <dgm:t>
+        <a:bodyPr/>
+        <a:lstStyle/>
+        <a:p>
+          <a:endParaRPr lang="en-US"/>
+        </a:p>
+      </dgm:t>
+    </dgm:pt>
+    <dgm:pt modelId="{0F6D9EE1-7CA6-42B8-859D-6E4C6939FF0D}" type="sibTrans" cxnId="{605F5467-31B1-4C8B-9D6A-92252113D3AC}">
+      <dgm:prSet/>
+      <dgm:spPr/>
+      <dgm:t>
+        <a:bodyPr/>
+        <a:lstStyle/>
+        <a:p>
+          <a:endParaRPr lang="en-US"/>
+        </a:p>
+      </dgm:t>
+    </dgm:pt>
+    <dgm:pt modelId="{845D056F-1D77-4D8E-B2A0-48FDFDB4F427}">
+      <dgm:prSet custT="1"/>
+      <dgm:spPr/>
+      <dgm:t>
+        <a:bodyPr/>
+        <a:lstStyle/>
+        <a:p>
+          <a:pPr>
+            <a:lnSpc>
+              <a:spcPct val="100000"/>
+            </a:lnSpc>
+          </a:pPr>
+          <a:r>
+            <a:rPr lang="en-US" sz="2000" dirty="0"/>
+            <a:t>After the model has been fit, you can apply it to new data to </a:t>
+          </a:r>
+          <a:r>
+            <a:rPr lang="en-US" sz="2000" b="1" dirty="0"/>
+            <a:t>predict</a:t>
+          </a:r>
+          <a:r>
+            <a:rPr lang="en-US" sz="2000" dirty="0"/>
+            <a:t> prices of additional homes.</a:t>
+          </a:r>
+        </a:p>
+      </dgm:t>
+    </dgm:pt>
+    <dgm:pt modelId="{F75DA11C-362C-4D29-BE85-1DB0A6900100}" type="parTrans" cxnId="{5182BD5B-C48A-484A-838E-BC0EFBF64FC4}">
+      <dgm:prSet/>
+      <dgm:spPr/>
+      <dgm:t>
+        <a:bodyPr/>
+        <a:lstStyle/>
+        <a:p>
+          <a:endParaRPr lang="en-US"/>
+        </a:p>
+      </dgm:t>
+    </dgm:pt>
+    <dgm:pt modelId="{C3006434-5FEB-4D93-A399-70575CDC9826}" type="sibTrans" cxnId="{5182BD5B-C48A-484A-838E-BC0EFBF64FC4}">
+      <dgm:prSet/>
+      <dgm:spPr/>
+      <dgm:t>
+        <a:bodyPr/>
+        <a:lstStyle/>
+        <a:p>
+          <a:endParaRPr lang="en-US"/>
+        </a:p>
+      </dgm:t>
+    </dgm:pt>
+    <dgm:pt modelId="{4DB180A8-9363-47C3-8DBF-B24919FC6BBF}">
+      <dgm:prSet custT="1"/>
+      <dgm:spPr/>
+      <dgm:t>
+        <a:bodyPr/>
+        <a:lstStyle/>
+        <a:p>
+          <a:pPr>
+            <a:lnSpc>
+              <a:spcPct val="100000"/>
+            </a:lnSpc>
+          </a:pPr>
+          <a:r>
+            <a:rPr lang="en-US" sz="2400" dirty="0"/>
+            <a:t>One type of model is - </a:t>
+          </a:r>
+          <a:r>
+            <a:rPr lang="en-US" sz="2400" b="1" dirty="0"/>
+            <a:t>Decision Tree.</a:t>
+          </a:r>
+          <a:endParaRPr lang="en-US" sz="2400" dirty="0"/>
+        </a:p>
+      </dgm:t>
+    </dgm:pt>
+    <dgm:pt modelId="{6B232D72-490B-423F-8E95-670635FA3AB2}" type="parTrans" cxnId="{EF7403BC-0FBA-4DBD-86C5-2E581B65EDE0}">
+      <dgm:prSet/>
+      <dgm:spPr/>
+      <dgm:t>
+        <a:bodyPr/>
+        <a:lstStyle/>
+        <a:p>
+          <a:endParaRPr lang="en-US"/>
+        </a:p>
+      </dgm:t>
+    </dgm:pt>
+    <dgm:pt modelId="{DD2F2765-98F5-4142-AA58-CEB06CAF0771}" type="sibTrans" cxnId="{EF7403BC-0FBA-4DBD-86C5-2E581B65EDE0}">
+      <dgm:prSet/>
+      <dgm:spPr/>
+      <dgm:t>
+        <a:bodyPr/>
+        <a:lstStyle/>
+        <a:p>
+          <a:endParaRPr lang="en-US"/>
+        </a:p>
+      </dgm:t>
+    </dgm:pt>
+    <dgm:pt modelId="{57F07FC9-6065-47F0-BA7F-7126B8FEABFB}">
+      <dgm:prSet/>
+      <dgm:spPr/>
+      <dgm:t>
+        <a:bodyPr/>
+        <a:lstStyle/>
+        <a:p>
+          <a:pPr>
+            <a:lnSpc>
+              <a:spcPct val="100000"/>
+            </a:lnSpc>
+          </a:pPr>
+          <a:r>
+            <a:rPr lang="en-US" dirty="0"/>
+            <a:t>In decision tree, you can capture more factors using a tree that has more </a:t>
+          </a:r>
+          <a:r>
+            <a:rPr lang="en-US" b="1" dirty="0"/>
+            <a:t>"splits." </a:t>
+          </a:r>
+          <a:r>
+            <a:rPr lang="en-US" dirty="0"/>
+            <a:t>These are called </a:t>
+          </a:r>
+          <a:r>
+            <a:rPr lang="en-US" b="1" dirty="0"/>
+            <a:t>"deeper" </a:t>
+          </a:r>
+          <a:r>
+            <a:rPr lang="en-US" dirty="0"/>
+            <a:t>trees.</a:t>
+          </a:r>
+        </a:p>
+      </dgm:t>
+    </dgm:pt>
+    <dgm:pt modelId="{8D0D8C34-F421-491D-9CF5-4BB3C89D9D16}" type="parTrans" cxnId="{4F0923E0-D8E8-4AC4-8513-6368AB12251C}">
+      <dgm:prSet/>
+      <dgm:spPr/>
+      <dgm:t>
+        <a:bodyPr/>
+        <a:lstStyle/>
+        <a:p>
+          <a:endParaRPr lang="en-US"/>
+        </a:p>
+      </dgm:t>
+    </dgm:pt>
+    <dgm:pt modelId="{7A967996-7EFB-4E0A-B257-5566ACAE27F8}" type="sibTrans" cxnId="{4F0923E0-D8E8-4AC4-8513-6368AB12251C}">
+      <dgm:prSet/>
+      <dgm:spPr/>
+      <dgm:t>
+        <a:bodyPr/>
+        <a:lstStyle/>
+        <a:p>
+          <a:endParaRPr lang="en-US"/>
+        </a:p>
+      </dgm:t>
+    </dgm:pt>
+    <dgm:pt modelId="{5A9F3DA1-A040-4B73-B5C8-A05E6D40E246}" type="pres">
+      <dgm:prSet presAssocID="{0456FCB8-9312-4704-9AF1-BE98555DC1CC}" presName="root" presStyleCnt="0">
+        <dgm:presLayoutVars>
+          <dgm:dir/>
+          <dgm:resizeHandles val="exact"/>
+        </dgm:presLayoutVars>
+      </dgm:prSet>
+      <dgm:spPr/>
+    </dgm:pt>
+    <dgm:pt modelId="{7A70249B-A953-4B51-803D-DED7EF71679C}" type="pres">
+      <dgm:prSet presAssocID="{61D829E1-0B3E-4B9A-ACF8-4AAF1FA3C94D}" presName="compNode" presStyleCnt="0"/>
+      <dgm:spPr/>
+    </dgm:pt>
+    <dgm:pt modelId="{874B7B17-8611-41FE-9DE6-017342615EA6}" type="pres">
+      <dgm:prSet presAssocID="{61D829E1-0B3E-4B9A-ACF8-4AAF1FA3C94D}" presName="bgRect" presStyleLbl="bgShp" presStyleIdx="0" presStyleCnt="5"/>
+      <dgm:spPr/>
+    </dgm:pt>
+    <dgm:pt modelId="{00ED5EEF-B036-4CC0-B162-AC7567799375}" type="pres">
+      <dgm:prSet presAssocID="{61D829E1-0B3E-4B9A-ACF8-4AAF1FA3C94D}" presName="iconRect" presStyleLbl="node1" presStyleIdx="0" presStyleCnt="5"/>
+      <dgm:spPr>
+        <a:blipFill>
+          <a:blip xmlns:r="http://schemas.openxmlformats.org/officeDocument/2006/relationships" r:embed="rId1">
+            <a:extLst>
+              <a:ext uri="{28A0092B-C50C-407E-A947-70E740481C1C}">
+                <a14:useLocalDpi xmlns:a14="http://schemas.microsoft.com/office/drawing/2010/main" val="0"/>
+              </a:ext>
+              <a:ext uri="{96DAC541-7B7A-43D3-8B79-37D633B846F1}">
+                <asvg:svgBlip xmlns:asvg="http://schemas.microsoft.com/office/drawing/2016/SVG/main" r:embed="rId2"/>
+              </a:ext>
+            </a:extLst>
+          </a:blip>
+          <a:stretch>
+            <a:fillRect/>
+          </a:stretch>
+        </a:blipFill>
+      </dgm:spPr>
+      <dgm:extLst>
+        <a:ext uri="{E40237B7-FDA0-4F09-8148-C483321AD2D9}">
+          <dgm14:cNvPr xmlns:dgm14="http://schemas.microsoft.com/office/drawing/2010/diagram" id="0" name="" descr="Statistics"/>
+        </a:ext>
+      </dgm:extLst>
+    </dgm:pt>
+    <dgm:pt modelId="{4FFE3F7A-996D-4E5B-80EC-4263E73E8E77}" type="pres">
+      <dgm:prSet presAssocID="{61D829E1-0B3E-4B9A-ACF8-4AAF1FA3C94D}" presName="spaceRect" presStyleCnt="0"/>
+      <dgm:spPr/>
+    </dgm:pt>
+    <dgm:pt modelId="{5EC2E611-7776-407F-8003-E8683A4B190A}" type="pres">
+      <dgm:prSet presAssocID="{61D829E1-0B3E-4B9A-ACF8-4AAF1FA3C94D}" presName="parTx" presStyleLbl="revTx" presStyleIdx="0" presStyleCnt="5">
+        <dgm:presLayoutVars>
+          <dgm:chMax val="0"/>
+          <dgm:chPref val="0"/>
+        </dgm:presLayoutVars>
+      </dgm:prSet>
+      <dgm:spPr/>
+    </dgm:pt>
+    <dgm:pt modelId="{1797CFB5-2E30-43B8-AD8A-72BD82ED5DD9}" type="pres">
+      <dgm:prSet presAssocID="{5B48E163-AE0F-4354-97FC-4567344D8D8B}" presName="sibTrans" presStyleCnt="0"/>
+      <dgm:spPr/>
+    </dgm:pt>
+    <dgm:pt modelId="{4303FFCD-6B62-46F4-9526-30600EECDE82}" type="pres">
+      <dgm:prSet presAssocID="{BD7E5066-08FD-4DC7-9C9F-BEC9FB39A41A}" presName="compNode" presStyleCnt="0"/>
+      <dgm:spPr/>
+    </dgm:pt>
+    <dgm:pt modelId="{97CCCEA2-B319-4B20-A93C-3047BED4F05B}" type="pres">
+      <dgm:prSet presAssocID="{BD7E5066-08FD-4DC7-9C9F-BEC9FB39A41A}" presName="bgRect" presStyleLbl="bgShp" presStyleIdx="1" presStyleCnt="5"/>
+      <dgm:spPr/>
+    </dgm:pt>
+    <dgm:pt modelId="{96AAB645-0083-4734-A612-08C9489AD83C}" type="pres">
+      <dgm:prSet presAssocID="{BD7E5066-08FD-4DC7-9C9F-BEC9FB39A41A}" presName="iconRect" presStyleLbl="node1" presStyleIdx="1" presStyleCnt="5"/>
+      <dgm:spPr>
+        <a:blipFill>
+          <a:blip xmlns:r="http://schemas.openxmlformats.org/officeDocument/2006/relationships" r:embed="rId3">
+            <a:extLst>
+              <a:ext uri="{28A0092B-C50C-407E-A947-70E740481C1C}">
+                <a14:useLocalDpi xmlns:a14="http://schemas.microsoft.com/office/drawing/2010/main" val="0"/>
+              </a:ext>
+              <a:ext uri="{96DAC541-7B7A-43D3-8B79-37D633B846F1}">
+                <asvg:svgBlip xmlns:asvg="http://schemas.microsoft.com/office/drawing/2016/SVG/main" r:embed="rId4"/>
+              </a:ext>
+            </a:extLst>
+          </a:blip>
+          <a:stretch>
+            <a:fillRect/>
+          </a:stretch>
+        </a:blipFill>
+      </dgm:spPr>
+      <dgm:extLst>
+        <a:ext uri="{E40237B7-FDA0-4F09-8148-C483321AD2D9}">
+          <dgm14:cNvPr xmlns:dgm14="http://schemas.microsoft.com/office/drawing/2010/diagram" id="0" name="" descr="Database"/>
+        </a:ext>
+      </dgm:extLst>
+    </dgm:pt>
+    <dgm:pt modelId="{3FEEFABC-5D53-4FF5-BBDF-E1E8CC778E83}" type="pres">
+      <dgm:prSet presAssocID="{BD7E5066-08FD-4DC7-9C9F-BEC9FB39A41A}" presName="spaceRect" presStyleCnt="0"/>
+      <dgm:spPr/>
+    </dgm:pt>
+    <dgm:pt modelId="{0C2AE627-CB0A-4C98-938A-AF4FE384FB7C}" type="pres">
+      <dgm:prSet presAssocID="{BD7E5066-08FD-4DC7-9C9F-BEC9FB39A41A}" presName="parTx" presStyleLbl="revTx" presStyleIdx="1" presStyleCnt="5">
+        <dgm:presLayoutVars>
+          <dgm:chMax val="0"/>
+          <dgm:chPref val="0"/>
+        </dgm:presLayoutVars>
+      </dgm:prSet>
+      <dgm:spPr/>
+    </dgm:pt>
+    <dgm:pt modelId="{9DC98861-A914-48CA-B211-F3709EEA807C}" type="pres">
+      <dgm:prSet presAssocID="{0F6D9EE1-7CA6-42B8-859D-6E4C6939FF0D}" presName="sibTrans" presStyleCnt="0"/>
+      <dgm:spPr/>
+    </dgm:pt>
+    <dgm:pt modelId="{8763E6FF-9BFA-464B-B531-BCE890B95465}" type="pres">
+      <dgm:prSet presAssocID="{845D056F-1D77-4D8E-B2A0-48FDFDB4F427}" presName="compNode" presStyleCnt="0"/>
+      <dgm:spPr/>
+    </dgm:pt>
+    <dgm:pt modelId="{204CC120-99D8-4AED-B8E6-5369B7021194}" type="pres">
+      <dgm:prSet presAssocID="{845D056F-1D77-4D8E-B2A0-48FDFDB4F427}" presName="bgRect" presStyleLbl="bgShp" presStyleIdx="2" presStyleCnt="5"/>
+      <dgm:spPr/>
+    </dgm:pt>
+    <dgm:pt modelId="{E2FF9710-2FA8-4FA7-ADFE-5279F2455CBB}" type="pres">
+      <dgm:prSet presAssocID="{845D056F-1D77-4D8E-B2A0-48FDFDB4F427}" presName="iconRect" presStyleLbl="node1" presStyleIdx="2" presStyleCnt="5"/>
+      <dgm:spPr>
+        <a:blipFill>
+          <a:blip xmlns:r="http://schemas.openxmlformats.org/officeDocument/2006/relationships" r:embed="rId5">
+            <a:extLst>
+              <a:ext uri="{28A0092B-C50C-407E-A947-70E740481C1C}">
+                <a14:useLocalDpi xmlns:a14="http://schemas.microsoft.com/office/drawing/2010/main" val="0"/>
+              </a:ext>
+              <a:ext uri="{96DAC541-7B7A-43D3-8B79-37D633B846F1}">
+                <asvg:svgBlip xmlns:asvg="http://schemas.microsoft.com/office/drawing/2016/SVG/main" r:embed="rId6"/>
+              </a:ext>
+            </a:extLst>
+          </a:blip>
+          <a:stretch>
+            <a:fillRect/>
+          </a:stretch>
+        </a:blipFill>
+      </dgm:spPr>
+      <dgm:extLst>
+        <a:ext uri="{E40237B7-FDA0-4F09-8148-C483321AD2D9}">
+          <dgm14:cNvPr xmlns:dgm14="http://schemas.microsoft.com/office/drawing/2010/diagram" id="0" name="" descr="Business Growth"/>
+        </a:ext>
+      </dgm:extLst>
+    </dgm:pt>
+    <dgm:pt modelId="{EAFD4126-AE3D-4EE3-9ADC-D483CA41A343}" type="pres">
+      <dgm:prSet presAssocID="{845D056F-1D77-4D8E-B2A0-48FDFDB4F427}" presName="spaceRect" presStyleCnt="0"/>
+      <dgm:spPr/>
+    </dgm:pt>
+    <dgm:pt modelId="{38F17C8D-5755-455C-BD5A-9524FC30E715}" type="pres">
+      <dgm:prSet presAssocID="{845D056F-1D77-4D8E-B2A0-48FDFDB4F427}" presName="parTx" presStyleLbl="revTx" presStyleIdx="2" presStyleCnt="5">
+        <dgm:presLayoutVars>
+          <dgm:chMax val="0"/>
+          <dgm:chPref val="0"/>
+        </dgm:presLayoutVars>
+      </dgm:prSet>
+      <dgm:spPr/>
+    </dgm:pt>
+    <dgm:pt modelId="{6FA6CDDE-8979-4FF2-A5BA-434C8CC70537}" type="pres">
+      <dgm:prSet presAssocID="{C3006434-5FEB-4D93-A399-70575CDC9826}" presName="sibTrans" presStyleCnt="0"/>
+      <dgm:spPr/>
+    </dgm:pt>
+    <dgm:pt modelId="{F60086EF-42C1-4500-9D2A-CCC67454A48C}" type="pres">
+      <dgm:prSet presAssocID="{4DB180A8-9363-47C3-8DBF-B24919FC6BBF}" presName="compNode" presStyleCnt="0"/>
+      <dgm:spPr/>
+    </dgm:pt>
+    <dgm:pt modelId="{2FD4DC91-6254-4743-A59B-ED9FD66D5078}" type="pres">
+      <dgm:prSet presAssocID="{4DB180A8-9363-47C3-8DBF-B24919FC6BBF}" presName="bgRect" presStyleLbl="bgShp" presStyleIdx="3" presStyleCnt="5"/>
+      <dgm:spPr/>
+    </dgm:pt>
+    <dgm:pt modelId="{AC7B2939-14B8-4103-8AC1-7778FE906C5D}" type="pres">
+      <dgm:prSet presAssocID="{4DB180A8-9363-47C3-8DBF-B24919FC6BBF}" presName="iconRect" presStyleLbl="node1" presStyleIdx="3" presStyleCnt="5"/>
+      <dgm:spPr>
+        <a:blipFill>
+          <a:blip xmlns:r="http://schemas.openxmlformats.org/officeDocument/2006/relationships" r:embed="rId7">
+            <a:extLst>
+              <a:ext uri="{28A0092B-C50C-407E-A947-70E740481C1C}">
+                <a14:useLocalDpi xmlns:a14="http://schemas.microsoft.com/office/drawing/2010/main" val="0"/>
+              </a:ext>
+              <a:ext uri="{96DAC541-7B7A-43D3-8B79-37D633B846F1}">
+                <asvg:svgBlip xmlns:asvg="http://schemas.microsoft.com/office/drawing/2016/SVG/main" r:embed="rId8"/>
+              </a:ext>
+            </a:extLst>
+          </a:blip>
+          <a:stretch>
+            <a:fillRect/>
+          </a:stretch>
+        </a:blipFill>
+      </dgm:spPr>
+      <dgm:extLst>
+        <a:ext uri="{E40237B7-FDA0-4F09-8148-C483321AD2D9}">
+          <dgm14:cNvPr xmlns:dgm14="http://schemas.microsoft.com/office/drawing/2010/diagram" id="0" name="" descr="Decision chart"/>
+        </a:ext>
+      </dgm:extLst>
+    </dgm:pt>
+    <dgm:pt modelId="{F859BD4B-C034-42B2-A377-A4E829BBBC95}" type="pres">
+      <dgm:prSet presAssocID="{4DB180A8-9363-47C3-8DBF-B24919FC6BBF}" presName="spaceRect" presStyleCnt="0"/>
+      <dgm:spPr/>
+    </dgm:pt>
+    <dgm:pt modelId="{D74232B2-2C97-4846-B821-DB50BB904301}" type="pres">
+      <dgm:prSet presAssocID="{4DB180A8-9363-47C3-8DBF-B24919FC6BBF}" presName="parTx" presStyleLbl="revTx" presStyleIdx="3" presStyleCnt="5">
+        <dgm:presLayoutVars>
+          <dgm:chMax val="0"/>
+          <dgm:chPref val="0"/>
+        </dgm:presLayoutVars>
+      </dgm:prSet>
+      <dgm:spPr/>
+    </dgm:pt>
+    <dgm:pt modelId="{0D8B27E2-CBCF-4325-967E-4EC381B1F7A7}" type="pres">
+      <dgm:prSet presAssocID="{DD2F2765-98F5-4142-AA58-CEB06CAF0771}" presName="sibTrans" presStyleCnt="0"/>
+      <dgm:spPr/>
+    </dgm:pt>
+    <dgm:pt modelId="{223A2914-7032-437A-83AB-395F022DA3EC}" type="pres">
+      <dgm:prSet presAssocID="{57F07FC9-6065-47F0-BA7F-7126B8FEABFB}" presName="compNode" presStyleCnt="0"/>
+      <dgm:spPr/>
+    </dgm:pt>
+    <dgm:pt modelId="{41E29EDB-6194-4A1A-BB6F-930468D96207}" type="pres">
+      <dgm:prSet presAssocID="{57F07FC9-6065-47F0-BA7F-7126B8FEABFB}" presName="bgRect" presStyleLbl="bgShp" presStyleIdx="4" presStyleCnt="5"/>
+      <dgm:spPr/>
+    </dgm:pt>
+    <dgm:pt modelId="{6299BD8B-4B6E-44B0-87C0-5CDC72F3A78C}" type="pres">
+      <dgm:prSet presAssocID="{57F07FC9-6065-47F0-BA7F-7126B8FEABFB}" presName="iconRect" presStyleLbl="node1" presStyleIdx="4" presStyleCnt="5"/>
+      <dgm:spPr>
+        <a:blipFill>
+          <a:blip xmlns:r="http://schemas.openxmlformats.org/officeDocument/2006/relationships" r:embed="rId9">
+            <a:extLst>
+              <a:ext uri="{28A0092B-C50C-407E-A947-70E740481C1C}">
+                <a14:useLocalDpi xmlns:a14="http://schemas.microsoft.com/office/drawing/2010/main" val="0"/>
+              </a:ext>
+              <a:ext uri="{96DAC541-7B7A-43D3-8B79-37D633B846F1}">
+                <asvg:svgBlip xmlns:asvg="http://schemas.microsoft.com/office/drawing/2016/SVG/main" r:embed="rId10"/>
+              </a:ext>
+            </a:extLst>
+          </a:blip>
+          <a:stretch>
+            <a:fillRect/>
+          </a:stretch>
+        </a:blipFill>
+      </dgm:spPr>
+      <dgm:extLst>
+        <a:ext uri="{E40237B7-FDA0-4F09-8148-C483321AD2D9}">
+          <dgm14:cNvPr xmlns:dgm14="http://schemas.microsoft.com/office/drawing/2010/diagram" id="0" name="" descr="Open Hand with Plant"/>
+        </a:ext>
+      </dgm:extLst>
+    </dgm:pt>
+    <dgm:pt modelId="{4570F980-40B1-441F-84C6-364861A32A08}" type="pres">
+      <dgm:prSet presAssocID="{57F07FC9-6065-47F0-BA7F-7126B8FEABFB}" presName="spaceRect" presStyleCnt="0"/>
+      <dgm:spPr/>
+    </dgm:pt>
+    <dgm:pt modelId="{63ED5D5B-017B-435B-B047-B4C04A4CB694}" type="pres">
+      <dgm:prSet presAssocID="{57F07FC9-6065-47F0-BA7F-7126B8FEABFB}" presName="parTx" presStyleLbl="revTx" presStyleIdx="4" presStyleCnt="5">
+        <dgm:presLayoutVars>
+          <dgm:chMax val="0"/>
+          <dgm:chPref val="0"/>
+        </dgm:presLayoutVars>
+      </dgm:prSet>
+      <dgm:spPr/>
+    </dgm:pt>
+  </dgm:ptLst>
+  <dgm:cxnLst>
+    <dgm:cxn modelId="{5182BD5B-C48A-484A-838E-BC0EFBF64FC4}" srcId="{0456FCB8-9312-4704-9AF1-BE98555DC1CC}" destId="{845D056F-1D77-4D8E-B2A0-48FDFDB4F427}" srcOrd="2" destOrd="0" parTransId="{F75DA11C-362C-4D29-BE85-1DB0A6900100}" sibTransId="{C3006434-5FEB-4D93-A399-70575CDC9826}"/>
+    <dgm:cxn modelId="{605F5467-31B1-4C8B-9D6A-92252113D3AC}" srcId="{0456FCB8-9312-4704-9AF1-BE98555DC1CC}" destId="{BD7E5066-08FD-4DC7-9C9F-BEC9FB39A41A}" srcOrd="1" destOrd="0" parTransId="{625D6E19-102C-4AC5-8E00-2FC58124DAC6}" sibTransId="{0F6D9EE1-7CA6-42B8-859D-6E4C6939FF0D}"/>
+    <dgm:cxn modelId="{BF307076-02D0-4F7B-A619-49C6334EE0F6}" srcId="{0456FCB8-9312-4704-9AF1-BE98555DC1CC}" destId="{61D829E1-0B3E-4B9A-ACF8-4AAF1FA3C94D}" srcOrd="0" destOrd="0" parTransId="{80B146BA-9F90-4B63-97DB-F035D4A6EA91}" sibTransId="{5B48E163-AE0F-4354-97FC-4567344D8D8B}"/>
+    <dgm:cxn modelId="{B84BE67F-BAA0-4BDD-AD84-0A76B1F3329A}" type="presOf" srcId="{845D056F-1D77-4D8E-B2A0-48FDFDB4F427}" destId="{38F17C8D-5755-455C-BD5A-9524FC30E715}" srcOrd="0" destOrd="0" presId="urn:microsoft.com/office/officeart/2018/2/layout/IconVerticalSolidList"/>
+    <dgm:cxn modelId="{592997A7-E43A-4377-9288-6C6CE2D154FB}" type="presOf" srcId="{0456FCB8-9312-4704-9AF1-BE98555DC1CC}" destId="{5A9F3DA1-A040-4B73-B5C8-A05E6D40E246}" srcOrd="0" destOrd="0" presId="urn:microsoft.com/office/officeart/2018/2/layout/IconVerticalSolidList"/>
+    <dgm:cxn modelId="{8F0B9EBA-622D-4E37-953B-87D216FDB962}" type="presOf" srcId="{57F07FC9-6065-47F0-BA7F-7126B8FEABFB}" destId="{63ED5D5B-017B-435B-B047-B4C04A4CB694}" srcOrd="0" destOrd="0" presId="urn:microsoft.com/office/officeart/2018/2/layout/IconVerticalSolidList"/>
+    <dgm:cxn modelId="{C4261CBB-66A9-4351-8BB8-58614F369E28}" type="presOf" srcId="{4DB180A8-9363-47C3-8DBF-B24919FC6BBF}" destId="{D74232B2-2C97-4846-B821-DB50BB904301}" srcOrd="0" destOrd="0" presId="urn:microsoft.com/office/officeart/2018/2/layout/IconVerticalSolidList"/>
+    <dgm:cxn modelId="{EF7403BC-0FBA-4DBD-86C5-2E581B65EDE0}" srcId="{0456FCB8-9312-4704-9AF1-BE98555DC1CC}" destId="{4DB180A8-9363-47C3-8DBF-B24919FC6BBF}" srcOrd="3" destOrd="0" parTransId="{6B232D72-490B-423F-8E95-670635FA3AB2}" sibTransId="{DD2F2765-98F5-4142-AA58-CEB06CAF0771}"/>
+    <dgm:cxn modelId="{44E17DD1-0142-4911-9B90-6370F4265BA5}" type="presOf" srcId="{61D829E1-0B3E-4B9A-ACF8-4AAF1FA3C94D}" destId="{5EC2E611-7776-407F-8003-E8683A4B190A}" srcOrd="0" destOrd="0" presId="urn:microsoft.com/office/officeart/2018/2/layout/IconVerticalSolidList"/>
+    <dgm:cxn modelId="{2F624CDD-B833-4352-9145-4002879709C0}" type="presOf" srcId="{BD7E5066-08FD-4DC7-9C9F-BEC9FB39A41A}" destId="{0C2AE627-CB0A-4C98-938A-AF4FE384FB7C}" srcOrd="0" destOrd="0" presId="urn:microsoft.com/office/officeart/2018/2/layout/IconVerticalSolidList"/>
+    <dgm:cxn modelId="{4F0923E0-D8E8-4AC4-8513-6368AB12251C}" srcId="{0456FCB8-9312-4704-9AF1-BE98555DC1CC}" destId="{57F07FC9-6065-47F0-BA7F-7126B8FEABFB}" srcOrd="4" destOrd="0" parTransId="{8D0D8C34-F421-491D-9CF5-4BB3C89D9D16}" sibTransId="{7A967996-7EFB-4E0A-B257-5566ACAE27F8}"/>
+    <dgm:cxn modelId="{3FEF8C5D-E98E-4919-B139-BA1912C4E813}" type="presParOf" srcId="{5A9F3DA1-A040-4B73-B5C8-A05E6D40E246}" destId="{7A70249B-A953-4B51-803D-DED7EF71679C}" srcOrd="0" destOrd="0" presId="urn:microsoft.com/office/officeart/2018/2/layout/IconVerticalSolidList"/>
+    <dgm:cxn modelId="{D89C7E54-DE94-475E-B931-1FF75D35BFCF}" type="presParOf" srcId="{7A70249B-A953-4B51-803D-DED7EF71679C}" destId="{874B7B17-8611-41FE-9DE6-017342615EA6}" srcOrd="0" destOrd="0" presId="urn:microsoft.com/office/officeart/2018/2/layout/IconVerticalSolidList"/>
+    <dgm:cxn modelId="{9BB5DC3F-4D80-4ED7-9E84-C171060DE934}" type="presParOf" srcId="{7A70249B-A953-4B51-803D-DED7EF71679C}" destId="{00ED5EEF-B036-4CC0-B162-AC7567799375}" srcOrd="1" destOrd="0" presId="urn:microsoft.com/office/officeart/2018/2/layout/IconVerticalSolidList"/>
+    <dgm:cxn modelId="{2B53E67F-37A0-45C3-8F6E-77565C5A89E5}" type="presParOf" srcId="{7A70249B-A953-4B51-803D-DED7EF71679C}" destId="{4FFE3F7A-996D-4E5B-80EC-4263E73E8E77}" srcOrd="2" destOrd="0" presId="urn:microsoft.com/office/officeart/2018/2/layout/IconVerticalSolidList"/>
+    <dgm:cxn modelId="{07C0A1ED-95A1-4CFB-9340-546124BF7061}" type="presParOf" srcId="{7A70249B-A953-4B51-803D-DED7EF71679C}" destId="{5EC2E611-7776-407F-8003-E8683A4B190A}" srcOrd="3" destOrd="0" presId="urn:microsoft.com/office/officeart/2018/2/layout/IconVerticalSolidList"/>
+    <dgm:cxn modelId="{121C919B-B2A4-4EBF-A22B-9F449EB5B516}" type="presParOf" srcId="{5A9F3DA1-A040-4B73-B5C8-A05E6D40E246}" destId="{1797CFB5-2E30-43B8-AD8A-72BD82ED5DD9}" srcOrd="1" destOrd="0" presId="urn:microsoft.com/office/officeart/2018/2/layout/IconVerticalSolidList"/>
+    <dgm:cxn modelId="{BCCE39FB-AB2C-47EA-B798-C95D7D04DA1A}" type="presParOf" srcId="{5A9F3DA1-A040-4B73-B5C8-A05E6D40E246}" destId="{4303FFCD-6B62-46F4-9526-30600EECDE82}" srcOrd="2" destOrd="0" presId="urn:microsoft.com/office/officeart/2018/2/layout/IconVerticalSolidList"/>
+    <dgm:cxn modelId="{802F1ECA-9C7F-4E78-90F6-EBC626FEB965}" type="presParOf" srcId="{4303FFCD-6B62-46F4-9526-30600EECDE82}" destId="{97CCCEA2-B319-4B20-A93C-3047BED4F05B}" srcOrd="0" destOrd="0" presId="urn:microsoft.com/office/officeart/2018/2/layout/IconVerticalSolidList"/>
+    <dgm:cxn modelId="{A7B725BB-A4DC-4FE5-AC45-A9B54E93F430}" type="presParOf" srcId="{4303FFCD-6B62-46F4-9526-30600EECDE82}" destId="{96AAB645-0083-4734-A612-08C9489AD83C}" srcOrd="1" destOrd="0" presId="urn:microsoft.com/office/officeart/2018/2/layout/IconVerticalSolidList"/>
+    <dgm:cxn modelId="{479DE26F-F09B-4421-AA03-B0FD75689069}" type="presParOf" srcId="{4303FFCD-6B62-46F4-9526-30600EECDE82}" destId="{3FEEFABC-5D53-4FF5-BBDF-E1E8CC778E83}" srcOrd="2" destOrd="0" presId="urn:microsoft.com/office/officeart/2018/2/layout/IconVerticalSolidList"/>
+    <dgm:cxn modelId="{0746F125-A3EF-4744-B5E1-24D2DF775F30}" type="presParOf" srcId="{4303FFCD-6B62-46F4-9526-30600EECDE82}" destId="{0C2AE627-CB0A-4C98-938A-AF4FE384FB7C}" srcOrd="3" destOrd="0" presId="urn:microsoft.com/office/officeart/2018/2/layout/IconVerticalSolidList"/>
+    <dgm:cxn modelId="{A4DAB3B0-C089-4FD2-ADDA-2A2CE636C6CD}" type="presParOf" srcId="{5A9F3DA1-A040-4B73-B5C8-A05E6D40E246}" destId="{9DC98861-A914-48CA-B211-F3709EEA807C}" srcOrd="3" destOrd="0" presId="urn:microsoft.com/office/officeart/2018/2/layout/IconVerticalSolidList"/>
+    <dgm:cxn modelId="{6AA53CEA-66F1-4022-9308-D9EB34BF5E83}" type="presParOf" srcId="{5A9F3DA1-A040-4B73-B5C8-A05E6D40E246}" destId="{8763E6FF-9BFA-464B-B531-BCE890B95465}" srcOrd="4" destOrd="0" presId="urn:microsoft.com/office/officeart/2018/2/layout/IconVerticalSolidList"/>
+    <dgm:cxn modelId="{70011EEA-589E-4D80-AFB7-DEB4433BBCD8}" type="presParOf" srcId="{8763E6FF-9BFA-464B-B531-BCE890B95465}" destId="{204CC120-99D8-4AED-B8E6-5369B7021194}" srcOrd="0" destOrd="0" presId="urn:microsoft.com/office/officeart/2018/2/layout/IconVerticalSolidList"/>
+    <dgm:cxn modelId="{A142786A-72E4-450E-A145-38AF7BF48CED}" type="presParOf" srcId="{8763E6FF-9BFA-464B-B531-BCE890B95465}" destId="{E2FF9710-2FA8-4FA7-ADFE-5279F2455CBB}" srcOrd="1" destOrd="0" presId="urn:microsoft.com/office/officeart/2018/2/layout/IconVerticalSolidList"/>
+    <dgm:cxn modelId="{DA8915AD-104F-4A9F-B0C2-B7F8373D58AF}" type="presParOf" srcId="{8763E6FF-9BFA-464B-B531-BCE890B95465}" destId="{EAFD4126-AE3D-4EE3-9ADC-D483CA41A343}" srcOrd="2" destOrd="0" presId="urn:microsoft.com/office/officeart/2018/2/layout/IconVerticalSolidList"/>
+    <dgm:cxn modelId="{11D9699A-0596-420D-891C-8BE2F033D3DE}" type="presParOf" srcId="{8763E6FF-9BFA-464B-B531-BCE890B95465}" destId="{38F17C8D-5755-455C-BD5A-9524FC30E715}" srcOrd="3" destOrd="0" presId="urn:microsoft.com/office/officeart/2018/2/layout/IconVerticalSolidList"/>
+    <dgm:cxn modelId="{EA75EE50-A6ED-454F-A69D-742B7391E942}" type="presParOf" srcId="{5A9F3DA1-A040-4B73-B5C8-A05E6D40E246}" destId="{6FA6CDDE-8979-4FF2-A5BA-434C8CC70537}" srcOrd="5" destOrd="0" presId="urn:microsoft.com/office/officeart/2018/2/layout/IconVerticalSolidList"/>
+    <dgm:cxn modelId="{F241BA6B-B04B-464F-A60A-99EBE5E126CC}" type="presParOf" srcId="{5A9F3DA1-A040-4B73-B5C8-A05E6D40E246}" destId="{F60086EF-42C1-4500-9D2A-CCC67454A48C}" srcOrd="6" destOrd="0" presId="urn:microsoft.com/office/officeart/2018/2/layout/IconVerticalSolidList"/>
+    <dgm:cxn modelId="{DD7EEC06-F210-44DB-802E-A78A93D834D2}" type="presParOf" srcId="{F60086EF-42C1-4500-9D2A-CCC67454A48C}" destId="{2FD4DC91-6254-4743-A59B-ED9FD66D5078}" srcOrd="0" destOrd="0" presId="urn:microsoft.com/office/officeart/2018/2/layout/IconVerticalSolidList"/>
+    <dgm:cxn modelId="{C1EECBCD-4392-465D-AAE4-EFDD1E8400F3}" type="presParOf" srcId="{F60086EF-42C1-4500-9D2A-CCC67454A48C}" destId="{AC7B2939-14B8-4103-8AC1-7778FE906C5D}" srcOrd="1" destOrd="0" presId="urn:microsoft.com/office/officeart/2018/2/layout/IconVerticalSolidList"/>
+    <dgm:cxn modelId="{BA435216-010D-4D92-A669-7D36FF59D182}" type="presParOf" srcId="{F60086EF-42C1-4500-9D2A-CCC67454A48C}" destId="{F859BD4B-C034-42B2-A377-A4E829BBBC95}" srcOrd="2" destOrd="0" presId="urn:microsoft.com/office/officeart/2018/2/layout/IconVerticalSolidList"/>
+    <dgm:cxn modelId="{9401D66E-3C0B-437E-90D5-C6843479DCC6}" type="presParOf" srcId="{F60086EF-42C1-4500-9D2A-CCC67454A48C}" destId="{D74232B2-2C97-4846-B821-DB50BB904301}" srcOrd="3" destOrd="0" presId="urn:microsoft.com/office/officeart/2018/2/layout/IconVerticalSolidList"/>
+    <dgm:cxn modelId="{3EA3CBF7-17F4-4DE0-9E8C-45F0BFFD452F}" type="presParOf" srcId="{5A9F3DA1-A040-4B73-B5C8-A05E6D40E246}" destId="{0D8B27E2-CBCF-4325-967E-4EC381B1F7A7}" srcOrd="7" destOrd="0" presId="urn:microsoft.com/office/officeart/2018/2/layout/IconVerticalSolidList"/>
+    <dgm:cxn modelId="{63431077-8F3F-450B-94B6-9E1105B4B8F1}" type="presParOf" srcId="{5A9F3DA1-A040-4B73-B5C8-A05E6D40E246}" destId="{223A2914-7032-437A-83AB-395F022DA3EC}" srcOrd="8" destOrd="0" presId="urn:microsoft.com/office/officeart/2018/2/layout/IconVerticalSolidList"/>
+    <dgm:cxn modelId="{F74D75FA-4305-474C-81AB-1ABD75870004}" type="presParOf" srcId="{223A2914-7032-437A-83AB-395F022DA3EC}" destId="{41E29EDB-6194-4A1A-BB6F-930468D96207}" srcOrd="0" destOrd="0" presId="urn:microsoft.com/office/officeart/2018/2/layout/IconVerticalSolidList"/>
+    <dgm:cxn modelId="{F87F46EF-3529-4E51-BD76-13F808A53584}" type="presParOf" srcId="{223A2914-7032-437A-83AB-395F022DA3EC}" destId="{6299BD8B-4B6E-44B0-87C0-5CDC72F3A78C}" srcOrd="1" destOrd="0" presId="urn:microsoft.com/office/officeart/2018/2/layout/IconVerticalSolidList"/>
+    <dgm:cxn modelId="{6E761975-864F-486B-ACC0-631BD144E698}" type="presParOf" srcId="{223A2914-7032-437A-83AB-395F022DA3EC}" destId="{4570F980-40B1-441F-84C6-364861A32A08}" srcOrd="2" destOrd="0" presId="urn:microsoft.com/office/officeart/2018/2/layout/IconVerticalSolidList"/>
+    <dgm:cxn modelId="{C2B59F22-AA06-4BA4-B252-E836F2EFDA32}" type="presParOf" srcId="{223A2914-7032-437A-83AB-395F022DA3EC}" destId="{63ED5D5B-017B-435B-B047-B4C04A4CB694}" srcOrd="3" destOrd="0" presId="urn:microsoft.com/office/officeart/2018/2/layout/IconVerticalSolidList"/>
+  </dgm:cxnLst>
+  <dgm:bg/>
+  <dgm:whole/>
+  <dgm:extLst>
+    <a:ext uri="http://schemas.microsoft.com/office/drawing/2008/diagram">
+      <dsp:dataModelExt xmlns:dsp="http://schemas.microsoft.com/office/drawing/2008/diagram" relId="rId6" minVer="http://schemas.openxmlformats.org/drawingml/2006/diagram"/>
+    </a:ext>
+  </dgm:extLst>
+</dgm:dataModel>
+</file>
+
+<file path=ppt/diagrams/drawing1.xml><?xml version="1.0" encoding="utf-8"?>
+<dsp:drawing xmlns:dgm="http://schemas.openxmlformats.org/drawingml/2006/diagram" xmlns:dsp="http://schemas.microsoft.com/office/drawing/2008/diagram" xmlns:a="http://schemas.openxmlformats.org/drawingml/2006/main">
+  <dsp:spTree>
+    <dsp:nvGrpSpPr>
+      <dsp:cNvPr id="0" name=""/>
+      <dsp:cNvGrpSpPr/>
+    </dsp:nvGrpSpPr>
+    <dsp:grpSpPr/>
+    <dsp:sp modelId="{874B7B17-8611-41FE-9DE6-017342615EA6}">
+      <dsp:nvSpPr>
+        <dsp:cNvPr id="0" name=""/>
+        <dsp:cNvSpPr/>
+      </dsp:nvSpPr>
+      <dsp:spPr>
+        <a:xfrm>
+          <a:off x="0" y="5520"/>
+          <a:ext cx="10794357" cy="661378"/>
+        </a:xfrm>
+        <a:prstGeom prst="roundRect">
+          <a:avLst>
+            <a:gd name="adj" fmla="val 10000"/>
+          </a:avLst>
+        </a:prstGeom>
+        <a:solidFill>
+          <a:schemeClr val="accent1">
+            <a:tint val="40000"/>
+            <a:hueOff val="0"/>
+            <a:satOff val="0"/>
+            <a:lumOff val="0"/>
+            <a:alphaOff val="0"/>
+          </a:schemeClr>
+        </a:solidFill>
+        <a:ln>
+          <a:noFill/>
+        </a:ln>
+        <a:effectLst/>
+      </dsp:spPr>
+      <dsp:style>
+        <a:lnRef idx="0">
+          <a:scrgbClr r="0" g="0" b="0"/>
+        </a:lnRef>
+        <a:fillRef idx="1">
+          <a:scrgbClr r="0" g="0" b="0"/>
+        </a:fillRef>
+        <a:effectRef idx="0">
+          <a:scrgbClr r="0" g="0" b="0"/>
+        </a:effectRef>
+        <a:fontRef idx="minor"/>
+      </dsp:style>
+    </dsp:sp>
+    <dsp:sp modelId="{00ED5EEF-B036-4CC0-B162-AC7567799375}">
+      <dsp:nvSpPr>
+        <dsp:cNvPr id="0" name=""/>
+        <dsp:cNvSpPr/>
+      </dsp:nvSpPr>
+      <dsp:spPr>
+        <a:xfrm>
+          <a:off x="200066" y="154330"/>
+          <a:ext cx="364113" cy="363758"/>
+        </a:xfrm>
+        <a:prstGeom prst="rect">
+          <a:avLst/>
+        </a:prstGeom>
+        <a:blipFill>
+          <a:blip xmlns:r="http://schemas.openxmlformats.org/officeDocument/2006/relationships" r:embed="rId1">
+            <a:extLst>
+              <a:ext uri="{28A0092B-C50C-407E-A947-70E740481C1C}">
+                <a14:useLocalDpi xmlns:a14="http://schemas.microsoft.com/office/drawing/2010/main" val="0"/>
+              </a:ext>
+              <a:ext uri="{96DAC541-7B7A-43D3-8B79-37D633B846F1}">
+                <asvg:svgBlip xmlns:asvg="http://schemas.microsoft.com/office/drawing/2016/SVG/main" r:embed="rId2"/>
+              </a:ext>
+            </a:extLst>
+          </a:blip>
+          <a:stretch>
+            <a:fillRect/>
+          </a:stretch>
+        </a:blipFill>
+        <a:ln w="12700" cap="flat" cmpd="sng" algn="ctr">
+          <a:solidFill>
+            <a:schemeClr val="lt1">
+              <a:hueOff val="0"/>
+              <a:satOff val="0"/>
+              <a:lumOff val="0"/>
+              <a:alphaOff val="0"/>
+            </a:schemeClr>
+          </a:solidFill>
+          <a:prstDash val="solid"/>
+          <a:miter lim="800000"/>
+        </a:ln>
+        <a:effectLst/>
+      </dsp:spPr>
+      <dsp:style>
+        <a:lnRef idx="2">
+          <a:scrgbClr r="0" g="0" b="0"/>
+        </a:lnRef>
+        <a:fillRef idx="1">
+          <a:scrgbClr r="0" g="0" b="0"/>
+        </a:fillRef>
+        <a:effectRef idx="0">
+          <a:scrgbClr r="0" g="0" b="0"/>
+        </a:effectRef>
+        <a:fontRef idx="minor">
+          <a:schemeClr val="lt1"/>
+        </a:fontRef>
+      </dsp:style>
+    </dsp:sp>
+    <dsp:sp modelId="{5EC2E611-7776-407F-8003-E8683A4B190A}">
+      <dsp:nvSpPr>
+        <dsp:cNvPr id="0" name=""/>
+        <dsp:cNvSpPr/>
+      </dsp:nvSpPr>
+      <dsp:spPr>
+        <a:xfrm>
+          <a:off x="764247" y="5520"/>
+          <a:ext cx="9995582" cy="723382"/>
+        </a:xfrm>
+        <a:prstGeom prst="rect">
+          <a:avLst/>
+        </a:prstGeom>
+        <a:noFill/>
+        <a:ln>
+          <a:noFill/>
+        </a:ln>
+        <a:effectLst/>
+      </dsp:spPr>
+      <dsp:style>
+        <a:lnRef idx="0">
+          <a:scrgbClr r="0" g="0" b="0"/>
+        </a:lnRef>
+        <a:fillRef idx="0">
+          <a:scrgbClr r="0" g="0" b="0"/>
+        </a:fillRef>
+        <a:effectRef idx="0">
+          <a:scrgbClr r="0" g="0" b="0"/>
+        </a:effectRef>
+        <a:fontRef idx="minor"/>
+      </dsp:style>
+      <dsp:txBody>
+        <a:bodyPr spcFirstLastPara="0" vert="horz" wrap="square" lIns="76558" tIns="76558" rIns="76558" bIns="76558" numCol="1" spcCol="1270" anchor="ctr" anchorCtr="0">
+          <a:noAutofit/>
+        </a:bodyPr>
+        <a:lstStyle/>
+        <a:p>
+          <a:pPr marL="0" lvl="0" indent="0" algn="l" defTabSz="1066800">
+            <a:lnSpc>
+              <a:spcPct val="100000"/>
+            </a:lnSpc>
+            <a:spcBef>
+              <a:spcPct val="0"/>
+            </a:spcBef>
+            <a:spcAft>
+              <a:spcPct val="35000"/>
+            </a:spcAft>
+            <a:buNone/>
+          </a:pPr>
+          <a:r>
+            <a:rPr lang="en-US" sz="2400" kern="1200" dirty="0"/>
+            <a:t>The step of capturing patterns from data is called </a:t>
+          </a:r>
+          <a:r>
+            <a:rPr lang="en-US" sz="2400" b="1" kern="1200" dirty="0"/>
+            <a:t>fitting</a:t>
+          </a:r>
+          <a:r>
+            <a:rPr lang="en-US" sz="2400" kern="1200" dirty="0"/>
+            <a:t> or </a:t>
+          </a:r>
+          <a:r>
+            <a:rPr lang="en-US" sz="2400" b="1" kern="1200" dirty="0"/>
+            <a:t>training</a:t>
+          </a:r>
+          <a:r>
+            <a:rPr lang="en-US" sz="2400" kern="1200" dirty="0"/>
+            <a:t> the model. </a:t>
+          </a:r>
+        </a:p>
+      </dsp:txBody>
+      <dsp:txXfrm>
+        <a:off x="764247" y="5520"/>
+        <a:ext cx="9995582" cy="723382"/>
+      </dsp:txXfrm>
+    </dsp:sp>
+    <dsp:sp modelId="{97CCCEA2-B319-4B20-A93C-3047BED4F05B}">
+      <dsp:nvSpPr>
+        <dsp:cNvPr id="0" name=""/>
+        <dsp:cNvSpPr/>
+      </dsp:nvSpPr>
+      <dsp:spPr>
+        <a:xfrm>
+          <a:off x="0" y="909749"/>
+          <a:ext cx="10794357" cy="661378"/>
+        </a:xfrm>
+        <a:prstGeom prst="roundRect">
+          <a:avLst>
+            <a:gd name="adj" fmla="val 10000"/>
+          </a:avLst>
+        </a:prstGeom>
+        <a:solidFill>
+          <a:schemeClr val="accent1">
+            <a:tint val="40000"/>
+            <a:hueOff val="0"/>
+            <a:satOff val="0"/>
+            <a:lumOff val="0"/>
+            <a:alphaOff val="0"/>
+          </a:schemeClr>
+        </a:solidFill>
+        <a:ln>
+          <a:noFill/>
+        </a:ln>
+        <a:effectLst/>
+      </dsp:spPr>
+      <dsp:style>
+        <a:lnRef idx="0">
+          <a:scrgbClr r="0" g="0" b="0"/>
+        </a:lnRef>
+        <a:fillRef idx="1">
+          <a:scrgbClr r="0" g="0" b="0"/>
+        </a:fillRef>
+        <a:effectRef idx="0">
+          <a:scrgbClr r="0" g="0" b="0"/>
+        </a:effectRef>
+        <a:fontRef idx="minor"/>
+      </dsp:style>
+    </dsp:sp>
+    <dsp:sp modelId="{96AAB645-0083-4734-A612-08C9489AD83C}">
+      <dsp:nvSpPr>
+        <dsp:cNvPr id="0" name=""/>
+        <dsp:cNvSpPr/>
+      </dsp:nvSpPr>
+      <dsp:spPr>
+        <a:xfrm>
+          <a:off x="200066" y="1058559"/>
+          <a:ext cx="364113" cy="363758"/>
+        </a:xfrm>
+        <a:prstGeom prst="rect">
+          <a:avLst/>
+        </a:prstGeom>
+        <a:blipFill>
+          <a:blip xmlns:r="http://schemas.openxmlformats.org/officeDocument/2006/relationships" r:embed="rId3">
+            <a:extLst>
+              <a:ext uri="{28A0092B-C50C-407E-A947-70E740481C1C}">
+                <a14:useLocalDpi xmlns:a14="http://schemas.microsoft.com/office/drawing/2010/main" val="0"/>
+              </a:ext>
+              <a:ext uri="{96DAC541-7B7A-43D3-8B79-37D633B846F1}">
+                <asvg:svgBlip xmlns:asvg="http://schemas.microsoft.com/office/drawing/2016/SVG/main" r:embed="rId4"/>
+              </a:ext>
+            </a:extLst>
+          </a:blip>
+          <a:stretch>
+            <a:fillRect/>
+          </a:stretch>
+        </a:blipFill>
+        <a:ln w="12700" cap="flat" cmpd="sng" algn="ctr">
+          <a:solidFill>
+            <a:schemeClr val="lt1">
+              <a:hueOff val="0"/>
+              <a:satOff val="0"/>
+              <a:lumOff val="0"/>
+              <a:alphaOff val="0"/>
+            </a:schemeClr>
+          </a:solidFill>
+          <a:prstDash val="solid"/>
+          <a:miter lim="800000"/>
+        </a:ln>
+        <a:effectLst/>
+      </dsp:spPr>
+      <dsp:style>
+        <a:lnRef idx="2">
+          <a:scrgbClr r="0" g="0" b="0"/>
+        </a:lnRef>
+        <a:fillRef idx="1">
+          <a:scrgbClr r="0" g="0" b="0"/>
+        </a:fillRef>
+        <a:effectRef idx="0">
+          <a:scrgbClr r="0" g="0" b="0"/>
+        </a:effectRef>
+        <a:fontRef idx="minor">
+          <a:schemeClr val="lt1"/>
+        </a:fontRef>
+      </dsp:style>
+    </dsp:sp>
+    <dsp:sp modelId="{0C2AE627-CB0A-4C98-938A-AF4FE384FB7C}">
+      <dsp:nvSpPr>
+        <dsp:cNvPr id="0" name=""/>
+        <dsp:cNvSpPr/>
+      </dsp:nvSpPr>
+      <dsp:spPr>
+        <a:xfrm>
+          <a:off x="764247" y="909749"/>
+          <a:ext cx="9995582" cy="723382"/>
+        </a:xfrm>
+        <a:prstGeom prst="rect">
+          <a:avLst/>
+        </a:prstGeom>
+        <a:noFill/>
+        <a:ln>
+          <a:noFill/>
+        </a:ln>
+        <a:effectLst/>
+      </dsp:spPr>
+      <dsp:style>
+        <a:lnRef idx="0">
+          <a:scrgbClr r="0" g="0" b="0"/>
+        </a:lnRef>
+        <a:fillRef idx="0">
+          <a:scrgbClr r="0" g="0" b="0"/>
+        </a:fillRef>
+        <a:effectRef idx="0">
+          <a:scrgbClr r="0" g="0" b="0"/>
+        </a:effectRef>
+        <a:fontRef idx="minor"/>
+      </dsp:style>
+      <dsp:txBody>
+        <a:bodyPr spcFirstLastPara="0" vert="horz" wrap="square" lIns="76558" tIns="76558" rIns="76558" bIns="76558" numCol="1" spcCol="1270" anchor="ctr" anchorCtr="0">
+          <a:noAutofit/>
+        </a:bodyPr>
+        <a:lstStyle/>
+        <a:p>
+          <a:pPr marL="0" lvl="0" indent="0" algn="l" defTabSz="1066800">
+            <a:lnSpc>
+              <a:spcPct val="100000"/>
+            </a:lnSpc>
+            <a:spcBef>
+              <a:spcPct val="0"/>
+            </a:spcBef>
+            <a:spcAft>
+              <a:spcPct val="35000"/>
+            </a:spcAft>
+            <a:buNone/>
+          </a:pPr>
+          <a:r>
+            <a:rPr lang="en-US" sz="2400" kern="1200" dirty="0"/>
+            <a:t>The data used to </a:t>
+          </a:r>
+          <a:r>
+            <a:rPr lang="en-US" sz="2400" b="1" kern="1200" dirty="0"/>
+            <a:t>fit</a:t>
+          </a:r>
+          <a:r>
+            <a:rPr lang="en-US" sz="2400" kern="1200" dirty="0"/>
+            <a:t> the model is called the </a:t>
+          </a:r>
+          <a:r>
+            <a:rPr lang="en-US" sz="2400" b="1" kern="1200" dirty="0"/>
+            <a:t>training data</a:t>
+          </a:r>
+          <a:r>
+            <a:rPr lang="en-US" sz="2400" kern="1200" dirty="0"/>
+            <a:t>.</a:t>
+          </a:r>
+        </a:p>
+      </dsp:txBody>
+      <dsp:txXfrm>
+        <a:off x="764247" y="909749"/>
+        <a:ext cx="9995582" cy="723382"/>
+      </dsp:txXfrm>
+    </dsp:sp>
+    <dsp:sp modelId="{204CC120-99D8-4AED-B8E6-5369B7021194}">
+      <dsp:nvSpPr>
+        <dsp:cNvPr id="0" name=""/>
+        <dsp:cNvSpPr/>
+      </dsp:nvSpPr>
+      <dsp:spPr>
+        <a:xfrm>
+          <a:off x="0" y="1813977"/>
+          <a:ext cx="10794357" cy="661378"/>
+        </a:xfrm>
+        <a:prstGeom prst="roundRect">
+          <a:avLst>
+            <a:gd name="adj" fmla="val 10000"/>
+          </a:avLst>
+        </a:prstGeom>
+        <a:solidFill>
+          <a:schemeClr val="accent1">
+            <a:tint val="40000"/>
+            <a:hueOff val="0"/>
+            <a:satOff val="0"/>
+            <a:lumOff val="0"/>
+            <a:alphaOff val="0"/>
+          </a:schemeClr>
+        </a:solidFill>
+        <a:ln>
+          <a:noFill/>
+        </a:ln>
+        <a:effectLst/>
+      </dsp:spPr>
+      <dsp:style>
+        <a:lnRef idx="0">
+          <a:scrgbClr r="0" g="0" b="0"/>
+        </a:lnRef>
+        <a:fillRef idx="1">
+          <a:scrgbClr r="0" g="0" b="0"/>
+        </a:fillRef>
+        <a:effectRef idx="0">
+          <a:scrgbClr r="0" g="0" b="0"/>
+        </a:effectRef>
+        <a:fontRef idx="minor"/>
+      </dsp:style>
+    </dsp:sp>
+    <dsp:sp modelId="{E2FF9710-2FA8-4FA7-ADFE-5279F2455CBB}">
+      <dsp:nvSpPr>
+        <dsp:cNvPr id="0" name=""/>
+        <dsp:cNvSpPr/>
+      </dsp:nvSpPr>
+      <dsp:spPr>
+        <a:xfrm>
+          <a:off x="200066" y="1962787"/>
+          <a:ext cx="364113" cy="363758"/>
+        </a:xfrm>
+        <a:prstGeom prst="rect">
+          <a:avLst/>
+        </a:prstGeom>
+        <a:blipFill>
+          <a:blip xmlns:r="http://schemas.openxmlformats.org/officeDocument/2006/relationships" r:embed="rId5">
+            <a:extLst>
+              <a:ext uri="{28A0092B-C50C-407E-A947-70E740481C1C}">
+                <a14:useLocalDpi xmlns:a14="http://schemas.microsoft.com/office/drawing/2010/main" val="0"/>
+              </a:ext>
+              <a:ext uri="{96DAC541-7B7A-43D3-8B79-37D633B846F1}">
+                <asvg:svgBlip xmlns:asvg="http://schemas.microsoft.com/office/drawing/2016/SVG/main" r:embed="rId6"/>
+              </a:ext>
+            </a:extLst>
+          </a:blip>
+          <a:stretch>
+            <a:fillRect/>
+          </a:stretch>
+        </a:blipFill>
+        <a:ln w="12700" cap="flat" cmpd="sng" algn="ctr">
+          <a:solidFill>
+            <a:schemeClr val="lt1">
+              <a:hueOff val="0"/>
+              <a:satOff val="0"/>
+              <a:lumOff val="0"/>
+              <a:alphaOff val="0"/>
+            </a:schemeClr>
+          </a:solidFill>
+          <a:prstDash val="solid"/>
+          <a:miter lim="800000"/>
+        </a:ln>
+        <a:effectLst/>
+      </dsp:spPr>
+      <dsp:style>
+        <a:lnRef idx="2">
+          <a:scrgbClr r="0" g="0" b="0"/>
+        </a:lnRef>
+        <a:fillRef idx="1">
+          <a:scrgbClr r="0" g="0" b="0"/>
+        </a:fillRef>
+        <a:effectRef idx="0">
+          <a:scrgbClr r="0" g="0" b="0"/>
+        </a:effectRef>
+        <a:fontRef idx="minor">
+          <a:schemeClr val="lt1"/>
+        </a:fontRef>
+      </dsp:style>
+    </dsp:sp>
+    <dsp:sp modelId="{38F17C8D-5755-455C-BD5A-9524FC30E715}">
+      <dsp:nvSpPr>
+        <dsp:cNvPr id="0" name=""/>
+        <dsp:cNvSpPr/>
+      </dsp:nvSpPr>
+      <dsp:spPr>
+        <a:xfrm>
+          <a:off x="764247" y="1813977"/>
+          <a:ext cx="9995582" cy="723382"/>
+        </a:xfrm>
+        <a:prstGeom prst="rect">
+          <a:avLst/>
+        </a:prstGeom>
+        <a:noFill/>
+        <a:ln>
+          <a:noFill/>
+        </a:ln>
+        <a:effectLst/>
+      </dsp:spPr>
+      <dsp:style>
+        <a:lnRef idx="0">
+          <a:scrgbClr r="0" g="0" b="0"/>
+        </a:lnRef>
+        <a:fillRef idx="0">
+          <a:scrgbClr r="0" g="0" b="0"/>
+        </a:fillRef>
+        <a:effectRef idx="0">
+          <a:scrgbClr r="0" g="0" b="0"/>
+        </a:effectRef>
+        <a:fontRef idx="minor"/>
+      </dsp:style>
+      <dsp:txBody>
+        <a:bodyPr spcFirstLastPara="0" vert="horz" wrap="square" lIns="76558" tIns="76558" rIns="76558" bIns="76558" numCol="1" spcCol="1270" anchor="ctr" anchorCtr="0">
+          <a:noAutofit/>
+        </a:bodyPr>
+        <a:lstStyle/>
+        <a:p>
+          <a:pPr marL="0" lvl="0" indent="0" algn="l" defTabSz="889000">
+            <a:lnSpc>
+              <a:spcPct val="100000"/>
+            </a:lnSpc>
+            <a:spcBef>
+              <a:spcPct val="0"/>
+            </a:spcBef>
+            <a:spcAft>
+              <a:spcPct val="35000"/>
+            </a:spcAft>
+            <a:buNone/>
+          </a:pPr>
+          <a:r>
+            <a:rPr lang="en-US" sz="2000" kern="1200" dirty="0"/>
+            <a:t>After the model has been fit, you can apply it to new data to </a:t>
+          </a:r>
+          <a:r>
+            <a:rPr lang="en-US" sz="2000" b="1" kern="1200" dirty="0"/>
+            <a:t>predict</a:t>
+          </a:r>
+          <a:r>
+            <a:rPr lang="en-US" sz="2000" kern="1200" dirty="0"/>
+            <a:t> prices of additional homes.</a:t>
+          </a:r>
+        </a:p>
+      </dsp:txBody>
+      <dsp:txXfrm>
+        <a:off x="764247" y="1813977"/>
+        <a:ext cx="9995582" cy="723382"/>
+      </dsp:txXfrm>
+    </dsp:sp>
+    <dsp:sp modelId="{2FD4DC91-6254-4743-A59B-ED9FD66D5078}">
+      <dsp:nvSpPr>
+        <dsp:cNvPr id="0" name=""/>
+        <dsp:cNvSpPr/>
+      </dsp:nvSpPr>
+      <dsp:spPr>
+        <a:xfrm>
+          <a:off x="0" y="2718206"/>
+          <a:ext cx="10794357" cy="661378"/>
+        </a:xfrm>
+        <a:prstGeom prst="roundRect">
+          <a:avLst>
+            <a:gd name="adj" fmla="val 10000"/>
+          </a:avLst>
+        </a:prstGeom>
+        <a:solidFill>
+          <a:schemeClr val="accent1">
+            <a:tint val="40000"/>
+            <a:hueOff val="0"/>
+            <a:satOff val="0"/>
+            <a:lumOff val="0"/>
+            <a:alphaOff val="0"/>
+          </a:schemeClr>
+        </a:solidFill>
+        <a:ln>
+          <a:noFill/>
+        </a:ln>
+        <a:effectLst/>
+      </dsp:spPr>
+      <dsp:style>
+        <a:lnRef idx="0">
+          <a:scrgbClr r="0" g="0" b="0"/>
+        </a:lnRef>
+        <a:fillRef idx="1">
+          <a:scrgbClr r="0" g="0" b="0"/>
+        </a:fillRef>
+        <a:effectRef idx="0">
+          <a:scrgbClr r="0" g="0" b="0"/>
+        </a:effectRef>
+        <a:fontRef idx="minor"/>
+      </dsp:style>
+    </dsp:sp>
+    <dsp:sp modelId="{AC7B2939-14B8-4103-8AC1-7778FE906C5D}">
+      <dsp:nvSpPr>
+        <dsp:cNvPr id="0" name=""/>
+        <dsp:cNvSpPr/>
+      </dsp:nvSpPr>
+      <dsp:spPr>
+        <a:xfrm>
+          <a:off x="200066" y="2867016"/>
+          <a:ext cx="364113" cy="363758"/>
+        </a:xfrm>
+        <a:prstGeom prst="rect">
+          <a:avLst/>
+        </a:prstGeom>
+        <a:blipFill>
+          <a:blip xmlns:r="http://schemas.openxmlformats.org/officeDocument/2006/relationships" r:embed="rId7">
+            <a:extLst>
+              <a:ext uri="{28A0092B-C50C-407E-A947-70E740481C1C}">
+                <a14:useLocalDpi xmlns:a14="http://schemas.microsoft.com/office/drawing/2010/main" val="0"/>
+              </a:ext>
+              <a:ext uri="{96DAC541-7B7A-43D3-8B79-37D633B846F1}">
+                <asvg:svgBlip xmlns:asvg="http://schemas.microsoft.com/office/drawing/2016/SVG/main" r:embed="rId8"/>
+              </a:ext>
+            </a:extLst>
+          </a:blip>
+          <a:stretch>
+            <a:fillRect/>
+          </a:stretch>
+        </a:blipFill>
+        <a:ln w="12700" cap="flat" cmpd="sng" algn="ctr">
+          <a:solidFill>
+            <a:schemeClr val="lt1">
+              <a:hueOff val="0"/>
+              <a:satOff val="0"/>
+              <a:lumOff val="0"/>
+              <a:alphaOff val="0"/>
+            </a:schemeClr>
+          </a:solidFill>
+          <a:prstDash val="solid"/>
+          <a:miter lim="800000"/>
+        </a:ln>
+        <a:effectLst/>
+      </dsp:spPr>
+      <dsp:style>
+        <a:lnRef idx="2">
+          <a:scrgbClr r="0" g="0" b="0"/>
+        </a:lnRef>
+        <a:fillRef idx="1">
+          <a:scrgbClr r="0" g="0" b="0"/>
+        </a:fillRef>
+        <a:effectRef idx="0">
+          <a:scrgbClr r="0" g="0" b="0"/>
+        </a:effectRef>
+        <a:fontRef idx="minor">
+          <a:schemeClr val="lt1"/>
+        </a:fontRef>
+      </dsp:style>
+    </dsp:sp>
+    <dsp:sp modelId="{D74232B2-2C97-4846-B821-DB50BB904301}">
+      <dsp:nvSpPr>
+        <dsp:cNvPr id="0" name=""/>
+        <dsp:cNvSpPr/>
+      </dsp:nvSpPr>
+      <dsp:spPr>
+        <a:xfrm>
+          <a:off x="764247" y="2718206"/>
+          <a:ext cx="9995582" cy="723382"/>
+        </a:xfrm>
+        <a:prstGeom prst="rect">
+          <a:avLst/>
+        </a:prstGeom>
+        <a:noFill/>
+        <a:ln>
+          <a:noFill/>
+        </a:ln>
+        <a:effectLst/>
+      </dsp:spPr>
+      <dsp:style>
+        <a:lnRef idx="0">
+          <a:scrgbClr r="0" g="0" b="0"/>
+        </a:lnRef>
+        <a:fillRef idx="0">
+          <a:scrgbClr r="0" g="0" b="0"/>
+        </a:fillRef>
+        <a:effectRef idx="0">
+          <a:scrgbClr r="0" g="0" b="0"/>
+        </a:effectRef>
+        <a:fontRef idx="minor"/>
+      </dsp:style>
+      <dsp:txBody>
+        <a:bodyPr spcFirstLastPara="0" vert="horz" wrap="square" lIns="76558" tIns="76558" rIns="76558" bIns="76558" numCol="1" spcCol="1270" anchor="ctr" anchorCtr="0">
+          <a:noAutofit/>
+        </a:bodyPr>
+        <a:lstStyle/>
+        <a:p>
+          <a:pPr marL="0" lvl="0" indent="0" algn="l" defTabSz="1066800">
+            <a:lnSpc>
+              <a:spcPct val="100000"/>
+            </a:lnSpc>
+            <a:spcBef>
+              <a:spcPct val="0"/>
+            </a:spcBef>
+            <a:spcAft>
+              <a:spcPct val="35000"/>
+            </a:spcAft>
+            <a:buNone/>
+          </a:pPr>
+          <a:r>
+            <a:rPr lang="en-US" sz="2400" kern="1200" dirty="0"/>
+            <a:t>One type of model is - </a:t>
+          </a:r>
+          <a:r>
+            <a:rPr lang="en-US" sz="2400" b="1" kern="1200" dirty="0"/>
+            <a:t>Decision Tree.</a:t>
+          </a:r>
+          <a:endParaRPr lang="en-US" sz="2400" kern="1200" dirty="0"/>
+        </a:p>
+      </dsp:txBody>
+      <dsp:txXfrm>
+        <a:off x="764247" y="2718206"/>
+        <a:ext cx="9995582" cy="723382"/>
+      </dsp:txXfrm>
+    </dsp:sp>
+    <dsp:sp modelId="{41E29EDB-6194-4A1A-BB6F-930468D96207}">
+      <dsp:nvSpPr>
+        <dsp:cNvPr id="0" name=""/>
+        <dsp:cNvSpPr/>
+      </dsp:nvSpPr>
+      <dsp:spPr>
+        <a:xfrm>
+          <a:off x="0" y="3622434"/>
+          <a:ext cx="10794357" cy="661378"/>
+        </a:xfrm>
+        <a:prstGeom prst="roundRect">
+          <a:avLst>
+            <a:gd name="adj" fmla="val 10000"/>
+          </a:avLst>
+        </a:prstGeom>
+        <a:solidFill>
+          <a:schemeClr val="accent1">
+            <a:tint val="40000"/>
+            <a:hueOff val="0"/>
+            <a:satOff val="0"/>
+            <a:lumOff val="0"/>
+            <a:alphaOff val="0"/>
+          </a:schemeClr>
+        </a:solidFill>
+        <a:ln>
+          <a:noFill/>
+        </a:ln>
+        <a:effectLst/>
+      </dsp:spPr>
+      <dsp:style>
+        <a:lnRef idx="0">
+          <a:scrgbClr r="0" g="0" b="0"/>
+        </a:lnRef>
+        <a:fillRef idx="1">
+          <a:scrgbClr r="0" g="0" b="0"/>
+        </a:fillRef>
+        <a:effectRef idx="0">
+          <a:scrgbClr r="0" g="0" b="0"/>
+        </a:effectRef>
+        <a:fontRef idx="minor"/>
+      </dsp:style>
+    </dsp:sp>
+    <dsp:sp modelId="{6299BD8B-4B6E-44B0-87C0-5CDC72F3A78C}">
+      <dsp:nvSpPr>
+        <dsp:cNvPr id="0" name=""/>
+        <dsp:cNvSpPr/>
+      </dsp:nvSpPr>
+      <dsp:spPr>
+        <a:xfrm>
+          <a:off x="200066" y="3771244"/>
+          <a:ext cx="364113" cy="363758"/>
+        </a:xfrm>
+        <a:prstGeom prst="rect">
+          <a:avLst/>
+        </a:prstGeom>
+        <a:blipFill>
+          <a:blip xmlns:r="http://schemas.openxmlformats.org/officeDocument/2006/relationships" r:embed="rId9">
+            <a:extLst>
+              <a:ext uri="{28A0092B-C50C-407E-A947-70E740481C1C}">
+                <a14:useLocalDpi xmlns:a14="http://schemas.microsoft.com/office/drawing/2010/main" val="0"/>
+              </a:ext>
+              <a:ext uri="{96DAC541-7B7A-43D3-8B79-37D633B846F1}">
+                <asvg:svgBlip xmlns:asvg="http://schemas.microsoft.com/office/drawing/2016/SVG/main" r:embed="rId10"/>
+              </a:ext>
+            </a:extLst>
+          </a:blip>
+          <a:stretch>
+            <a:fillRect/>
+          </a:stretch>
+        </a:blipFill>
+        <a:ln w="12700" cap="flat" cmpd="sng" algn="ctr">
+          <a:solidFill>
+            <a:schemeClr val="lt1">
+              <a:hueOff val="0"/>
+              <a:satOff val="0"/>
+              <a:lumOff val="0"/>
+              <a:alphaOff val="0"/>
+            </a:schemeClr>
+          </a:solidFill>
+          <a:prstDash val="solid"/>
+          <a:miter lim="800000"/>
+        </a:ln>
+        <a:effectLst/>
+      </dsp:spPr>
+      <dsp:style>
+        <a:lnRef idx="2">
+          <a:scrgbClr r="0" g="0" b="0"/>
+        </a:lnRef>
+        <a:fillRef idx="1">
+          <a:scrgbClr r="0" g="0" b="0"/>
+        </a:fillRef>
+        <a:effectRef idx="0">
+          <a:scrgbClr r="0" g="0" b="0"/>
+        </a:effectRef>
+        <a:fontRef idx="minor">
+          <a:schemeClr val="lt1"/>
+        </a:fontRef>
+      </dsp:style>
+    </dsp:sp>
+    <dsp:sp modelId="{63ED5D5B-017B-435B-B047-B4C04A4CB694}">
+      <dsp:nvSpPr>
+        <dsp:cNvPr id="0" name=""/>
+        <dsp:cNvSpPr/>
+      </dsp:nvSpPr>
+      <dsp:spPr>
+        <a:xfrm>
+          <a:off x="764247" y="3622434"/>
+          <a:ext cx="9995582" cy="723382"/>
+        </a:xfrm>
+        <a:prstGeom prst="rect">
+          <a:avLst/>
+        </a:prstGeom>
+        <a:noFill/>
+        <a:ln>
+          <a:noFill/>
+        </a:ln>
+        <a:effectLst/>
+      </dsp:spPr>
+      <dsp:style>
+        <a:lnRef idx="0">
+          <a:scrgbClr r="0" g="0" b="0"/>
+        </a:lnRef>
+        <a:fillRef idx="0">
+          <a:scrgbClr r="0" g="0" b="0"/>
+        </a:fillRef>
+        <a:effectRef idx="0">
+          <a:scrgbClr r="0" g="0" b="0"/>
+        </a:effectRef>
+        <a:fontRef idx="minor"/>
+      </dsp:style>
+      <dsp:txBody>
+        <a:bodyPr spcFirstLastPara="0" vert="horz" wrap="square" lIns="76558" tIns="76558" rIns="76558" bIns="76558" numCol="1" spcCol="1270" anchor="ctr" anchorCtr="0">
+          <a:noAutofit/>
+        </a:bodyPr>
+        <a:lstStyle/>
+        <a:p>
+          <a:pPr marL="0" lvl="0" indent="0" algn="l" defTabSz="800100">
+            <a:lnSpc>
+              <a:spcPct val="100000"/>
+            </a:lnSpc>
+            <a:spcBef>
+              <a:spcPct val="0"/>
+            </a:spcBef>
+            <a:spcAft>
+              <a:spcPct val="35000"/>
+            </a:spcAft>
+            <a:buNone/>
+          </a:pPr>
+          <a:r>
+            <a:rPr lang="en-US" sz="1800" kern="1200" dirty="0"/>
+            <a:t>In decision tree, you can capture more factors using a tree that has more </a:t>
+          </a:r>
+          <a:r>
+            <a:rPr lang="en-US" sz="1800" b="1" kern="1200" dirty="0"/>
+            <a:t>"splits." </a:t>
+          </a:r>
+          <a:r>
+            <a:rPr lang="en-US" sz="1800" kern="1200" dirty="0"/>
+            <a:t>These are called </a:t>
+          </a:r>
+          <a:r>
+            <a:rPr lang="en-US" sz="1800" b="1" kern="1200" dirty="0"/>
+            <a:t>"deeper" </a:t>
+          </a:r>
+          <a:r>
+            <a:rPr lang="en-US" sz="1800" kern="1200" dirty="0"/>
+            <a:t>trees.</a:t>
+          </a:r>
+        </a:p>
+      </dsp:txBody>
+      <dsp:txXfrm>
+        <a:off x="764247" y="3622434"/>
+        <a:ext cx="9995582" cy="723382"/>
+      </dsp:txXfrm>
+    </dsp:sp>
+  </dsp:spTree>
+</dsp:drawing>
+</file>
+
+<file path=ppt/diagrams/layout1.xml><?xml version="1.0" encoding="utf-8"?>
+<dgm:layoutDef xmlns:dgm="http://schemas.openxmlformats.org/drawingml/2006/diagram" xmlns:a="http://schemas.openxmlformats.org/drawingml/2006/main" uniqueId="urn:microsoft.com/office/officeart/2018/2/layout/IconVerticalSolidList">
+  <dgm:title val="Icon Vertical Solid List"/>
+  <dgm:desc val="Use to show a series of visuals from top to bottom with Level 1 or Level 1 and Level 2 text grouped in a shape. Works best with icons or small pictures with lengthier descriptions."/>
+  <dgm:catLst>
+    <dgm:cat type="icon" pri="500"/>
+  </dgm:catLst>
+  <dgm:sampData useDef="1">
+    <dgm:dataModel>
+      <dgm:ptLst/>
+      <dgm:bg/>
+      <dgm:whole/>
+    </dgm:dataModel>
+  </dgm:sampData>
+  <dgm:styleData useDef="1">
+    <dgm:dataModel>
+      <dgm:ptLst/>
+      <dgm:bg/>
+      <dgm:whole/>
+    </dgm:dataModel>
+  </dgm:styleData>
+  <dgm:clrData useDef="1">
+    <dgm:dataModel>
+      <dgm:ptLst/>
+      <dgm:bg/>
+      <dgm:whole/>
+    </dgm:dataModel>
+  </dgm:clrData>
+  <dgm:layoutNode name="root">
+    <dgm:varLst>
+      <dgm:dir/>
+      <dgm:resizeHandles val="exact"/>
+    </dgm:varLst>
+    <dgm:choose name="Name0">
+      <dgm:if name="Name1" axis="self" func="var" arg="dir" op="equ" val="norm">
+        <dgm:alg type="lin">
+          <dgm:param type="linDir" val="fromT"/>
+          <dgm:param type="nodeHorzAlign" val="l"/>
+        </dgm:alg>
+      </dgm:if>
+      <dgm:else name="Name2">
+        <dgm:alg type="lin">
+          <dgm:param type="linDir" val="fromT"/>
+          <dgm:param type="nodeHorzAlign" val="r"/>
+        </dgm:alg>
+      </dgm:else>
+    </dgm:choose>
+    <dgm:shape xmlns:r="http://schemas.openxmlformats.org/officeDocument/2006/relationships" r:blip="">
+      <dgm:adjLst/>
+    </dgm:shape>
+    <dgm:presOf/>
+    <dgm:choose name="Name3">
+      <dgm:if name="Name4" axis="ch" ptType="node" func="cnt" op="lte" val="3">
+        <dgm:constrLst>
+          <dgm:constr type="h" for="ch" forName="compNode" refType="h" fact="0.3"/>
+          <dgm:constr type="w" for="ch" forName="compNode" refType="w"/>
+          <dgm:constr type="h" for="ch" forName="sibTrans" refType="h" refFor="ch" refForName="compNode" fact="0.25"/>
+          <dgm:constr type="primFontSz" for="des" forName="parTx" val="25"/>
+          <dgm:constr type="primFontSz" for="des" forName="desTx" refType="primFontSz" refFor="des" refForName="parTx" op="lte" fact="0.75"/>
+          <dgm:constr type="h" for="des" forName="compNode" op="equ"/>
+          <dgm:constr type="h" for="des" forName="bgRect" op="equ"/>
+          <dgm:constr type="h" for="des" forName="iconRect" op="equ"/>
+          <dgm:constr type="w" for="des" forName="iconRect" op="equ"/>
+          <dgm:constr type="h" for="des" forName="spaceRect" op="equ"/>
+          <dgm:constr type="h" for="des" forName="parTx" op="equ"/>
+          <dgm:constr type="h" for="des" forName="desTx" op="equ"/>
+        </dgm:constrLst>
+      </dgm:if>
+      <dgm:if name="Name5" axis="ch" ptType="node" func="cnt" op="lte" val="4">
+        <dgm:constrLst>
+          <dgm:constr type="h" for="ch" forName="compNode" refType="h" fact="0.3"/>
+          <dgm:constr type="w" for="ch" forName="compNode" refType="w"/>
+          <dgm:constr type="h" for="ch" forName="sibTrans" refType="h" refFor="ch" refForName="compNode" fact="0.25"/>
+          <dgm:constr type="primFontSz" for="des" forName="parTx" val="22"/>
+          <dgm:constr type="primFontSz" for="des" forName="desTx" refType="primFontSz" refFor="des" refForName="parTx" op="lte" fact="0.75"/>
+          <dgm:constr type="h" for="des" forName="compNode" op="equ"/>
+          <dgm:constr type="h" for="des" forName="bgRect" op="equ"/>
+          <dgm:constr type="h" for="des" forName="iconRect" op="equ"/>
+          <dgm:constr type="w" for="des" forName="iconRect" op="equ"/>
+          <dgm:constr type="h" for="des" forName="spaceRect" op="equ"/>
+          <dgm:constr type="h" for="des" forName="parTx" op="equ"/>
+          <dgm:constr type="h" for="des" forName="desTx" op="equ"/>
+        </dgm:constrLst>
+      </dgm:if>
+      <dgm:if name="Name6" axis="ch" ptType="node" func="cnt" op="lte" val="6">
+        <dgm:constrLst>
+          <dgm:constr type="h" for="ch" forName="compNode" refType="h" fact="0.3"/>
+          <dgm:constr type="w" for="ch" forName="compNode" refType="w"/>
+          <dgm:constr type="h" for="ch" forName="sibTrans" refType="h" refFor="ch" refForName="compNode" fact="0.25"/>
+          <dgm:constr type="primFontSz" for="des" forName="parTx" val="19"/>
+          <dgm:constr type="primFontSz" for="des" forName="desTx" refType="primFontSz" refFor="des" refForName="parTx" op="lte" fact="0.75"/>
+          <dgm:constr type="h" for="des" forName="compNode" op="equ"/>
+          <dgm:constr type="h" for="des" forName="bgRect" op="equ"/>
+          <dgm:constr type="h" for="des" forName="iconRect" op="equ"/>
+          <dgm:constr type="w" for="des" forName="iconRect" op="equ"/>
+          <dgm:constr type="h" for="des" forName="spaceRect" op="equ"/>
+          <dgm:constr type="h" for="des" forName="parTx" op="equ"/>
+          <dgm:constr type="h" for="des" forName="desTx" op="equ"/>
+        </dgm:constrLst>
+      </dgm:if>
+      <dgm:else name="Name7">
+        <dgm:constrLst>
+          <dgm:constr type="h" for="ch" forName="compNode" refType="h" fact="0.3"/>
+          <dgm:constr type="w" for="ch" forName="compNode" refType="w"/>
+          <dgm:constr type="h" for="ch" forName="sibTrans" refType="h" refFor="ch" refForName="compNode" fact="0.25"/>
+          <dgm:constr type="primFontSz" for="des" forName="parTx" val="16"/>
+          <dgm:constr type="primFontSz" for="des" forName="desTx" refType="primFontSz" refFor="des" refForName="parTx" op="lte" fact="0.75"/>
+          <dgm:constr type="h" for="des" forName="compNode" op="equ"/>
+          <dgm:constr type="h" for="des" forName="bgRect" op="equ"/>
+          <dgm:constr type="h" for="des" forName="iconRect" op="equ"/>
+          <dgm:constr type="w" for="des" forName="iconRect" op="equ"/>
+          <dgm:constr type="h" for="des" forName="spaceRect" op="equ"/>
+          <dgm:constr type="h" for="des" forName="parTx" op="equ"/>
+          <dgm:constr type="h" for="des" forName="desTx" op="equ"/>
+        </dgm:constrLst>
+      </dgm:else>
+    </dgm:choose>
+    <dgm:ruleLst>
+      <dgm:rule type="h" for="ch" forName="compNode" val="0" fact="NaN" max="NaN"/>
+    </dgm:ruleLst>
+    <dgm:forEach name="Name8" axis="ch" ptType="node">
+      <dgm:layoutNode name="compNode">
+        <dgm:alg type="composite"/>
+        <dgm:shape xmlns:r="http://schemas.openxmlformats.org/officeDocument/2006/relationships" r:blip="">
+          <dgm:adjLst/>
+        </dgm:shape>
+        <dgm:presOf axis="self"/>
+        <dgm:choose name="Name9">
+          <dgm:if name="Name10" axis="ch" ptType="node" func="cnt" op="gte" val="1">
+            <dgm:constrLst>
+              <dgm:constr type="w" for="ch" forName="bgRect" refType="w"/>
+              <dgm:constr type="h" for="ch" forName="bgRect" refType="h"/>
+              <dgm:constr type="l" for="ch" forName="bgRect"/>
+              <dgm:constr type="t" for="ch" forName="bgRect"/>
+              <dgm:constr type="h" for="ch" forName="iconRect" refType="h" fact="0.55"/>
+              <dgm:constr type="w" for="ch" forName="iconRect" refType="h" refFor="ch" refForName="iconRect"/>
+              <dgm:constr type="l" for="ch" forName="iconRect" refType="h" refFor="ch" refForName="iconRect" fact="0.55"/>
+              <dgm:constr type="ctrY" for="ch" forName="iconRect" refType="ctrY" refFor="ch" refForName="bgRect"/>
+              <dgm:constr type="w" for="ch" forName="spaceRect" refType="l" refFor="ch" refForName="iconRect"/>
+              <dgm:constr type="h" for="ch" forName="spaceRect" refType="h"/>
+              <dgm:constr type="l" for="ch" forName="spaceRect" refType="r" refFor="ch" refForName="iconRect"/>
+              <dgm:constr type="t" for="ch" forName="spaceRect"/>
+              <dgm:constr type="w" for="ch" forName="parTx" refType="w" fact="0.45"/>
+              <dgm:constr type="h" for="ch" forName="parTx" refType="h"/>
+              <dgm:constr type="l" for="ch" forName="parTx" refType="r" refFor="ch" refForName="spaceRect"/>
+              <dgm:constr type="t" for="ch" forName="parTx"/>
+              <dgm:constr type="h" for="ch" forName="desTx" refType="h"/>
+              <dgm:constr type="l" for="ch" forName="desTx" refType="r" refFor="ch" refForName="parTx"/>
+              <dgm:constr type="t" for="ch" forName="desTx"/>
+            </dgm:constrLst>
+          </dgm:if>
+          <dgm:else name="Name11">
+            <dgm:constrLst>
+              <dgm:constr type="w" for="ch" forName="bgRect" refType="w"/>
+              <dgm:constr type="h" for="ch" forName="bgRect" refType="h"/>
+              <dgm:constr type="l" for="ch" forName="bgRect"/>
+              <dgm:constr type="t" for="ch" forName="bgRect"/>
+              <dgm:constr type="h" for="ch" forName="iconRect" refType="h" fact="0.55"/>
+              <dgm:constr type="w" for="ch" forName="iconRect" refType="h" refFor="ch" refForName="iconRect"/>
+              <dgm:constr type="l" for="ch" forName="iconRect" refType="h" refFor="ch" refForName="iconRect" fact="0.55"/>
+              <dgm:constr type="ctrY" for="ch" forName="iconRect" refType="ctrY" refFor="ch" refForName="bgRect"/>
+              <dgm:constr type="w" for="ch" forName="spaceRect" refType="l" refFor="ch" refForName="iconRect"/>
+              <dgm:constr type="h" for="ch" forName="spaceRect" refType="h"/>
+              <dgm:constr type="l" for="ch" forName="spaceRect" refType="r" refFor="ch" refForName="iconRect"/>
+              <dgm:constr type="t" for="ch" forName="spaceRect"/>
+              <dgm:constr type="h" for="ch" forName="parTx" refType="h"/>
+              <dgm:constr type="l" for="ch" forName="parTx" refType="r" refFor="ch" refForName="spaceRect"/>
+              <dgm:constr type="t" for="ch" forName="parTx"/>
+            </dgm:constrLst>
+          </dgm:else>
+        </dgm:choose>
+        <dgm:ruleLst>
+          <dgm:rule type="h" val="INF" fact="NaN" max="NaN"/>
+        </dgm:ruleLst>
+        <dgm:layoutNode name="bgRect" styleLbl="bgShp">
+          <dgm:alg type="sp"/>
+          <dgm:shape xmlns:r="http://schemas.openxmlformats.org/officeDocument/2006/relationships" type="roundRect" r:blip="">
+            <dgm:adjLst>
+              <dgm:adj idx="1" val="0.1"/>
+            </dgm:adjLst>
+          </dgm:shape>
+          <dgm:presOf/>
+          <dgm:constrLst/>
+          <dgm:ruleLst/>
+        </dgm:layoutNode>
+        <dgm:layoutNode name="iconRect" styleLbl="node1">
+          <dgm:alg type="sp"/>
+          <dgm:shape xmlns:r="http://schemas.openxmlformats.org/officeDocument/2006/relationships" type="rect" r:blip="" blipPhldr="1">
+            <dgm:adjLst/>
+          </dgm:shape>
+          <dgm:presOf/>
+          <dgm:constrLst/>
+          <dgm:ruleLst/>
+        </dgm:layoutNode>
+        <dgm:layoutNode name="spaceRect">
+          <dgm:alg type="sp"/>
+          <dgm:shape xmlns:r="http://schemas.openxmlformats.org/officeDocument/2006/relationships" r:blip="">
+            <dgm:adjLst/>
+          </dgm:shape>
+          <dgm:presOf/>
+          <dgm:constrLst/>
+          <dgm:ruleLst/>
+        </dgm:layoutNode>
+        <dgm:layoutNode name="parTx" styleLbl="revTx">
+          <dgm:varLst>
+            <dgm:chMax val="0"/>
+            <dgm:chPref val="0"/>
+          </dgm:varLst>
+          <dgm:alg type="tx">
+            <dgm:param type="txAnchorVert" val="mid"/>
+            <dgm:param type="parTxLTRAlign" val="l"/>
+            <dgm:param type="shpTxLTRAlignCh" val="l"/>
+            <dgm:param type="parTxRTLAlign" val="r"/>
+            <dgm:param type="shpTxRTLAlignCh" val="r"/>
+          </dgm:alg>
+          <dgm:shape xmlns:r="http://schemas.openxmlformats.org/officeDocument/2006/relationships" type="rect" r:blip="">
+            <dgm:adjLst/>
+          </dgm:shape>
+          <dgm:presOf axis="self" ptType="node"/>
+          <dgm:constrLst>
+            <dgm:constr type="lMarg" refType="h" fact="0.3"/>
+            <dgm:constr type="rMarg" refType="h" fact="0.3"/>
+            <dgm:constr type="tMarg" refType="h" fact="0.3"/>
+            <dgm:constr type="bMarg" refType="h" fact="0.3"/>
+          </dgm:constrLst>
+          <dgm:ruleLst>
+            <dgm:rule type="primFontSz" val="14" fact="NaN" max="NaN"/>
+            <dgm:rule type="h" val="INF" fact="NaN" max="NaN"/>
+          </dgm:ruleLst>
+        </dgm:layoutNode>
+        <dgm:choose name="Name12">
+          <dgm:if name="Name13" axis="ch" ptType="node" func="cnt" op="gte" val="1">
+            <dgm:layoutNode name="desTx" styleLbl="revTx">
+              <dgm:varLst/>
+              <dgm:alg type="tx">
+                <dgm:param type="txAnchorVertCh" val="mid"/>
+                <dgm:param type="parTxLTRAlign" val="l"/>
+                <dgm:param type="shpTxLTRAlignCh" val="l"/>
+                <dgm:param type="parTxRTLAlign" val="r"/>
+                <dgm:param type="shpTxRTLAlignCh" val="r"/>
+                <dgm:param type="stBulletLvl" val="0"/>
+              </dgm:alg>
+              <dgm:shape xmlns:r="http://schemas.openxmlformats.org/officeDocument/2006/relationships" type="rect" r:blip="">
+                <dgm:adjLst/>
+              </dgm:shape>
+              <dgm:presOf axis="des" ptType="node"/>
+              <dgm:constrLst>
+                <dgm:constr type="primFontSz" val="18"/>
+                <dgm:constr type="secFontSz" refType="primFontSz"/>
+                <dgm:constr type="lMarg" refType="h" fact="0.3"/>
+                <dgm:constr type="rMarg" refType="h" fact="0.3"/>
+                <dgm:constr type="tMarg" refType="h" fact="0.3"/>
+                <dgm:constr type="bMarg" refType="h" fact="0.3"/>
+              </dgm:constrLst>
+              <dgm:ruleLst>
+                <dgm:rule type="primFontSz" val="11" fact="NaN" max="NaN"/>
+              </dgm:ruleLst>
+            </dgm:layoutNode>
+          </dgm:if>
+          <dgm:else name="Name14"/>
+        </dgm:choose>
+      </dgm:layoutNode>
+      <dgm:forEach name="Name15" axis="followSib" ptType="sibTrans" cnt="1">
+        <dgm:layoutNode name="sibTrans">
+          <dgm:alg type="sp"/>
+          <dgm:shape xmlns:r="http://schemas.openxmlformats.org/officeDocument/2006/relationships" r:blip="">
+            <dgm:adjLst/>
+          </dgm:shape>
+          <dgm:presOf axis="self"/>
+          <dgm:constrLst/>
+          <dgm:ruleLst/>
+        </dgm:layoutNode>
+      </dgm:forEach>
+    </dgm:forEach>
+  </dgm:layoutNode>
+  <dgm:extLst>
+    <a:ext uri="{68A01E43-0DF5-4B5B-8FA6-DAF915123BFB}">
+      <dgm1612:lstStyle xmlns:dgm1612="http://schemas.microsoft.com/office/drawing/2016/12/diagram">
+        <a:lvl1pPr>
+          <a:lnSpc>
+            <a:spcPct val="100000"/>
+          </a:lnSpc>
+        </a:lvl1pPr>
+        <a:lvl2pPr>
+          <a:lnSpc>
+            <a:spcPct val="100000"/>
+          </a:lnSpc>
+        </a:lvl2pPr>
+      </dgm1612:lstStyle>
+    </a:ext>
+  </dgm:extLst>
+</dgm:layoutDef>
+</file>
+
+<file path=ppt/diagrams/quickStyle1.xml><?xml version="1.0" encoding="utf-8"?>
+<dgm:styleDef xmlns:dgm="http://schemas.openxmlformats.org/drawingml/2006/diagram" xmlns:a="http://schemas.openxmlformats.org/drawingml/2006/main" uniqueId="urn:microsoft.com/office/officeart/2005/8/quickstyle/simple1">
+  <dgm:title val=""/>
+  <dgm:desc val=""/>
+  <dgm:catLst>
+    <dgm:cat type="simple" pri="10100"/>
+  </dgm:catLst>
+  <dgm:scene3d>
+    <a:camera prst="orthographicFront"/>
+    <a:lightRig rig="threePt" dir="t"/>
+  </dgm:scene3d>
+  <dgm:styleLbl name="node0">
+    <dgm:scene3d>
+      <a:camera prst="orthographicFront"/>
+      <a:lightRig rig="threePt" dir="t"/>
+    </dgm:scene3d>
+    <dgm:sp3d/>
+    <dgm:txPr/>
+    <dgm:style>
+      <a:lnRef idx="2">
+        <a:scrgbClr r="0" g="0" b="0"/>
+      </a:lnRef>
+      <a:fillRef idx="1">
+        <a:scrgbClr r="0" g="0" b="0"/>
+      </a:fillRef>
+      <a:effectRef idx="0">
+        <a:scrgbClr r="0" g="0" b="0"/>
+      </a:effectRef>
+      <a:fontRef idx="minor">
+        <a:schemeClr val="lt1"/>
+      </a:fontRef>
+    </dgm:style>
+  </dgm:styleLbl>
+  <dgm:styleLbl name="lnNode1">
+    <dgm:scene3d>
+      <a:camera prst="orthographicFront"/>
+      <a:lightRig rig="threePt" dir="t"/>
+    </dgm:scene3d>
+    <dgm:sp3d/>
+    <dgm:txPr/>
+    <dgm:style>
+      <a:lnRef idx="2">
+        <a:scrgbClr r="0" g="0" b="0"/>
+      </a:lnRef>
+      <a:fillRef idx="1">
+        <a:scrgbClr r="0" g="0" b="0"/>
+      </a:fillRef>
+      <a:effectRef idx="0">
+        <a:scrgbClr r="0" g="0" b="0"/>
+      </a:effectRef>
+      <a:fontRef idx="minor">
+        <a:schemeClr val="lt1"/>
+      </a:fontRef>
+    </dgm:style>
+  </dgm:styleLbl>
+  <dgm:styleLbl name="vennNode1">
+    <dgm:scene3d>
+      <a:camera prst="orthographicFront"/>
+      <a:lightRig rig="threePt" dir="t"/>
+    </dgm:scene3d>
+    <dgm:sp3d/>
+    <dgm:txPr/>
+    <dgm:style>
+      <a:lnRef idx="2">
+        <a:scrgbClr r="0" g="0" b="0"/>
+      </a:lnRef>
+      <a:fillRef idx="1">
+        <a:scrgbClr r="0" g="0" b="0"/>
+      </a:fillRef>
+      <a:effectRef idx="0">
+        <a:scrgbClr r="0" g="0" b="0"/>
+      </a:effectRef>
+      <a:fontRef idx="minor">
+        <a:schemeClr val="tx1"/>
+      </a:fontRef>
+    </dgm:style>
+  </dgm:styleLbl>
+  <dgm:styleLbl name="alignNode1">
+    <dgm:scene3d>
+      <a:camera prst="orthographicFront"/>
+      <a:lightRig rig="threePt" dir="t"/>
+    </dgm:scene3d>
+    <dgm:sp3d/>
+    <dgm:txPr/>
+    <dgm:style>
+      <a:lnRef idx="2">
+        <a:scrgbClr r="0" g="0" b="0"/>
+      </a:lnRef>
+      <a:fillRef idx="1">
+        <a:scrgbClr r="0" g="0" b="0"/>
+      </a:fillRef>
+      <a:effectRef idx="0">
+        <a:scrgbClr r="0" g="0" b="0"/>
+      </a:effectRef>
+      <a:fontRef idx="minor">
+        <a:schemeClr val="lt1"/>
+      </a:fontRef>
+    </dgm:style>
+  </dgm:styleLbl>
+  <dgm:styleLbl name="node1">
+    <dgm:scene3d>
+      <a:camera prst="orthographicFront"/>
+      <a:lightRig rig="threePt" dir="t"/>
+    </dgm:scene3d>
+    <dgm:sp3d/>
+    <dgm:txPr/>
+    <dgm:style>
+      <a:lnRef idx="2">
+        <a:scrgbClr r="0" g="0" b="0"/>
+      </a:lnRef>
+      <a:fillRef idx="1">
+        <a:scrgbClr r="0" g="0" b="0"/>
+      </a:fillRef>
+      <a:effectRef idx="0">
+        <a:scrgbClr r="0" g="0" b="0"/>
+      </a:effectRef>
+      <a:fontRef idx="minor">
+        <a:schemeClr val="lt1"/>
+      </a:fontRef>
+    </dgm:style>
+  </dgm:styleLbl>
+  <dgm:styleLbl name="node2">
+    <dgm:scene3d>
+      <a:camera prst="orthographicFront"/>
+      <a:lightRig rig="threePt" dir="t"/>
+    </dgm:scene3d>
+    <dgm:sp3d/>
+    <dgm:txPr/>
+    <dgm:style>
+      <a:lnRef idx="2">
+        <a:scrgbClr r="0" g="0" b="0"/>
+      </a:lnRef>
+      <a:fillRef idx="1">
+        <a:scrgbClr r="0" g="0" b="0"/>
+      </a:fillRef>
+      <a:effectRef idx="0">
+        <a:scrgbClr r="0" g="0" b="0"/>
+      </a:effectRef>
+      <a:fontRef idx="minor">
+        <a:schemeClr val="lt1"/>
+      </a:fontRef>
+    </dgm:style>
+  </dgm:styleLbl>
+  <dgm:styleLbl name="node3">
+    <dgm:scene3d>
+      <a:camera prst="orthographicFront"/>
+      <a:lightRig rig="threePt" dir="t"/>
+    </dgm:scene3d>
+    <dgm:sp3d/>
+    <dgm:txPr/>
+    <dgm:style>
+      <a:lnRef idx="2">
+        <a:scrgbClr r="0" g="0" b="0"/>
+      </a:lnRef>
+      <a:fillRef idx="1">
+        <a:scrgbClr r="0" g="0" b="0"/>
+      </a:fillRef>
+      <a:effectRef idx="0">
+        <a:scrgbClr r="0" g="0" b="0"/>
+      </a:effectRef>
+      <a:fontRef idx="minor">
+        <a:schemeClr val="lt1"/>
+      </a:fontRef>
+    </dgm:style>
+  </dgm:styleLbl>
+  <dgm:styleLbl name="node4">
+    <dgm:scene3d>
+      <a:camera prst="orthographicFront"/>
+      <a:lightRig rig="threePt" dir="t"/>
+    </dgm:scene3d>
+    <dgm:sp3d/>
+    <dgm:txPr/>
+    <dgm:style>
+      <a:lnRef idx="2">
+        <a:scrgbClr r="0" g="0" b="0"/>
+      </a:lnRef>
+      <a:fillRef idx="1">
+        <a:scrgbClr r="0" g="0" b="0"/>
+      </a:fillRef>
+      <a:effectRef idx="0">
+        <a:scrgbClr r="0" g="0" b="0"/>
+      </a:effectRef>
+      <a:fontRef idx="minor">
+        <a:schemeClr val="lt1"/>
+      </a:fontRef>
+    </dgm:style>
+  </dgm:styleLbl>
+  <dgm:styleLbl name="fgImgPlace1">
+    <dgm:scene3d>
+      <a:camera prst="orthographicFront"/>
+      <a:lightRig rig="threePt" dir="t"/>
+    </dgm:scene3d>
+    <dgm:sp3d/>
+    <dgm:txPr/>
+    <dgm:style>
+      <a:lnRef idx="2">
+        <a:scrgbClr r="0" g="0" b="0"/>
+      </a:lnRef>
+      <a:fillRef idx="1">
+        <a:scrgbClr r="0" g="0" b="0"/>
+      </a:fillRef>
+      <a:effectRef idx="0">
+        <a:scrgbClr r="0" g="0" b="0"/>
+      </a:effectRef>
+      <a:fontRef idx="minor"/>
+    </dgm:style>
+  </dgm:styleLbl>
+  <dgm:styleLbl name="alignImgPlace1">
+    <dgm:scene3d>
+      <a:camera prst="orthographicFront"/>
+      <a:lightRig rig="threePt" dir="t"/>
+    </dgm:scene3d>
+    <dgm:sp3d/>
+    <dgm:txPr/>
+    <dgm:style>
+      <a:lnRef idx="2">
+        <a:scrgbClr r="0" g="0" b="0"/>
+      </a:lnRef>
+      <a:fillRef idx="1">
+        <a:scrgbClr r="0" g="0" b="0"/>
+      </a:fillRef>
+      <a:effectRef idx="0">
+        <a:scrgbClr r="0" g="0" b="0"/>
+      </a:effectRef>
+      <a:fontRef idx="minor"/>
+    </dgm:style>
+  </dgm:styleLbl>
+  <dgm:styleLbl name="bgImgPlace1">
+    <dgm:scene3d>
+      <a:camera prst="orthographicFront"/>
+      <a:lightRig rig="threePt" dir="t"/>
+    </dgm:scene3d>
+    <dgm:sp3d/>
+    <dgm:txPr/>
+    <dgm:style>
+      <a:lnRef idx="2">
+        <a:scrgbClr r="0" g="0" b="0"/>
+      </a:lnRef>
+      <a:fillRef idx="1">
+        <a:scrgbClr r="0" g="0" b="0"/>
+      </a:fillRef>
+      <a:effectRef idx="0">
+        <a:scrgbClr r="0" g="0" b="0"/>
+      </a:effectRef>
+      <a:fontRef idx="minor"/>
+    </dgm:style>
+  </dgm:styleLbl>
+  <dgm:styleLbl name="sibTrans2D1">
+    <dgm:scene3d>
+      <a:camera prst="orthographicFront"/>
+      <a:lightRig rig="threePt" dir="t"/>
+    </dgm:scene3d>
+    <dgm:sp3d/>
+    <dgm:txPr/>
+    <dgm:style>
+      <a:lnRef idx="0">
+        <a:scrgbClr r="0" g="0" b="0"/>
+      </a:lnRef>
+      <a:fillRef idx="1">
+        <a:scrgbClr r="0" g="0" b="0"/>
+      </a:fillRef>
+      <a:effectRef idx="0">
+        <a:scrgbClr r="0" g="0" b="0"/>
+      </a:effectRef>
+      <a:fontRef idx="minor">
+        <a:schemeClr val="lt1"/>
+      </a:fontRef>
+    </dgm:style>
+  </dgm:styleLbl>
+  <dgm:styleLbl name="fgSibTrans2D1">
+    <dgm:scene3d>
+      <a:camera prst="orthographicFront"/>
+      <a:lightRig rig="threePt" dir="t"/>
+    </dgm:scene3d>
+    <dgm:sp3d/>
+    <dgm:txPr/>
+    <dgm:style>
+      <a:lnRef idx="0">
+        <a:scrgbClr r="0" g="0" b="0"/>
+      </a:lnRef>
+      <a:fillRef idx="1">
+        <a:scrgbClr r="0" g="0" b="0"/>
+      </a:fillRef>
+      <a:effectRef idx="0">
+        <a:scrgbClr r="0" g="0" b="0"/>
+      </a:effectRef>
+      <a:fontRef idx="minor">
+        <a:schemeClr val="lt1"/>
+      </a:fontRef>
+    </dgm:style>
+  </dgm:styleLbl>
+  <dgm:styleLbl name="bgSibTrans2D1">
+    <dgm:scene3d>
+      <a:camera prst="orthographicFront"/>
+      <a:lightRig rig="threePt" dir="t"/>
+    </dgm:scene3d>
+    <dgm:sp3d/>
+    <dgm:txPr/>
+    <dgm:style>
+      <a:lnRef idx="0">
+        <a:scrgbClr r="0" g="0" b="0"/>
+      </a:lnRef>
+      <a:fillRef idx="1">
+        <a:scrgbClr r="0" g="0" b="0"/>
+      </a:fillRef>
+      <a:effectRef idx="0">
+        <a:scrgbClr r="0" g="0" b="0"/>
+      </a:effectRef>
+      <a:fontRef idx="minor">
+        <a:schemeClr val="lt1"/>
+      </a:fontRef>
+    </dgm:style>
+  </dgm:styleLbl>
+  <dgm:styleLbl name="sibTrans1D1">
+    <dgm:scene3d>
+      <a:camera prst="orthographicFront"/>
+      <a:lightRig rig="threePt" dir="t"/>
+    </dgm:scene3d>
+    <dgm:sp3d/>
+    <dgm:txPr/>
+    <dgm:style>
+      <a:lnRef idx="1">
+        <a:scrgbClr r="0" g="0" b="0"/>
+      </a:lnRef>
+      <a:fillRef idx="0">
+        <a:scrgbClr r="0" g="0" b="0"/>
+      </a:fillRef>
+      <a:effectRef idx="0">
+        <a:scrgbClr r="0" g="0" b="0"/>
+      </a:effectRef>
+      <a:fontRef idx="minor"/>
+    </dgm:style>
+  </dgm:styleLbl>
+  <dgm:styleLbl name="callout">
+    <dgm:scene3d>
+      <a:camera prst="orthographicFront"/>
+      <a:lightRig rig="threePt" dir="t"/>
+    </dgm:scene3d>
+    <dgm:sp3d/>
+    <dgm:txPr/>
+    <dgm:style>
+      <a:lnRef idx="2">
+        <a:scrgbClr r="0" g="0" b="0"/>
+      </a:lnRef>
+      <a:fillRef idx="1">
+        <a:scrgbClr r="0" g="0" b="0"/>
+      </a:fillRef>
+      <a:effectRef idx="0">
+        <a:scrgbClr r="0" g="0" b="0"/>
+      </a:effectRef>
+      <a:fontRef idx="minor"/>
+    </dgm:style>
+  </dgm:styleLbl>
+  <dgm:styleLbl name="asst0">
+    <dgm:scene3d>
+      <a:camera prst="orthographicFront"/>
+      <a:lightRig rig="threePt" dir="t"/>
+    </dgm:scene3d>
+    <dgm:sp3d/>
+    <dgm:txPr/>
+    <dgm:style>
+      <a:lnRef idx="2">
+        <a:scrgbClr r="0" g="0" b="0"/>
+      </a:lnRef>
+      <a:fillRef idx="1">
+        <a:scrgbClr r="0" g="0" b="0"/>
+      </a:fillRef>
+      <a:effectRef idx="0">
+        <a:scrgbClr r="0" g="0" b="0"/>
+      </a:effectRef>
+      <a:fontRef idx="minor">
+        <a:schemeClr val="lt1"/>
+      </a:fontRef>
+    </dgm:style>
+  </dgm:styleLbl>
+  <dgm:styleLbl name="asst1">
+    <dgm:scene3d>
+      <a:camera prst="orthographicFront"/>
+      <a:lightRig rig="threePt" dir="t"/>
+    </dgm:scene3d>
+    <dgm:sp3d/>
+    <dgm:txPr/>
+    <dgm:style>
+      <a:lnRef idx="2">
+        <a:scrgbClr r="0" g="0" b="0"/>
+      </a:lnRef>
+      <a:fillRef idx="1">
+        <a:scrgbClr r="0" g="0" b="0"/>
+      </a:fillRef>
+      <a:effectRef idx="0">
+        <a:scrgbClr r="0" g="0" b="0"/>
+      </a:effectRef>
+      <a:fontRef idx="minor">
+        <a:schemeClr val="lt1"/>
+      </a:fontRef>
+    </dgm:style>
+  </dgm:styleLbl>
+  <dgm:styleLbl name="asst2">
+    <dgm:scene3d>
+      <a:camera prst="orthographicFront"/>
+      <a:lightRig rig="threePt" dir="t"/>
+    </dgm:scene3d>
+    <dgm:sp3d/>
+    <dgm:txPr/>
+    <dgm:style>
+      <a:lnRef idx="2">
+        <a:scrgbClr r="0" g="0" b="0"/>
+      </a:lnRef>
+      <a:fillRef idx="1">
+        <a:scrgbClr r="0" g="0" b="0"/>
+      </a:fillRef>
+      <a:effectRef idx="0">
+        <a:scrgbClr r="0" g="0" b="0"/>
+      </a:effectRef>
+      <a:fontRef idx="minor">
+        <a:schemeClr val="lt1"/>
+      </a:fontRef>
+    </dgm:style>
+  </dgm:styleLbl>
+  <dgm:styleLbl name="asst3">
+    <dgm:scene3d>
+      <a:camera prst="orthographicFront"/>
+      <a:lightRig rig="threePt" dir="t"/>
+    </dgm:scene3d>
+    <dgm:sp3d/>
+    <dgm:txPr/>
+    <dgm:style>
+      <a:lnRef idx="2">
+        <a:scrgbClr r="0" g="0" b="0"/>
+      </a:lnRef>
+      <a:fillRef idx="1">
+        <a:scrgbClr r="0" g="0" b="0"/>
+      </a:fillRef>
+      <a:effectRef idx="0">
+        <a:scrgbClr r="0" g="0" b="0"/>
+      </a:effectRef>
+      <a:fontRef idx="minor">
+        <a:schemeClr val="lt1"/>
+      </a:fontRef>
+    </dgm:style>
+  </dgm:styleLbl>
+  <dgm:styleLbl name="asst4">
+    <dgm:scene3d>
+      <a:camera prst="orthographicFront"/>
+      <a:lightRig rig="threePt" dir="t"/>
+    </dgm:scene3d>
+    <dgm:sp3d/>
+    <dgm:txPr/>
+    <dgm:style>
+      <a:lnRef idx="2">
+        <a:scrgbClr r="0" g="0" b="0"/>
+      </a:lnRef>
+      <a:fillRef idx="1">
+        <a:scrgbClr r="0" g="0" b="0"/>
+      </a:fillRef>
+      <a:effectRef idx="0">
+        <a:scrgbClr r="0" g="0" b="0"/>
+      </a:effectRef>
+      <a:fontRef idx="minor">
+        <a:schemeClr val="lt1"/>
+      </a:fontRef>
+    </dgm:style>
+  </dgm:styleLbl>
+  <dgm:styleLbl name="parChTrans2D1">
+    <dgm:scene3d>
+      <a:camera prst="orthographicFront"/>
+      <a:lightRig rig="threePt" dir="t"/>
+    </dgm:scene3d>
+    <dgm:sp3d/>
+    <dgm:txPr/>
+    <dgm:style>
+      <a:lnRef idx="2">
+        <a:scrgbClr r="0" g="0" b="0"/>
+      </a:lnRef>
+      <a:fillRef idx="1">
+        <a:scrgbClr r="0" g="0" b="0"/>
+      </a:fillRef>
+      <a:effectRef idx="0">
+        <a:scrgbClr r="0" g="0" b="0"/>
+      </a:effectRef>
+      <a:fontRef idx="minor">
+        <a:schemeClr val="lt1"/>
+      </a:fontRef>
+    </dgm:style>
+  </dgm:styleLbl>
+  <dgm:styleLbl name="parChTrans2D2">
+    <dgm:scene3d>
+      <a:camera prst="orthographicFront"/>
+      <a:lightRig rig="threePt" dir="t"/>
+    </dgm:scene3d>
+    <dgm:sp3d/>
+    <dgm:txPr/>
+    <dgm:style>
+      <a:lnRef idx="2">
+        <a:scrgbClr r="0" g="0" b="0"/>
+      </a:lnRef>
+      <a:fillRef idx="1">
+        <a:scrgbClr r="0" g="0" b="0"/>
+      </a:fillRef>
+      <a:effectRef idx="0">
+        <a:scrgbClr r="0" g="0" b="0"/>
+      </a:effectRef>
+      <a:fontRef idx="minor">
+        <a:schemeClr val="lt1"/>
+      </a:fontRef>
+    </dgm:style>
+  </dgm:styleLbl>
+  <dgm:styleLbl name="parChTrans2D3">
+    <dgm:scene3d>
+      <a:camera prst="orthographicFront"/>
+      <a:lightRig rig="threePt" dir="t"/>
+    </dgm:scene3d>
+    <dgm:sp3d/>
+    <dgm:txPr/>
+    <dgm:style>
+      <a:lnRef idx="2">
+        <a:scrgbClr r="0" g="0" b="0"/>
+      </a:lnRef>
+      <a:fillRef idx="1">
+        <a:scrgbClr r="0" g="0" b="0"/>
+      </a:fillRef>
+      <a:effectRef idx="0">
+        <a:scrgbClr r="0" g="0" b="0"/>
+      </a:effectRef>
+      <a:fontRef idx="minor">
+        <a:schemeClr val="lt1"/>
+      </a:fontRef>
+    </dgm:style>
+  </dgm:styleLbl>
+  <dgm:styleLbl name="parChTrans2D4">
+    <dgm:scene3d>
+      <a:camera prst="orthographicFront"/>
+      <a:lightRig rig="threePt" dir="t"/>
+    </dgm:scene3d>
+    <dgm:sp3d/>
+    <dgm:txPr/>
+    <dgm:style>
+      <a:lnRef idx="2">
+        <a:scrgbClr r="0" g="0" b="0"/>
+      </a:lnRef>
+      <a:fillRef idx="1">
+        <a:scrgbClr r="0" g="0" b="0"/>
+      </a:fillRef>
+      <a:effectRef idx="0">
+        <a:scrgbClr r="0" g="0" b="0"/>
+      </a:effectRef>
+      <a:fontRef idx="minor">
+        <a:schemeClr val="lt1"/>
+      </a:fontRef>
+    </dgm:style>
+  </dgm:styleLbl>
+  <dgm:styleLbl name="parChTrans1D1">
+    <dgm:scene3d>
+      <a:camera prst="orthographicFront"/>
+      <a:lightRig rig="threePt" dir="t"/>
+    </dgm:scene3d>
+    <dgm:sp3d/>
+    <dgm:txPr/>
+    <dgm:style>
+      <a:lnRef idx="2">
+        <a:scrgbClr r="0" g="0" b="0"/>
+      </a:lnRef>
+      <a:fillRef idx="0">
+        <a:scrgbClr r="0" g="0" b="0"/>
+      </a:fillRef>
+      <a:effectRef idx="0">
+        <a:scrgbClr r="0" g="0" b="0"/>
+      </a:effectRef>
+      <a:fontRef idx="minor"/>
+    </dgm:style>
+  </dgm:styleLbl>
+  <dgm:styleLbl name="parChTrans1D2">
+    <dgm:scene3d>
+      <a:camera prst="orthographicFront"/>
+      <a:lightRig rig="threePt" dir="t"/>
+    </dgm:scene3d>
+    <dgm:sp3d/>
+    <dgm:txPr/>
+    <dgm:style>
+      <a:lnRef idx="2">
+        <a:scrgbClr r="0" g="0" b="0"/>
+      </a:lnRef>
+      <a:fillRef idx="0">
+        <a:scrgbClr r="0" g="0" b="0"/>
+      </a:fillRef>
+      <a:effectRef idx="0">
+        <a:scrgbClr r="0" g="0" b="0"/>
+      </a:effectRef>
+      <a:fontRef idx="minor"/>
+    </dgm:style>
+  </dgm:styleLbl>
+  <dgm:styleLbl name="parChTrans1D3">
+    <dgm:scene3d>
+      <a:camera prst="orthographicFront"/>
+      <a:lightRig rig="threePt" dir="t"/>
+    </dgm:scene3d>
+    <dgm:sp3d/>
+    <dgm:txPr/>
+    <dgm:style>
+      <a:lnRef idx="2">
+        <a:scrgbClr r="0" g="0" b="0"/>
+      </a:lnRef>
+      <a:fillRef idx="0">
+        <a:scrgbClr r="0" g="0" b="0"/>
+      </a:fillRef>
+      <a:effectRef idx="0">
+        <a:scrgbClr r="0" g="0" b="0"/>
+      </a:effectRef>
+      <a:fontRef idx="minor"/>
+    </dgm:style>
+  </dgm:styleLbl>
+  <dgm:styleLbl name="parChTrans1D4">
+    <dgm:scene3d>
+      <a:camera prst="orthographicFront"/>
+      <a:lightRig rig="threePt" dir="t"/>
+    </dgm:scene3d>
+    <dgm:sp3d/>
+    <dgm:txPr/>
+    <dgm:style>
+      <a:lnRef idx="2">
+        <a:scrgbClr r="0" g="0" b="0"/>
+      </a:lnRef>
+      <a:fillRef idx="0">
+        <a:scrgbClr r="0" g="0" b="0"/>
+      </a:fillRef>
+      <a:effectRef idx="0">
+        <a:scrgbClr r="0" g="0" b="0"/>
+      </a:effectRef>
+      <a:fontRef idx="minor"/>
+    </dgm:style>
+  </dgm:styleLbl>
+  <dgm:styleLbl name="fgAcc1">
+    <dgm:scene3d>
+      <a:camera prst="orthographicFront"/>
+      <a:lightRig rig="threePt" dir="t"/>
+    </dgm:scene3d>
+    <dgm:sp3d/>
+    <dgm:txPr/>
+    <dgm:style>
+      <a:lnRef idx="2">
+        <a:scrgbClr r="0" g="0" b="0"/>
+      </a:lnRef>
+      <a:fillRef idx="1">
+        <a:scrgbClr r="0" g="0" b="0"/>
+      </a:fillRef>
+      <a:effectRef idx="0">
+        <a:scrgbClr r="0" g="0" b="0"/>
+      </a:effectRef>
+      <a:fontRef idx="minor"/>
+    </dgm:style>
+  </dgm:styleLbl>
+  <dgm:styleLbl name="conFgAcc1">
+    <dgm:scene3d>
+      <a:camera prst="orthographicFront"/>
+      <a:lightRig rig="threePt" dir="t"/>
+    </dgm:scene3d>
+    <dgm:sp3d/>
+    <dgm:txPr/>
+    <dgm:style>
+      <a:lnRef idx="2">
+        <a:scrgbClr r="0" g="0" b="0"/>
+      </a:lnRef>
+      <a:fillRef idx="1">
+        <a:scrgbClr r="0" g="0" b="0"/>
+      </a:fillRef>
+      <a:effectRef idx="0">
+        <a:scrgbClr r="0" g="0" b="0"/>
+      </a:effectRef>
+      <a:fontRef idx="minor"/>
+    </dgm:style>
+  </dgm:styleLbl>
+  <dgm:styleLbl name="alignAcc1">
+    <dgm:scene3d>
+      <a:camera prst="orthographicFront"/>
+      <a:lightRig rig="threePt" dir="t"/>
+    </dgm:scene3d>
+    <dgm:sp3d/>
+    <dgm:txPr/>
+    <dgm:style>
+      <a:lnRef idx="2">
+        <a:scrgbClr r="0" g="0" b="0"/>
+      </a:lnRef>
+      <a:fillRef idx="1">
+        <a:scrgbClr r="0" g="0" b="0"/>
+      </a:fillRef>
+      <a:effectRef idx="0">
+        <a:scrgbClr r="0" g="0" b="0"/>
+      </a:effectRef>
+      <a:fontRef idx="minor"/>
+    </dgm:style>
+  </dgm:styleLbl>
+  <dgm:styleLbl name="trAlignAcc1">
+    <dgm:scene3d>
+      <a:camera prst="orthographicFront"/>
+      <a:lightRig rig="threePt" dir="t"/>
+    </dgm:scene3d>
+    <dgm:sp3d/>
+    <dgm:txPr/>
+    <dgm:style>
+      <a:lnRef idx="1">
+        <a:scrgbClr r="0" g="0" b="0"/>
+      </a:lnRef>
+      <a:fillRef idx="1">
+        <a:scrgbClr r="0" g="0" b="0"/>
+      </a:fillRef>
+      <a:effectRef idx="0">
+        <a:scrgbClr r="0" g="0" b="0"/>
+      </a:effectRef>
+      <a:fontRef idx="minor"/>
+    </dgm:style>
+  </dgm:styleLbl>
+  <dgm:styleLbl name="bgAcc1">
+    <dgm:scene3d>
+      <a:camera prst="orthographicFront"/>
+      <a:lightRig rig="threePt" dir="t"/>
+    </dgm:scene3d>
+    <dgm:sp3d/>
+    <dgm:txPr/>
+    <dgm:style>
+      <a:lnRef idx="2">
+        <a:scrgbClr r="0" g="0" b="0"/>
+      </a:lnRef>
+      <a:fillRef idx="1">
+        <a:scrgbClr r="0" g="0" b="0"/>
+      </a:fillRef>
+      <a:effectRef idx="0">
+        <a:scrgbClr r="0" g="0" b="0"/>
+      </a:effectRef>
+      <a:fontRef idx="minor"/>
+    </dgm:style>
+  </dgm:styleLbl>
+  <dgm:styleLbl name="solidFgAcc1">
+    <dgm:scene3d>
+      <a:camera prst="orthographicFront"/>
+      <a:lightRig rig="threePt" dir="t"/>
+    </dgm:scene3d>
+    <dgm:sp3d/>
+    <dgm:txPr/>
+    <dgm:style>
+      <a:lnRef idx="2">
+        <a:scrgbClr r="0" g="0" b="0"/>
+      </a:lnRef>
+      <a:fillRef idx="1">
+        <a:scrgbClr r="0" g="0" b="0"/>
+      </a:fillRef>
+      <a:effectRef idx="0">
+        <a:scrgbClr r="0" g="0" b="0"/>
+      </a:effectRef>
+      <a:fontRef idx="minor"/>
+    </dgm:style>
+  </dgm:styleLbl>
+  <dgm:styleLbl name="solidAlignAcc1">
+    <dgm:scene3d>
+      <a:camera prst="orthographicFront"/>
+      <a:lightRig rig="threePt" dir="t"/>
+    </dgm:scene3d>
+    <dgm:sp3d/>
+    <dgm:txPr/>
+    <dgm:style>
+      <a:lnRef idx="2">
+        <a:scrgbClr r="0" g="0" b="0"/>
+      </a:lnRef>
+      <a:fillRef idx="1">
+        <a:scrgbClr r="0" g="0" b="0"/>
+      </a:fillRef>
+      <a:effectRef idx="0">
+        <a:scrgbClr r="0" g="0" b="0"/>
+      </a:effectRef>
+      <a:fontRef idx="minor"/>
+    </dgm:style>
+  </dgm:styleLbl>
+  <dgm:styleLbl name="solidBgAcc1">
+    <dgm:scene3d>
+      <a:camera prst="orthographicFront"/>
+      <a:lightRig rig="threePt" dir="t"/>
+    </dgm:scene3d>
+    <dgm:sp3d/>
+    <dgm:txPr/>
+    <dgm:style>
+      <a:lnRef idx="2">
+        <a:scrgbClr r="0" g="0" b="0"/>
+      </a:lnRef>
+      <a:fillRef idx="1">
+        <a:scrgbClr r="0" g="0" b="0"/>
+      </a:fillRef>
+      <a:effectRef idx="0">
+        <a:scrgbClr r="0" g="0" b="0"/>
+      </a:effectRef>
+      <a:fontRef idx="minor"/>
+    </dgm:style>
+  </dgm:styleLbl>
+  <dgm:styleLbl name="fgAccFollowNode1">
+    <dgm:scene3d>
+      <a:camera prst="orthographicFront"/>
+      <a:lightRig rig="threePt" dir="t"/>
+    </dgm:scene3d>
+    <dgm:sp3d/>
+    <dgm:txPr/>
+    <dgm:style>
+      <a:lnRef idx="2">
+        <a:scrgbClr r="0" g="0" b="0"/>
+      </a:lnRef>
+      <a:fillRef idx="1">
+        <a:scrgbClr r="0" g="0" b="0"/>
+      </a:fillRef>
+      <a:effectRef idx="0">
+        <a:scrgbClr r="0" g="0" b="0"/>
+      </a:effectRef>
+      <a:fontRef idx="minor"/>
+    </dgm:style>
+  </dgm:styleLbl>
+  <dgm:styleLbl name="alignAccFollowNode1">
+    <dgm:scene3d>
+      <a:camera prst="orthographicFront"/>
+      <a:lightRig rig="threePt" dir="t"/>
+    </dgm:scene3d>
+    <dgm:sp3d/>
+    <dgm:txPr/>
+    <dgm:style>
+      <a:lnRef idx="2">
+        <a:scrgbClr r="0" g="0" b="0"/>
+      </a:lnRef>
+      <a:fillRef idx="1">
+        <a:scrgbClr r="0" g="0" b="0"/>
+      </a:fillRef>
+      <a:effectRef idx="0">
+        <a:scrgbClr r="0" g="0" b="0"/>
+      </a:effectRef>
+      <a:fontRef idx="minor"/>
+    </dgm:style>
+  </dgm:styleLbl>
+  <dgm:styleLbl name="bgAccFollowNode1">
+    <dgm:scene3d>
+      <a:camera prst="orthographicFront"/>
+      <a:lightRig rig="threePt" dir="t"/>
+    </dgm:scene3d>
+    <dgm:sp3d/>
+    <dgm:txPr/>
+    <dgm:style>
+      <a:lnRef idx="2">
+        <a:scrgbClr r="0" g="0" b="0"/>
+      </a:lnRef>
+      <a:fillRef idx="1">
+        <a:scrgbClr r="0" g="0" b="0"/>
+      </a:fillRef>
+      <a:effectRef idx="0">
+        <a:scrgbClr r="0" g="0" b="0"/>
+      </a:effectRef>
+      <a:fontRef idx="minor"/>
+    </dgm:style>
+  </dgm:styleLbl>
+  <dgm:styleLbl name="fgAcc0">
+    <dgm:scene3d>
+      <a:camera prst="orthographicFront"/>
+      <a:lightRig rig="threePt" dir="t"/>
+    </dgm:scene3d>
+    <dgm:sp3d/>
+    <dgm:txPr/>
+    <dgm:style>
+      <a:lnRef idx="2">
+        <a:scrgbClr r="0" g="0" b="0"/>
+      </a:lnRef>
+      <a:fillRef idx="1">
+        <a:scrgbClr r="0" g="0" b="0"/>
+      </a:fillRef>
+      <a:effectRef idx="0">
+        <a:scrgbClr r="0" g="0" b="0"/>
+      </a:effectRef>
+      <a:fontRef idx="minor"/>
+    </dgm:style>
+  </dgm:styleLbl>
+  <dgm:styleLbl name="fgAcc2">
+    <dgm:scene3d>
+      <a:camera prst="orthographicFront"/>
+      <a:lightRig rig="threePt" dir="t"/>
+    </dgm:scene3d>
+    <dgm:sp3d/>
+    <dgm:txPr/>
+    <dgm:style>
+      <a:lnRef idx="2">
+        <a:scrgbClr r="0" g="0" b="0"/>
+      </a:lnRef>
+      <a:fillRef idx="1">
+        <a:scrgbClr r="0" g="0" b="0"/>
+      </a:fillRef>
+      <a:effectRef idx="0">
+        <a:scrgbClr r="0" g="0" b="0"/>
+      </a:effectRef>
+      <a:fontRef idx="minor"/>
+    </dgm:style>
+  </dgm:styleLbl>
+  <dgm:styleLbl name="fgAcc3">
+    <dgm:scene3d>
+      <a:camera prst="orthographicFront"/>
+      <a:lightRig rig="threePt" dir="t"/>
+    </dgm:scene3d>
+    <dgm:sp3d/>
+    <dgm:txPr/>
+    <dgm:style>
+      <a:lnRef idx="2">
+        <a:scrgbClr r="0" g="0" b="0"/>
+      </a:lnRef>
+      <a:fillRef idx="1">
+        <a:scrgbClr r="0" g="0" b="0"/>
+      </a:fillRef>
+      <a:effectRef idx="0">
+        <a:scrgbClr r="0" g="0" b="0"/>
+      </a:effectRef>
+      <a:fontRef idx="minor"/>
+    </dgm:style>
+  </dgm:styleLbl>
+  <dgm:styleLbl name="fgAcc4">
+    <dgm:scene3d>
+      <a:camera prst="orthographicFront"/>
+      <a:lightRig rig="threePt" dir="t"/>
+    </dgm:scene3d>
+    <dgm:sp3d/>
+    <dgm:txPr/>
+    <dgm:style>
+      <a:lnRef idx="2">
+        <a:scrgbClr r="0" g="0" b="0"/>
+      </a:lnRef>
+      <a:fillRef idx="1">
+        <a:scrgbClr r="0" g="0" b="0"/>
+      </a:fillRef>
+      <a:effectRef idx="0">
+        <a:scrgbClr r="0" g="0" b="0"/>
+      </a:effectRef>
+      <a:fontRef idx="minor"/>
+    </dgm:style>
+  </dgm:styleLbl>
+  <dgm:styleLbl name="bgShp">
+    <dgm:scene3d>
+      <a:camera prst="orthographicFront"/>
+      <a:lightRig rig="threePt" dir="t"/>
+    </dgm:scene3d>
+    <dgm:sp3d/>
+    <dgm:txPr/>
+    <dgm:style>
+      <a:lnRef idx="0">
+        <a:scrgbClr r="0" g="0" b="0"/>
+      </a:lnRef>
+      <a:fillRef idx="1">
+        <a:scrgbClr r="0" g="0" b="0"/>
+      </a:fillRef>
+      <a:effectRef idx="0">
+        <a:scrgbClr r="0" g="0" b="0"/>
+      </a:effectRef>
+      <a:fontRef idx="minor"/>
+    </dgm:style>
+  </dgm:styleLbl>
+  <dgm:styleLbl name="dkBgShp">
+    <dgm:scene3d>
+      <a:camera prst="orthographicFront"/>
+      <a:lightRig rig="threePt" dir="t"/>
+    </dgm:scene3d>
+    <dgm:sp3d/>
+    <dgm:txPr/>
+    <dgm:style>
+      <a:lnRef idx="0">
+        <a:scrgbClr r="0" g="0" b="0"/>
+      </a:lnRef>
+      <a:fillRef idx="1">
+        <a:scrgbClr r="0" g="0" b="0"/>
+      </a:fillRef>
+      <a:effectRef idx="0">
+        <a:scrgbClr r="0" g="0" b="0"/>
+      </a:effectRef>
+      <a:fontRef idx="minor"/>
+    </dgm:style>
+  </dgm:styleLbl>
+  <dgm:styleLbl name="trBgShp">
+    <dgm:scene3d>
+      <a:camera prst="orthographicFront"/>
+      <a:lightRig rig="threePt" dir="t"/>
+    </dgm:scene3d>
+    <dgm:sp3d/>
+    <dgm:txPr/>
+    <dgm:style>
+      <a:lnRef idx="0">
+        <a:scrgbClr r="0" g="0" b="0"/>
+      </a:lnRef>
+      <a:fillRef idx="1">
+        <a:scrgbClr r="0" g="0" b="0"/>
+      </a:fillRef>
+      <a:effectRef idx="0">
+        <a:scrgbClr r="0" g="0" b="0"/>
+      </a:effectRef>
+      <a:fontRef idx="minor"/>
+    </dgm:style>
+  </dgm:styleLbl>
+  <dgm:styleLbl name="fgShp">
+    <dgm:scene3d>
+      <a:camera prst="orthographicFront"/>
+      <a:lightRig rig="threePt" dir="t"/>
+    </dgm:scene3d>
+    <dgm:sp3d/>
+    <dgm:txPr/>
+    <dgm:style>
+      <a:lnRef idx="2">
+        <a:scrgbClr r="0" g="0" b="0"/>
+      </a:lnRef>
+      <a:fillRef idx="1">
+        <a:scrgbClr r="0" g="0" b="0"/>
+      </a:fillRef>
+      <a:effectRef idx="0">
+        <a:scrgbClr r="0" g="0" b="0"/>
+      </a:effectRef>
+      <a:fontRef idx="minor"/>
+    </dgm:style>
+  </dgm:styleLbl>
+  <dgm:styleLbl name="revTx">
+    <dgm:scene3d>
+      <a:camera prst="orthographicFront"/>
+      <a:lightRig rig="threePt" dir="t"/>
+    </dgm:scene3d>
+    <dgm:sp3d/>
+    <dgm:txPr/>
+    <dgm:style>
+      <a:lnRef idx="0">
+        <a:scrgbClr r="0" g="0" b="0"/>
+      </a:lnRef>
+      <a:fillRef idx="0">
+        <a:scrgbClr r="0" g="0" b="0"/>
+      </a:fillRef>
+      <a:effectRef idx="0">
+        <a:scrgbClr r="0" g="0" b="0"/>
+      </a:effectRef>
+      <a:fontRef idx="minor"/>
+    </dgm:style>
+  </dgm:styleLbl>
+</dgm:styleDef>
 </file>
 
 <file path=ppt/slideLayouts/slideLayout1.xml><?xml version="1.0" encoding="utf-8"?>
@@ -258,7 +3797,7 @@
           <a:p>
             <a:fld id="{E2C36159-6644-524D-B0EC-C78EFC642358}" type="datetimeFigureOut">
               <a:rPr lang="en-US" smtClean="0"/>
-              <a:t>1/26/22</a:t>
+              <a:t>1/28/22</a:t>
             </a:fld>
             <a:endParaRPr lang="en-US"/>
           </a:p>
@@ -456,7 +3995,7 @@
           <a:p>
             <a:fld id="{E2C36159-6644-524D-B0EC-C78EFC642358}" type="datetimeFigureOut">
               <a:rPr lang="en-US" smtClean="0"/>
-              <a:t>1/26/22</a:t>
+              <a:t>1/28/22</a:t>
             </a:fld>
             <a:endParaRPr lang="en-US"/>
           </a:p>
@@ -664,7 +4203,7 @@
           <a:p>
             <a:fld id="{E2C36159-6644-524D-B0EC-C78EFC642358}" type="datetimeFigureOut">
               <a:rPr lang="en-US" smtClean="0"/>
-              <a:t>1/26/22</a:t>
+              <a:t>1/28/22</a:t>
             </a:fld>
             <a:endParaRPr lang="en-US"/>
           </a:p>
@@ -862,7 +4401,7 @@
           <a:p>
             <a:fld id="{E2C36159-6644-524D-B0EC-C78EFC642358}" type="datetimeFigureOut">
               <a:rPr lang="en-US" smtClean="0"/>
-              <a:t>1/26/22</a:t>
+              <a:t>1/28/22</a:t>
             </a:fld>
             <a:endParaRPr lang="en-US"/>
           </a:p>
@@ -1137,7 +4676,7 @@
           <a:p>
             <a:fld id="{E2C36159-6644-524D-B0EC-C78EFC642358}" type="datetimeFigureOut">
               <a:rPr lang="en-US" smtClean="0"/>
-              <a:t>1/26/22</a:t>
+              <a:t>1/28/22</a:t>
             </a:fld>
             <a:endParaRPr lang="en-US"/>
           </a:p>
@@ -1402,7 +4941,7 @@
           <a:p>
             <a:fld id="{E2C36159-6644-524D-B0EC-C78EFC642358}" type="datetimeFigureOut">
               <a:rPr lang="en-US" smtClean="0"/>
-              <a:t>1/26/22</a:t>
+              <a:t>1/28/22</a:t>
             </a:fld>
             <a:endParaRPr lang="en-US"/>
           </a:p>
@@ -1814,7 +5353,7 @@
           <a:p>
             <a:fld id="{E2C36159-6644-524D-B0EC-C78EFC642358}" type="datetimeFigureOut">
               <a:rPr lang="en-US" smtClean="0"/>
-              <a:t>1/26/22</a:t>
+              <a:t>1/28/22</a:t>
             </a:fld>
             <a:endParaRPr lang="en-US"/>
           </a:p>
@@ -1955,7 +5494,7 @@
           <a:p>
             <a:fld id="{E2C36159-6644-524D-B0EC-C78EFC642358}" type="datetimeFigureOut">
               <a:rPr lang="en-US" smtClean="0"/>
-              <a:t>1/26/22</a:t>
+              <a:t>1/28/22</a:t>
             </a:fld>
             <a:endParaRPr lang="en-US"/>
           </a:p>
@@ -2068,7 +5607,7 @@
           <a:p>
             <a:fld id="{E2C36159-6644-524D-B0EC-C78EFC642358}" type="datetimeFigureOut">
               <a:rPr lang="en-US" smtClean="0"/>
-              <a:t>1/26/22</a:t>
+              <a:t>1/28/22</a:t>
             </a:fld>
             <a:endParaRPr lang="en-US"/>
           </a:p>
@@ -2379,7 +5918,7 @@
           <a:p>
             <a:fld id="{E2C36159-6644-524D-B0EC-C78EFC642358}" type="datetimeFigureOut">
               <a:rPr lang="en-US" smtClean="0"/>
-              <a:t>1/26/22</a:t>
+              <a:t>1/28/22</a:t>
             </a:fld>
             <a:endParaRPr lang="en-US"/>
           </a:p>
@@ -2667,7 +6206,7 @@
           <a:p>
             <a:fld id="{E2C36159-6644-524D-B0EC-C78EFC642358}" type="datetimeFigureOut">
               <a:rPr lang="en-US" smtClean="0"/>
-              <a:t>1/26/22</a:t>
+              <a:t>1/28/22</a:t>
             </a:fld>
             <a:endParaRPr lang="en-US"/>
           </a:p>
@@ -2908,7 +6447,7 @@
           <a:p>
             <a:fld id="{E2C36159-6644-524D-B0EC-C78EFC642358}" type="datetimeFigureOut">
               <a:rPr lang="en-US" smtClean="0"/>
-              <a:t>1/26/22</a:t>
+              <a:t>1/28/22</a:t>
             </a:fld>
             <a:endParaRPr lang="en-US"/>
           </a:p>
@@ -3708,132 +7247,45 @@
           <a:bodyPr/>
           <a:lstStyle/>
           <a:p>
+            <a:pPr algn="ctr"/>
             <a:r>
               <a:rPr lang="en-US" b="1" dirty="0"/>
               <a:t>Lesson 1: How Models Work</a:t>
             </a:r>
-            <a:endParaRPr lang="en-US" dirty="0"/>
           </a:p>
         </p:txBody>
       </p:sp>
-      <p:sp>
-        <p:nvSpPr>
-          <p:cNvPr id="3" name="Content Placeholder 2">
+      <p:graphicFrame>
+        <p:nvGraphicFramePr>
+          <p:cNvPr id="5" name="Content Placeholder 2">
             <a:extLst>
               <a:ext uri="{FF2B5EF4-FFF2-40B4-BE49-F238E27FC236}">
-                <a16:creationId xmlns:a16="http://schemas.microsoft.com/office/drawing/2014/main" id="{CF2BD0FA-0FE9-1C4B-BFD8-853D74216DFE}"/>
+                <a16:creationId xmlns:a16="http://schemas.microsoft.com/office/drawing/2014/main" id="{D67168D1-FFEA-40C6-BE46-D83DAE016819}"/>
               </a:ext>
             </a:extLst>
           </p:cNvPr>
-          <p:cNvSpPr>
-            <a:spLocks noGrp="1"/>
-          </p:cNvSpPr>
+          <p:cNvGraphicFramePr>
+            <a:graphicFrameLocks noGrp="1"/>
+          </p:cNvGraphicFramePr>
           <p:nvPr>
             <p:ph idx="1"/>
+            <p:extLst>
+              <p:ext uri="{D42A27DB-BD31-4B8C-83A1-F6EECF244321}">
+                <p14:modId xmlns:p14="http://schemas.microsoft.com/office/powerpoint/2010/main" val="2959238440"/>
+              </p:ext>
+            </p:extLst>
           </p:nvPr>
-        </p:nvSpPr>
-        <p:spPr>
-          <a:xfrm>
-            <a:off x="838199" y="1825625"/>
-            <a:ext cx="10794357" cy="4351338"/>
-          </a:xfrm>
-        </p:spPr>
-        <p:txBody>
-          <a:bodyPr/>
-          <a:lstStyle/>
-          <a:p>
-            <a:r>
-              <a:rPr lang="en-US" dirty="0"/>
-              <a:t>The step of capturing patterns from data is called </a:t>
-            </a:r>
-            <a:r>
-              <a:rPr lang="en-US" b="1" dirty="0"/>
-              <a:t>fitting</a:t>
-            </a:r>
-            <a:r>
-              <a:rPr lang="en-US" dirty="0"/>
-              <a:t> or </a:t>
-            </a:r>
-            <a:r>
-              <a:rPr lang="en-US" b="1" dirty="0"/>
-              <a:t>training</a:t>
-            </a:r>
-            <a:r>
-              <a:rPr lang="en-US" dirty="0"/>
-              <a:t> the model. </a:t>
-            </a:r>
-          </a:p>
-          <a:p>
-            <a:r>
-              <a:rPr lang="en-US" dirty="0"/>
-              <a:t>The data used to </a:t>
-            </a:r>
-            <a:r>
-              <a:rPr lang="en-US" b="1" dirty="0"/>
-              <a:t>fit</a:t>
-            </a:r>
-            <a:r>
-              <a:rPr lang="en-US" dirty="0"/>
-              <a:t> the model is called the </a:t>
-            </a:r>
-            <a:r>
-              <a:rPr lang="en-US" b="1" dirty="0"/>
-              <a:t>training data</a:t>
-            </a:r>
-            <a:r>
-              <a:rPr lang="en-US" dirty="0"/>
-              <a:t>.</a:t>
-            </a:r>
-          </a:p>
-          <a:p>
-            <a:r>
-              <a:rPr lang="en-US" dirty="0"/>
-              <a:t>After the model has been fit, you can apply it to new data to </a:t>
-            </a:r>
-            <a:r>
-              <a:rPr lang="en-US" b="1" dirty="0"/>
-              <a:t>predict</a:t>
-            </a:r>
-            <a:r>
-              <a:rPr lang="en-US" dirty="0"/>
-              <a:t> prices of additional homes.</a:t>
-            </a:r>
-          </a:p>
-          <a:p>
-            <a:r>
-              <a:rPr lang="en-US" dirty="0"/>
-              <a:t>One type of model is - </a:t>
-            </a:r>
-            <a:r>
-              <a:rPr lang="en-US" b="1" dirty="0"/>
-              <a:t>Decision Tree.</a:t>
-            </a:r>
-          </a:p>
-          <a:p>
-            <a:r>
-              <a:rPr lang="en-US" dirty="0"/>
-              <a:t>In decision tree, you can capture more factors using a tree that has more </a:t>
-            </a:r>
-            <a:r>
-              <a:rPr lang="en-US" b="1" dirty="0"/>
-              <a:t>"splits." </a:t>
-            </a:r>
-            <a:r>
-              <a:rPr lang="en-US" dirty="0"/>
-              <a:t>These are called </a:t>
-            </a:r>
-            <a:r>
-              <a:rPr lang="en-US" b="1" dirty="0"/>
-              <a:t>"deeper" </a:t>
-            </a:r>
-            <a:r>
-              <a:rPr lang="en-US" dirty="0"/>
-              <a:t>trees.</a:t>
-            </a:r>
-            <a:endParaRPr lang="en-US" b="1" dirty="0"/>
-          </a:p>
-        </p:txBody>
-      </p:sp>
+        </p:nvGraphicFramePr>
+        <p:xfrm>
+          <a:off x="838199" y="1825625"/>
+          <a:ext cx="10794357" cy="4351338"/>
+        </p:xfrm>
+        <a:graphic>
+          <a:graphicData uri="http://schemas.openxmlformats.org/drawingml/2006/diagram">
+            <dgm:relIds xmlns:dgm="http://schemas.openxmlformats.org/drawingml/2006/diagram" xmlns:r="http://schemas.openxmlformats.org/officeDocument/2006/relationships" r:dm="rId2" r:lo="rId3" r:qs="rId4" r:cs="rId5"/>
+          </a:graphicData>
+        </a:graphic>
+      </p:graphicFrame>
     </p:spTree>
     <p:extLst>
       <p:ext uri="{BB962C8B-B14F-4D97-AF65-F5344CB8AC3E}">
@@ -5409,7 +8861,7 @@
         </p:spPr>
         <p:txBody>
           <a:bodyPr vert="horz" lIns="91440" tIns="45720" rIns="91440" bIns="45720" rtlCol="0">
-            <a:normAutofit/>
+            <a:normAutofit lnSpcReduction="10000"/>
           </a:bodyPr>
           <a:lstStyle/>
           <a:p>
@@ -5425,7 +8877,7 @@
             </a:pPr>
             <a:r>
               <a:rPr lang="en-US" sz="2800" dirty="0"/>
-              <a:t>You predict the price of any house by tracing through the decision tree, always picking the path corresponding to that house's characteristics. </a:t>
+              <a:t>You predict the price of any house by tracing through the decision tree, always picking the path corresponding to that house's characteristics.</a:t>
             </a:r>
           </a:p>
           <a:p>
@@ -5439,10 +8891,36 @@
               <a:buFont typeface="Arial" panose="020B0604020202020204" pitchFamily="34" charset="0"/>
               <a:buChar char="•"/>
             </a:pPr>
+            <a:endParaRPr lang="en-US" sz="2800" dirty="0"/>
+          </a:p>
+          <a:p>
+            <a:pPr indent="-228600">
+              <a:lnSpc>
+                <a:spcPct val="90000"/>
+              </a:lnSpc>
+              <a:spcAft>
+                <a:spcPts val="600"/>
+              </a:spcAft>
+              <a:buFont typeface="Arial" panose="020B0604020202020204" pitchFamily="34" charset="0"/>
+              <a:buChar char="•"/>
+            </a:pPr>
             <a:r>
               <a:rPr lang="en-US" sz="2800" dirty="0"/>
               <a:t>The predicted price for the house is at the bottom of the tree. </a:t>
             </a:r>
+          </a:p>
+          <a:p>
+            <a:pPr indent="-228600">
+              <a:lnSpc>
+                <a:spcPct val="90000"/>
+              </a:lnSpc>
+              <a:spcAft>
+                <a:spcPts val="600"/>
+              </a:spcAft>
+              <a:buFont typeface="Arial" panose="020B0604020202020204" pitchFamily="34" charset="0"/>
+              <a:buChar char="•"/>
+            </a:pPr>
+            <a:endParaRPr lang="en-US" sz="2800" dirty="0"/>
           </a:p>
           <a:p>
             <a:pPr indent="-228600">
@@ -5497,8 +8975,8 @@
         </p:blipFill>
         <p:spPr bwMode="auto">
           <a:xfrm>
-            <a:off x="6880610" y="1939963"/>
-            <a:ext cx="4737650" cy="3000288"/>
+            <a:off x="6308699" y="1445932"/>
+            <a:ext cx="5883301" cy="4352984"/>
           </a:xfrm>
           <a:prstGeom prst="rect">
             <a:avLst/>
@@ -5950,7 +9428,7 @@
           </a:bodyPr>
           <a:lstStyle/>
           <a:p>
-            <a:pPr marL="0" indent="0">
+            <a:pPr marL="0" indent="0" algn="ctr">
               <a:buNone/>
             </a:pPr>
             <a:r>
@@ -6040,6 +9518,14 @@
 <file path=ppt/slides/slide5.xml><?xml version="1.0" encoding="utf-8"?>
 <p:sld xmlns:a="http://schemas.openxmlformats.org/drawingml/2006/main" xmlns:r="http://schemas.openxmlformats.org/officeDocument/2006/relationships" xmlns:p="http://schemas.openxmlformats.org/presentationml/2006/main">
   <p:cSld>
+    <p:bg>
+      <p:bgPr>
+        <a:solidFill>
+          <a:schemeClr val="bg1"/>
+        </a:solidFill>
+        <a:effectLst/>
+      </p:bgPr>
+    </p:bg>
     <p:spTree>
       <p:nvGrpSpPr>
         <p:cNvPr id="1" name=""/>
@@ -6054,6 +9540,247 @@
           <a:chExt cx="0" cy="0"/>
         </a:xfrm>
       </p:grpSpPr>
+      <p:sp useBgFill="1">
+        <p:nvSpPr>
+          <p:cNvPr id="8" name="Rectangle 7">
+            <a:extLst>
+              <a:ext uri="{FF2B5EF4-FFF2-40B4-BE49-F238E27FC236}">
+                <a16:creationId xmlns:a16="http://schemas.microsoft.com/office/drawing/2014/main" id="{1BB867FF-FC45-48F7-8104-F89BE54909F1}"/>
+              </a:ext>
+              <a:ext uri="{C183D7F6-B498-43B3-948B-1728B52AA6E4}">
+                <adec:decorative xmlns:adec="http://schemas.microsoft.com/office/drawing/2017/decorative" val="1"/>
+              </a:ext>
+            </a:extLst>
+          </p:cNvPr>
+          <p:cNvSpPr>
+            <a:spLocks noGrp="1" noRot="1" noChangeAspect="1" noMove="1" noResize="1" noEditPoints="1" noAdjustHandles="1" noChangeArrowheads="1" noChangeShapeType="1" noTextEdit="1"/>
+          </p:cNvSpPr>
+          <p:nvPr>
+            <p:extLst>
+              <p:ext uri="{386F3935-93C4-4BCD-93E2-E3B085C9AB24}">
+                <p16:designElem xmlns:p16="http://schemas.microsoft.com/office/powerpoint/2015/main" val="1"/>
+              </p:ext>
+            </p:extLst>
+          </p:nvPr>
+        </p:nvSpPr>
+        <p:spPr>
+          <a:xfrm>
+            <a:off x="3048" y="0"/>
+            <a:ext cx="12188952" cy="6858000"/>
+          </a:xfrm>
+          <a:prstGeom prst="rect">
+            <a:avLst/>
+          </a:prstGeom>
+          <a:ln>
+            <a:noFill/>
+          </a:ln>
+        </p:spPr>
+        <p:style>
+          <a:lnRef idx="2">
+            <a:schemeClr val="accent1">
+              <a:shade val="50000"/>
+            </a:schemeClr>
+          </a:lnRef>
+          <a:fillRef idx="1">
+            <a:schemeClr val="accent1"/>
+          </a:fillRef>
+          <a:effectRef idx="0">
+            <a:schemeClr val="accent1"/>
+          </a:effectRef>
+          <a:fontRef idx="minor">
+            <a:schemeClr val="lt1"/>
+          </a:fontRef>
+        </p:style>
+        <p:txBody>
+          <a:bodyPr rtlCol="0" anchor="ctr"/>
+          <a:lstStyle/>
+          <a:p>
+            <a:pPr algn="ctr"/>
+            <a:endParaRPr lang="en-US"/>
+          </a:p>
+        </p:txBody>
+      </p:sp>
+      <p:sp>
+        <p:nvSpPr>
+          <p:cNvPr id="10" name="Freeform: Shape 9">
+            <a:extLst>
+              <a:ext uri="{FF2B5EF4-FFF2-40B4-BE49-F238E27FC236}">
+                <a16:creationId xmlns:a16="http://schemas.microsoft.com/office/drawing/2014/main" id="{8BB56887-D0D5-4F0C-9E19-7247EB83C8B7}"/>
+              </a:ext>
+              <a:ext uri="{C183D7F6-B498-43B3-948B-1728B52AA6E4}">
+                <adec:decorative xmlns:adec="http://schemas.microsoft.com/office/drawing/2017/decorative" val="1"/>
+              </a:ext>
+            </a:extLst>
+          </p:cNvPr>
+          <p:cNvSpPr>
+            <a:spLocks noGrp="1" noRot="1" noChangeAspect="1" noMove="1" noResize="1" noEditPoints="1" noAdjustHandles="1" noChangeArrowheads="1" noChangeShapeType="1" noTextEdit="1"/>
+          </p:cNvSpPr>
+          <p:nvPr>
+            <p:extLst>
+              <p:ext uri="{386F3935-93C4-4BCD-93E2-E3B085C9AB24}">
+                <p16:designElem xmlns:p16="http://schemas.microsoft.com/office/powerpoint/2015/main" val="1"/>
+              </p:ext>
+            </p:extLst>
+          </p:nvPr>
+        </p:nvSpPr>
+        <p:spPr>
+          <a:xfrm>
+            <a:off x="10208695" y="1"/>
+            <a:ext cx="1135066" cy="477997"/>
+          </a:xfrm>
+          <a:custGeom>
+            <a:avLst/>
+            <a:gdLst>
+              <a:gd name="connsiteX0" fmla="*/ 0 w 1135066"/>
+              <a:gd name="connsiteY0" fmla="*/ 0 h 477997"/>
+              <a:gd name="connsiteX1" fmla="*/ 1135066 w 1135066"/>
+              <a:gd name="connsiteY1" fmla="*/ 0 h 477997"/>
+              <a:gd name="connsiteX2" fmla="*/ 1133370 w 1135066"/>
+              <a:gd name="connsiteY2" fmla="*/ 16827 h 477997"/>
+              <a:gd name="connsiteX3" fmla="*/ 567533 w 1135066"/>
+              <a:gd name="connsiteY3" fmla="*/ 477997 h 477997"/>
+              <a:gd name="connsiteX4" fmla="*/ 1696 w 1135066"/>
+              <a:gd name="connsiteY4" fmla="*/ 16827 h 477997"/>
+            </a:gdLst>
+            <a:ahLst/>
+            <a:cxnLst>
+              <a:cxn ang="0">
+                <a:pos x="connsiteX0" y="connsiteY0"/>
+              </a:cxn>
+              <a:cxn ang="0">
+                <a:pos x="connsiteX1" y="connsiteY1"/>
+              </a:cxn>
+              <a:cxn ang="0">
+                <a:pos x="connsiteX2" y="connsiteY2"/>
+              </a:cxn>
+              <a:cxn ang="0">
+                <a:pos x="connsiteX3" y="connsiteY3"/>
+              </a:cxn>
+              <a:cxn ang="0">
+                <a:pos x="connsiteX4" y="connsiteY4"/>
+              </a:cxn>
+            </a:cxnLst>
+            <a:rect l="l" t="t" r="r" b="b"/>
+            <a:pathLst>
+              <a:path w="1135066" h="477997">
+                <a:moveTo>
+                  <a:pt x="0" y="0"/>
+                </a:moveTo>
+                <a:lnTo>
+                  <a:pt x="1135066" y="0"/>
+                </a:lnTo>
+                <a:lnTo>
+                  <a:pt x="1133370" y="16827"/>
+                </a:lnTo>
+                <a:cubicBezTo>
+                  <a:pt x="1079514" y="280016"/>
+                  <a:pt x="846644" y="477997"/>
+                  <a:pt x="567533" y="477997"/>
+                </a:cubicBezTo>
+                <a:cubicBezTo>
+                  <a:pt x="288422" y="477997"/>
+                  <a:pt x="55552" y="280016"/>
+                  <a:pt x="1696" y="16827"/>
+                </a:cubicBezTo>
+                <a:close/>
+              </a:path>
+            </a:pathLst>
+          </a:custGeom>
+          <a:solidFill>
+            <a:schemeClr val="accent4"/>
+          </a:solidFill>
+          <a:ln>
+            <a:noFill/>
+          </a:ln>
+        </p:spPr>
+        <p:style>
+          <a:lnRef idx="2">
+            <a:schemeClr val="accent1">
+              <a:shade val="50000"/>
+            </a:schemeClr>
+          </a:lnRef>
+          <a:fillRef idx="1">
+            <a:schemeClr val="accent1"/>
+          </a:fillRef>
+          <a:effectRef idx="0">
+            <a:schemeClr val="accent1"/>
+          </a:effectRef>
+          <a:fontRef idx="minor">
+            <a:schemeClr val="lt1"/>
+          </a:fontRef>
+        </p:style>
+        <p:txBody>
+          <a:bodyPr wrap="square" rtlCol="0" anchor="ctr">
+            <a:noAutofit/>
+          </a:bodyPr>
+          <a:lstStyle/>
+          <a:p>
+            <a:pPr algn="ctr"/>
+            <a:endParaRPr lang="en-US"/>
+          </a:p>
+        </p:txBody>
+      </p:sp>
+      <p:sp>
+        <p:nvSpPr>
+          <p:cNvPr id="12" name="Arc 11">
+            <a:extLst>
+              <a:ext uri="{FF2B5EF4-FFF2-40B4-BE49-F238E27FC236}">
+                <a16:creationId xmlns:a16="http://schemas.microsoft.com/office/drawing/2014/main" id="{081E4A58-353D-44AE-B2FC-2A74E2E400F7}"/>
+              </a:ext>
+              <a:ext uri="{C183D7F6-B498-43B3-948B-1728B52AA6E4}">
+                <adec:decorative xmlns:adec="http://schemas.microsoft.com/office/drawing/2017/decorative" val="1"/>
+              </a:ext>
+            </a:extLst>
+          </p:cNvPr>
+          <p:cNvSpPr>
+            <a:spLocks noGrp="1" noRot="1" noChangeAspect="1" noMove="1" noResize="1" noEditPoints="1" noAdjustHandles="1" noChangeArrowheads="1" noChangeShapeType="1" noTextEdit="1"/>
+          </p:cNvSpPr>
+          <p:nvPr>
+            <p:extLst>
+              <p:ext uri="{386F3935-93C4-4BCD-93E2-E3B085C9AB24}">
+                <p16:designElem xmlns:p16="http://schemas.microsoft.com/office/powerpoint/2015/main" val="1"/>
+              </p:ext>
+            </p:extLst>
+          </p:nvPr>
+        </p:nvSpPr>
+        <p:spPr>
+          <a:xfrm rot="5400000" flipV="1">
+            <a:off x="555710" y="2183223"/>
+            <a:ext cx="4083433" cy="4083433"/>
+          </a:xfrm>
+          <a:prstGeom prst="arc">
+            <a:avLst/>
+          </a:prstGeom>
+          <a:ln w="127000" cap="rnd">
+            <a:solidFill>
+              <a:schemeClr val="accent4"/>
+            </a:solidFill>
+            <a:prstDash val="dash"/>
+          </a:ln>
+        </p:spPr>
+        <p:style>
+          <a:lnRef idx="1">
+            <a:schemeClr val="accent1"/>
+          </a:lnRef>
+          <a:fillRef idx="0">
+            <a:schemeClr val="accent1"/>
+          </a:fillRef>
+          <a:effectRef idx="0">
+            <a:schemeClr val="accent1"/>
+          </a:effectRef>
+          <a:fontRef idx="minor">
+            <a:schemeClr val="tx1"/>
+          </a:fontRef>
+        </p:style>
+        <p:txBody>
+          <a:bodyPr rtlCol="0" anchor="ctr"/>
+          <a:lstStyle/>
+          <a:p>
+            <a:pPr algn="ctr"/>
+            <a:endParaRPr lang="en-US" dirty="0"/>
+          </a:p>
+        </p:txBody>
+      </p:sp>
       <p:sp>
         <p:nvSpPr>
           <p:cNvPr id="3" name="Content Placeholder 2">
@@ -6072,27 +9799,19 @@
         </p:nvSpPr>
         <p:spPr>
           <a:xfrm>
-            <a:off x="838200" y="509286"/>
-            <a:ext cx="10515600" cy="5667677"/>
+            <a:off x="347241" y="477998"/>
+            <a:ext cx="11620982" cy="5698965"/>
           </a:xfrm>
         </p:spPr>
         <p:txBody>
           <a:bodyPr>
-            <a:normAutofit fontScale="92500" lnSpcReduction="10000"/>
+            <a:normAutofit lnSpcReduction="10000"/>
           </a:bodyPr>
           <a:lstStyle/>
           <a:p>
             <a:r>
-              <a:rPr lang="en-US" dirty="0"/>
-              <a:t>The most important part of the Pandas library is the </a:t>
-            </a:r>
-            <a:r>
-              <a:rPr lang="en-US" dirty="0" err="1"/>
-              <a:t>DataFrame</a:t>
-            </a:r>
-            <a:r>
-              <a:rPr lang="en-US" dirty="0"/>
-              <a:t>.</a:t>
+              <a:rPr lang="en-US" sz="2400" dirty="0"/>
+              <a:t>The most important part of the Pandas library is the DataFrame.</a:t>
             </a:r>
           </a:p>
           <a:p>
@@ -6100,48 +9819,40 @@
               <a:buNone/>
             </a:pPr>
             <a:r>
-              <a:rPr lang="en-US" dirty="0"/>
+              <a:rPr lang="en-US" sz="2400" dirty="0"/>
               <a:t> </a:t>
             </a:r>
           </a:p>
           <a:p>
             <a:r>
-              <a:rPr lang="en-US" dirty="0"/>
-              <a:t>A </a:t>
-            </a:r>
-            <a:r>
-              <a:rPr lang="en-US" dirty="0" err="1"/>
-              <a:t>DataFrame</a:t>
-            </a:r>
-            <a:r>
-              <a:rPr lang="en-US" dirty="0"/>
-              <a:t> holds the type of data you might think of as a table. This is similar to a sheet in Excel, or a table in a SQL database.</a:t>
-            </a:r>
-          </a:p>
-          <a:p>
-            <a:endParaRPr lang="en-US" dirty="0"/>
-          </a:p>
-          <a:p>
-            <a:r>
-              <a:rPr lang="en-US" b="0" i="1" dirty="0">
+              <a:rPr lang="en-US" sz="2400" dirty="0"/>
+              <a:t>A DataFrame holds the type of data you might think of as a table. This is similar to a sheet in Excel, or a table in a SQL database.</a:t>
+            </a:r>
+          </a:p>
+          <a:p>
+            <a:endParaRPr lang="en-US" sz="2400" dirty="0"/>
+          </a:p>
+          <a:p>
+            <a:r>
+              <a:rPr lang="en-US" sz="2400" b="0" i="1" dirty="0">
                 <a:effectLst/>
               </a:rPr>
               <a:t># save </a:t>
             </a:r>
             <a:r>
-              <a:rPr lang="en-US" b="0" i="1" dirty="0" err="1">
+              <a:rPr lang="en-US" sz="2400" b="0" i="1" dirty="0" err="1">
                 <a:effectLst/>
               </a:rPr>
               <a:t>filepath</a:t>
             </a:r>
             <a:r>
-              <a:rPr lang="en-US" b="0" i="1" dirty="0">
+              <a:rPr lang="en-US" sz="2400" b="0" i="1" dirty="0">
                 <a:effectLst/>
               </a:rPr>
               <a:t> to variable for easier access</a:t>
             </a:r>
             <a:r>
-              <a:rPr lang="en-US" dirty="0"/>
+              <a:rPr lang="en-US" sz="2400" dirty="0"/>
               <a:t> </a:t>
             </a:r>
           </a:p>
@@ -6177,7 +9888,7 @@
             </a:r>
           </a:p>
           <a:p>
-            <a:pPr marL="0" indent="0" algn="ctr">
+            <a:pPr marL="0" indent="0">
               <a:buNone/>
             </a:pPr>
             <a:endParaRPr lang="en-US" sz="2400" b="0" i="1" dirty="0">
@@ -6186,30 +9897,18 @@
           </a:p>
           <a:p>
             <a:r>
-              <a:rPr lang="en-US" b="0" i="1" dirty="0">
+              <a:rPr lang="en-US" sz="2400" b="0" i="1" dirty="0">
                 <a:effectLst/>
               </a:rPr>
-              <a:t># read the data and store data in </a:t>
-            </a:r>
-            <a:r>
-              <a:rPr lang="en-US" b="0" i="1" dirty="0" err="1">
-                <a:effectLst/>
-              </a:rPr>
-              <a:t>DataFrame</a:t>
-            </a:r>
-            <a:r>
-              <a:rPr lang="en-US" b="0" i="1" dirty="0">
-                <a:effectLst/>
-              </a:rPr>
-              <a:t> titled </a:t>
-            </a:r>
-            <a:r>
-              <a:rPr lang="en-US" b="0" i="1" dirty="0" err="1">
+              <a:t># read the data and store data in DataFrame titled </a:t>
+            </a:r>
+            <a:r>
+              <a:rPr lang="en-US" sz="2400" b="0" i="1" dirty="0" err="1">
                 <a:effectLst/>
               </a:rPr>
               <a:t>melbourne_data</a:t>
             </a:r>
-            <a:endParaRPr lang="en-US" b="0" i="1" dirty="0">
+            <a:endParaRPr lang="en-US" sz="2400" b="0" i="1" dirty="0">
               <a:effectLst/>
             </a:endParaRPr>
           </a:p>
@@ -6267,46 +9966,46 @@
             </a:r>
           </a:p>
           <a:p>
+            <a:pPr marL="0" indent="0">
+              <a:buNone/>
+            </a:pPr>
+            <a:endParaRPr lang="en-US" sz="2400" dirty="0"/>
+          </a:p>
+          <a:p>
+            <a:r>
+              <a:rPr lang="en-US" sz="2400" b="0" i="1" dirty="0">
+                <a:effectLst/>
+              </a:rPr>
+              <a:t># print a summary of the data in Melbourne data</a:t>
+            </a:r>
+          </a:p>
+          <a:p>
             <a:pPr marL="0" indent="0" algn="ctr">
               <a:buNone/>
             </a:pPr>
-            <a:endParaRPr lang="en-US" dirty="0"/>
-          </a:p>
-          <a:p>
-            <a:r>
-              <a:rPr lang="en-US" b="0" i="1" dirty="0">
-                <a:effectLst/>
-              </a:rPr>
-              <a:t># print a summary of the data in Melbourne data</a:t>
-            </a:r>
-          </a:p>
-          <a:p>
-            <a:pPr marL="0" indent="0" algn="ctr">
-              <a:buNone/>
-            </a:pPr>
-            <a:r>
-              <a:rPr lang="en-US" b="1" u="none" strike="noStrike" dirty="0" err="1">
+            <a:r>
+              <a:rPr lang="en-US" sz="2400" b="1" u="none" strike="noStrike" dirty="0" err="1">
                 <a:effectLst/>
               </a:rPr>
               <a:t>melbourne_data</a:t>
             </a:r>
             <a:r>
-              <a:rPr lang="en-US" b="1" dirty="0" err="1"/>
+              <a:rPr lang="en-US" sz="2400" b="1" dirty="0" err="1"/>
               <a:t>.</a:t>
             </a:r>
             <a:r>
-              <a:rPr lang="en-US" b="1" dirty="0" err="1">
+              <a:rPr lang="en-US" sz="2400" b="1" dirty="0" err="1">
                 <a:effectLst/>
               </a:rPr>
               <a:t>describe</a:t>
             </a:r>
             <a:r>
-              <a:rPr lang="en-US" b="1" dirty="0">
+              <a:rPr lang="en-US" sz="2400" b="1" dirty="0">
                 <a:effectLst/>
               </a:rPr>
               <a:t>()</a:t>
             </a:r>
-            <a:endParaRPr lang="en-US" b="1" dirty="0"/>
+            <a:endParaRPr lang="en-US" sz="2400" b="1" dirty="0"/>
           </a:p>
         </p:txBody>
       </p:sp>
@@ -6314,6 +10013,2232 @@
     <p:extLst>
       <p:ext uri="{BB962C8B-B14F-4D97-AF65-F5344CB8AC3E}">
         <p14:creationId xmlns:p14="http://schemas.microsoft.com/office/powerpoint/2010/main" val="4035764739"/>
+      </p:ext>
+    </p:extLst>
+  </p:cSld>
+  <p:clrMapOvr>
+    <a:masterClrMapping/>
+  </p:clrMapOvr>
+</p:sld>
+</file>
+
+<file path=ppt/slides/slide6.xml><?xml version="1.0" encoding="utf-8"?>
+<p:sld xmlns:a="http://schemas.openxmlformats.org/drawingml/2006/main" xmlns:r="http://schemas.openxmlformats.org/officeDocument/2006/relationships" xmlns:p="http://schemas.openxmlformats.org/presentationml/2006/main">
+  <p:cSld>
+    <p:bg>
+      <p:bgPr>
+        <a:solidFill>
+          <a:schemeClr val="bg1"/>
+        </a:solidFill>
+        <a:effectLst/>
+      </p:bgPr>
+    </p:bg>
+    <p:spTree>
+      <p:nvGrpSpPr>
+        <p:cNvPr id="1" name=""/>
+        <p:cNvGrpSpPr/>
+        <p:nvPr/>
+      </p:nvGrpSpPr>
+      <p:grpSpPr>
+        <a:xfrm>
+          <a:off x="0" y="0"/>
+          <a:ext cx="0" cy="0"/>
+          <a:chOff x="0" y="0"/>
+          <a:chExt cx="0" cy="0"/>
+        </a:xfrm>
+      </p:grpSpPr>
+      <p:sp useBgFill="1">
+        <p:nvSpPr>
+          <p:cNvPr id="10" name="Rectangle 9">
+            <a:extLst>
+              <a:ext uri="{FF2B5EF4-FFF2-40B4-BE49-F238E27FC236}">
+                <a16:creationId xmlns:a16="http://schemas.microsoft.com/office/drawing/2014/main" id="{1BB867FF-FC45-48F7-8104-F89BE54909F1}"/>
+              </a:ext>
+              <a:ext uri="{C183D7F6-B498-43B3-948B-1728B52AA6E4}">
+                <adec:decorative xmlns:adec="http://schemas.microsoft.com/office/drawing/2017/decorative" val="1"/>
+              </a:ext>
+            </a:extLst>
+          </p:cNvPr>
+          <p:cNvSpPr>
+            <a:spLocks noGrp="1" noRot="1" noChangeAspect="1" noMove="1" noResize="1" noEditPoints="1" noAdjustHandles="1" noChangeArrowheads="1" noChangeShapeType="1" noTextEdit="1"/>
+          </p:cNvSpPr>
+          <p:nvPr>
+            <p:extLst>
+              <p:ext uri="{386F3935-93C4-4BCD-93E2-E3B085C9AB24}">
+                <p16:designElem xmlns:p16="http://schemas.microsoft.com/office/powerpoint/2015/main" val="1"/>
+              </p:ext>
+            </p:extLst>
+          </p:nvPr>
+        </p:nvSpPr>
+        <p:spPr>
+          <a:xfrm>
+            <a:off x="3048" y="0"/>
+            <a:ext cx="12188952" cy="6858000"/>
+          </a:xfrm>
+          <a:prstGeom prst="rect">
+            <a:avLst/>
+          </a:prstGeom>
+          <a:ln>
+            <a:noFill/>
+          </a:ln>
+        </p:spPr>
+        <p:style>
+          <a:lnRef idx="2">
+            <a:schemeClr val="accent1">
+              <a:shade val="50000"/>
+            </a:schemeClr>
+          </a:lnRef>
+          <a:fillRef idx="1">
+            <a:schemeClr val="accent1"/>
+          </a:fillRef>
+          <a:effectRef idx="0">
+            <a:schemeClr val="accent1"/>
+          </a:effectRef>
+          <a:fontRef idx="minor">
+            <a:schemeClr val="lt1"/>
+          </a:fontRef>
+        </p:style>
+        <p:txBody>
+          <a:bodyPr rtlCol="0" anchor="ctr"/>
+          <a:lstStyle/>
+          <a:p>
+            <a:pPr algn="ctr"/>
+            <a:endParaRPr lang="en-US"/>
+          </a:p>
+        </p:txBody>
+      </p:sp>
+      <p:sp>
+        <p:nvSpPr>
+          <p:cNvPr id="12" name="Freeform: Shape 11">
+            <a:extLst>
+              <a:ext uri="{FF2B5EF4-FFF2-40B4-BE49-F238E27FC236}">
+                <a16:creationId xmlns:a16="http://schemas.microsoft.com/office/drawing/2014/main" id="{8BB56887-D0D5-4F0C-9E19-7247EB83C8B7}"/>
+              </a:ext>
+              <a:ext uri="{C183D7F6-B498-43B3-948B-1728B52AA6E4}">
+                <adec:decorative xmlns:adec="http://schemas.microsoft.com/office/drawing/2017/decorative" val="1"/>
+              </a:ext>
+            </a:extLst>
+          </p:cNvPr>
+          <p:cNvSpPr>
+            <a:spLocks noGrp="1" noRot="1" noChangeAspect="1" noMove="1" noResize="1" noEditPoints="1" noAdjustHandles="1" noChangeArrowheads="1" noChangeShapeType="1" noTextEdit="1"/>
+          </p:cNvSpPr>
+          <p:nvPr>
+            <p:extLst>
+              <p:ext uri="{386F3935-93C4-4BCD-93E2-E3B085C9AB24}">
+                <p16:designElem xmlns:p16="http://schemas.microsoft.com/office/powerpoint/2015/main" val="1"/>
+              </p:ext>
+            </p:extLst>
+          </p:nvPr>
+        </p:nvSpPr>
+        <p:spPr>
+          <a:xfrm>
+            <a:off x="10208695" y="1"/>
+            <a:ext cx="1135066" cy="477997"/>
+          </a:xfrm>
+          <a:custGeom>
+            <a:avLst/>
+            <a:gdLst>
+              <a:gd name="connsiteX0" fmla="*/ 0 w 1135066"/>
+              <a:gd name="connsiteY0" fmla="*/ 0 h 477997"/>
+              <a:gd name="connsiteX1" fmla="*/ 1135066 w 1135066"/>
+              <a:gd name="connsiteY1" fmla="*/ 0 h 477997"/>
+              <a:gd name="connsiteX2" fmla="*/ 1133370 w 1135066"/>
+              <a:gd name="connsiteY2" fmla="*/ 16827 h 477997"/>
+              <a:gd name="connsiteX3" fmla="*/ 567533 w 1135066"/>
+              <a:gd name="connsiteY3" fmla="*/ 477997 h 477997"/>
+              <a:gd name="connsiteX4" fmla="*/ 1696 w 1135066"/>
+              <a:gd name="connsiteY4" fmla="*/ 16827 h 477997"/>
+            </a:gdLst>
+            <a:ahLst/>
+            <a:cxnLst>
+              <a:cxn ang="0">
+                <a:pos x="connsiteX0" y="connsiteY0"/>
+              </a:cxn>
+              <a:cxn ang="0">
+                <a:pos x="connsiteX1" y="connsiteY1"/>
+              </a:cxn>
+              <a:cxn ang="0">
+                <a:pos x="connsiteX2" y="connsiteY2"/>
+              </a:cxn>
+              <a:cxn ang="0">
+                <a:pos x="connsiteX3" y="connsiteY3"/>
+              </a:cxn>
+              <a:cxn ang="0">
+                <a:pos x="connsiteX4" y="connsiteY4"/>
+              </a:cxn>
+            </a:cxnLst>
+            <a:rect l="l" t="t" r="r" b="b"/>
+            <a:pathLst>
+              <a:path w="1135066" h="477997">
+                <a:moveTo>
+                  <a:pt x="0" y="0"/>
+                </a:moveTo>
+                <a:lnTo>
+                  <a:pt x="1135066" y="0"/>
+                </a:lnTo>
+                <a:lnTo>
+                  <a:pt x="1133370" y="16827"/>
+                </a:lnTo>
+                <a:cubicBezTo>
+                  <a:pt x="1079514" y="280016"/>
+                  <a:pt x="846644" y="477997"/>
+                  <a:pt x="567533" y="477997"/>
+                </a:cubicBezTo>
+                <a:cubicBezTo>
+                  <a:pt x="288422" y="477997"/>
+                  <a:pt x="55552" y="280016"/>
+                  <a:pt x="1696" y="16827"/>
+                </a:cubicBezTo>
+                <a:close/>
+              </a:path>
+            </a:pathLst>
+          </a:custGeom>
+          <a:solidFill>
+            <a:schemeClr val="accent4"/>
+          </a:solidFill>
+          <a:ln>
+            <a:noFill/>
+          </a:ln>
+        </p:spPr>
+        <p:style>
+          <a:lnRef idx="2">
+            <a:schemeClr val="accent1">
+              <a:shade val="50000"/>
+            </a:schemeClr>
+          </a:lnRef>
+          <a:fillRef idx="1">
+            <a:schemeClr val="accent1"/>
+          </a:fillRef>
+          <a:effectRef idx="0">
+            <a:schemeClr val="accent1"/>
+          </a:effectRef>
+          <a:fontRef idx="minor">
+            <a:schemeClr val="lt1"/>
+          </a:fontRef>
+        </p:style>
+        <p:txBody>
+          <a:bodyPr wrap="square" rtlCol="0" anchor="ctr">
+            <a:noAutofit/>
+          </a:bodyPr>
+          <a:lstStyle/>
+          <a:p>
+            <a:pPr algn="ctr"/>
+            <a:endParaRPr lang="en-US"/>
+          </a:p>
+        </p:txBody>
+      </p:sp>
+      <p:sp>
+        <p:nvSpPr>
+          <p:cNvPr id="5" name="TextBox 4">
+            <a:extLst>
+              <a:ext uri="{FF2B5EF4-FFF2-40B4-BE49-F238E27FC236}">
+                <a16:creationId xmlns:a16="http://schemas.microsoft.com/office/drawing/2014/main" id="{832CE3F4-4887-EA45-ABF6-F11FA7F9794E}"/>
+              </a:ext>
+            </a:extLst>
+          </p:cNvPr>
+          <p:cNvSpPr txBox="1"/>
+          <p:nvPr/>
+        </p:nvSpPr>
+        <p:spPr>
+          <a:xfrm>
+            <a:off x="838200" y="365125"/>
+            <a:ext cx="10515600" cy="1325563"/>
+          </a:xfrm>
+          <a:prstGeom prst="rect">
+            <a:avLst/>
+          </a:prstGeom>
+        </p:spPr>
+        <p:txBody>
+          <a:bodyPr vert="horz" lIns="91440" tIns="45720" rIns="91440" bIns="45720" rtlCol="0" anchor="ctr">
+            <a:normAutofit/>
+          </a:bodyPr>
+          <a:lstStyle/>
+          <a:p>
+            <a:pPr algn="ctr">
+              <a:lnSpc>
+                <a:spcPct val="90000"/>
+              </a:lnSpc>
+              <a:spcBef>
+                <a:spcPct val="0"/>
+              </a:spcBef>
+              <a:spcAft>
+                <a:spcPts val="600"/>
+              </a:spcAft>
+            </a:pPr>
+            <a:r>
+              <a:rPr lang="en-US" sz="4400" b="1" kern="1200" dirty="0">
+                <a:solidFill>
+                  <a:schemeClr val="tx1"/>
+                </a:solidFill>
+                <a:latin typeface="+mj-lt"/>
+                <a:ea typeface="+mj-ea"/>
+                <a:cs typeface="+mj-cs"/>
+              </a:rPr>
+              <a:t>Building Your Model</a:t>
+            </a:r>
+          </a:p>
+        </p:txBody>
+      </p:sp>
+      <p:sp>
+        <p:nvSpPr>
+          <p:cNvPr id="14" name="Arc 13">
+            <a:extLst>
+              <a:ext uri="{FF2B5EF4-FFF2-40B4-BE49-F238E27FC236}">
+                <a16:creationId xmlns:a16="http://schemas.microsoft.com/office/drawing/2014/main" id="{081E4A58-353D-44AE-B2FC-2A74E2E400F7}"/>
+              </a:ext>
+              <a:ext uri="{C183D7F6-B498-43B3-948B-1728B52AA6E4}">
+                <adec:decorative xmlns:adec="http://schemas.microsoft.com/office/drawing/2017/decorative" val="1"/>
+              </a:ext>
+            </a:extLst>
+          </p:cNvPr>
+          <p:cNvSpPr>
+            <a:spLocks noGrp="1" noRot="1" noChangeAspect="1" noMove="1" noResize="1" noEditPoints="1" noAdjustHandles="1" noChangeArrowheads="1" noChangeShapeType="1" noTextEdit="1"/>
+          </p:cNvSpPr>
+          <p:nvPr>
+            <p:extLst>
+              <p:ext uri="{386F3935-93C4-4BCD-93E2-E3B085C9AB24}">
+                <p16:designElem xmlns:p16="http://schemas.microsoft.com/office/powerpoint/2015/main" val="1"/>
+              </p:ext>
+            </p:extLst>
+          </p:nvPr>
+        </p:nvSpPr>
+        <p:spPr>
+          <a:xfrm rot="5400000" flipV="1">
+            <a:off x="555710" y="2183223"/>
+            <a:ext cx="4083433" cy="4083433"/>
+          </a:xfrm>
+          <a:prstGeom prst="arc">
+            <a:avLst/>
+          </a:prstGeom>
+          <a:ln w="127000" cap="rnd">
+            <a:solidFill>
+              <a:schemeClr val="accent4"/>
+            </a:solidFill>
+            <a:prstDash val="dash"/>
+          </a:ln>
+        </p:spPr>
+        <p:style>
+          <a:lnRef idx="1">
+            <a:schemeClr val="accent1"/>
+          </a:lnRef>
+          <a:fillRef idx="0">
+            <a:schemeClr val="accent1"/>
+          </a:fillRef>
+          <a:effectRef idx="0">
+            <a:schemeClr val="accent1"/>
+          </a:effectRef>
+          <a:fontRef idx="minor">
+            <a:schemeClr val="tx1"/>
+          </a:fontRef>
+        </p:style>
+        <p:txBody>
+          <a:bodyPr rtlCol="0" anchor="ctr"/>
+          <a:lstStyle/>
+          <a:p>
+            <a:pPr algn="ctr"/>
+            <a:endParaRPr lang="en-US" dirty="0"/>
+          </a:p>
+        </p:txBody>
+      </p:sp>
+      <p:sp>
+        <p:nvSpPr>
+          <p:cNvPr id="3" name="Content Placeholder 2">
+            <a:extLst>
+              <a:ext uri="{FF2B5EF4-FFF2-40B4-BE49-F238E27FC236}">
+                <a16:creationId xmlns:a16="http://schemas.microsoft.com/office/drawing/2014/main" id="{4ED81B1F-F1DF-0044-8852-E6878D8BA987}"/>
+              </a:ext>
+            </a:extLst>
+          </p:cNvPr>
+          <p:cNvSpPr>
+            <a:spLocks noGrp="1"/>
+          </p:cNvSpPr>
+          <p:nvPr>
+            <p:ph idx="1"/>
+          </p:nvPr>
+        </p:nvSpPr>
+        <p:spPr>
+          <a:xfrm>
+            <a:off x="254643" y="1685684"/>
+            <a:ext cx="11609408" cy="4807191"/>
+          </a:xfrm>
+        </p:spPr>
+        <p:txBody>
+          <a:bodyPr vert="horz" lIns="91440" tIns="45720" rIns="91440" bIns="45720" rtlCol="0">
+            <a:normAutofit fontScale="92500" lnSpcReduction="10000"/>
+          </a:bodyPr>
+          <a:lstStyle/>
+          <a:p>
+            <a:r>
+              <a:rPr lang="en-US" sz="2400" dirty="0"/>
+              <a:t>Choosing "</a:t>
+            </a:r>
+            <a:r>
+              <a:rPr lang="en-US" sz="2400" b="1" dirty="0"/>
+              <a:t>Features</a:t>
+            </a:r>
+            <a:r>
+              <a:rPr lang="en-US" sz="2400" dirty="0"/>
+              <a:t>"</a:t>
+            </a:r>
+          </a:p>
+          <a:p>
+            <a:pPr lvl="1"/>
+            <a:r>
+              <a:rPr lang="en-US" dirty="0"/>
+              <a:t>The columns that are inputted into our model (and later used to make predictions) are called "features." </a:t>
+            </a:r>
+          </a:p>
+          <a:p>
+            <a:pPr lvl="1"/>
+            <a:endParaRPr lang="en-US" dirty="0"/>
+          </a:p>
+          <a:p>
+            <a:r>
+              <a:rPr lang="en-US" b="1" dirty="0"/>
+              <a:t>The steps to building and using a model are</a:t>
+            </a:r>
+            <a:r>
+              <a:rPr lang="en-US" dirty="0"/>
+              <a:t>:</a:t>
+            </a:r>
+          </a:p>
+          <a:p>
+            <a:endParaRPr lang="en-US" sz="2400" dirty="0"/>
+          </a:p>
+          <a:p>
+            <a:pPr lvl="1"/>
+            <a:r>
+              <a:rPr lang="en-US" b="1" dirty="0"/>
+              <a:t>Define:</a:t>
+            </a:r>
+            <a:r>
+              <a:rPr lang="en-US" dirty="0"/>
+              <a:t> What type of model will it be? A decision tree? Some other type of model? Some other parameters of the model type are specified too.</a:t>
+            </a:r>
+          </a:p>
+          <a:p>
+            <a:pPr lvl="1"/>
+            <a:endParaRPr lang="en-US" dirty="0"/>
+          </a:p>
+          <a:p>
+            <a:pPr lvl="1"/>
+            <a:r>
+              <a:rPr lang="en-US" b="1" dirty="0"/>
+              <a:t>Fit:</a:t>
+            </a:r>
+            <a:r>
+              <a:rPr lang="en-US" dirty="0"/>
+              <a:t> Capture patterns from provided data. This is the heart of modeling.</a:t>
+            </a:r>
+          </a:p>
+          <a:p>
+            <a:pPr lvl="1"/>
+            <a:endParaRPr lang="en-US" dirty="0"/>
+          </a:p>
+          <a:p>
+            <a:pPr lvl="1"/>
+            <a:r>
+              <a:rPr lang="en-US" b="1" dirty="0"/>
+              <a:t>Predict:</a:t>
+            </a:r>
+            <a:r>
+              <a:rPr lang="en-US" dirty="0"/>
+              <a:t> Just what it sounds like.</a:t>
+            </a:r>
+          </a:p>
+          <a:p>
+            <a:pPr lvl="1"/>
+            <a:endParaRPr lang="en-US" dirty="0"/>
+          </a:p>
+          <a:p>
+            <a:pPr lvl="1"/>
+            <a:r>
+              <a:rPr lang="en-US" b="1" dirty="0"/>
+              <a:t>Evaluate</a:t>
+            </a:r>
+            <a:r>
+              <a:rPr lang="en-US" dirty="0"/>
+              <a:t>: Determine how accurate the model's predictions are.</a:t>
+            </a:r>
+          </a:p>
+          <a:p>
+            <a:endParaRPr lang="en-US" sz="2000" dirty="0"/>
+          </a:p>
+          <a:p>
+            <a:endParaRPr lang="en-US" sz="1400" dirty="0"/>
+          </a:p>
+        </p:txBody>
+      </p:sp>
+    </p:spTree>
+    <p:extLst>
+      <p:ext uri="{BB962C8B-B14F-4D97-AF65-F5344CB8AC3E}">
+        <p14:creationId xmlns:p14="http://schemas.microsoft.com/office/powerpoint/2010/main" val="2611961429"/>
+      </p:ext>
+    </p:extLst>
+  </p:cSld>
+  <p:clrMapOvr>
+    <a:masterClrMapping/>
+  </p:clrMapOvr>
+</p:sld>
+</file>
+
+<file path=ppt/slides/slide7.xml><?xml version="1.0" encoding="utf-8"?>
+<p:sld xmlns:a="http://schemas.openxmlformats.org/drawingml/2006/main" xmlns:r="http://schemas.openxmlformats.org/officeDocument/2006/relationships" xmlns:p="http://schemas.openxmlformats.org/presentationml/2006/main">
+  <p:cSld>
+    <p:bg>
+      <p:bgPr>
+        <a:solidFill>
+          <a:schemeClr val="bg1"/>
+        </a:solidFill>
+        <a:effectLst/>
+      </p:bgPr>
+    </p:bg>
+    <p:spTree>
+      <p:nvGrpSpPr>
+        <p:cNvPr id="1" name=""/>
+        <p:cNvGrpSpPr/>
+        <p:nvPr/>
+      </p:nvGrpSpPr>
+      <p:grpSpPr>
+        <a:xfrm>
+          <a:off x="0" y="0"/>
+          <a:ext cx="0" cy="0"/>
+          <a:chOff x="0" y="0"/>
+          <a:chExt cx="0" cy="0"/>
+        </a:xfrm>
+      </p:grpSpPr>
+      <p:sp useBgFill="1">
+        <p:nvSpPr>
+          <p:cNvPr id="8" name="Rectangle 7">
+            <a:extLst>
+              <a:ext uri="{FF2B5EF4-FFF2-40B4-BE49-F238E27FC236}">
+                <a16:creationId xmlns:a16="http://schemas.microsoft.com/office/drawing/2014/main" id="{100EDD19-6802-4EC3-95CE-CFFAB042CFD6}"/>
+              </a:ext>
+              <a:ext uri="{C183D7F6-B498-43B3-948B-1728B52AA6E4}">
+                <adec:decorative xmlns:adec="http://schemas.microsoft.com/office/drawing/2017/decorative" val="1"/>
+              </a:ext>
+            </a:extLst>
+          </p:cNvPr>
+          <p:cNvSpPr>
+            <a:spLocks noGrp="1" noRot="1" noChangeAspect="1" noMove="1" noResize="1" noEditPoints="1" noAdjustHandles="1" noChangeArrowheads="1" noChangeShapeType="1" noTextEdit="1"/>
+          </p:cNvSpPr>
+          <p:nvPr>
+            <p:extLst>
+              <p:ext uri="{386F3935-93C4-4BCD-93E2-E3B085C9AB24}">
+                <p16:designElem xmlns:p16="http://schemas.microsoft.com/office/powerpoint/2015/main" val="1"/>
+              </p:ext>
+            </p:extLst>
+          </p:nvPr>
+        </p:nvSpPr>
+        <p:spPr>
+          <a:xfrm>
+            <a:off x="0" y="0"/>
+            <a:ext cx="12188952" cy="6858000"/>
+          </a:xfrm>
+          <a:prstGeom prst="rect">
+            <a:avLst/>
+          </a:prstGeom>
+          <a:ln>
+            <a:noFill/>
+          </a:ln>
+        </p:spPr>
+        <p:style>
+          <a:lnRef idx="2">
+            <a:schemeClr val="accent1">
+              <a:shade val="50000"/>
+            </a:schemeClr>
+          </a:lnRef>
+          <a:fillRef idx="1">
+            <a:schemeClr val="accent1"/>
+          </a:fillRef>
+          <a:effectRef idx="0">
+            <a:schemeClr val="accent1"/>
+          </a:effectRef>
+          <a:fontRef idx="minor">
+            <a:schemeClr val="lt1"/>
+          </a:fontRef>
+        </p:style>
+        <p:txBody>
+          <a:bodyPr rtlCol="0" anchor="ctr"/>
+          <a:lstStyle/>
+          <a:p>
+            <a:pPr algn="ctr"/>
+            <a:endParaRPr lang="en-US"/>
+          </a:p>
+        </p:txBody>
+      </p:sp>
+      <p:sp>
+        <p:nvSpPr>
+          <p:cNvPr id="2" name="Title 1">
+            <a:extLst>
+              <a:ext uri="{FF2B5EF4-FFF2-40B4-BE49-F238E27FC236}">
+                <a16:creationId xmlns:a16="http://schemas.microsoft.com/office/drawing/2014/main" id="{336FD433-A91E-B549-AECE-5582BF62C202}"/>
+              </a:ext>
+            </a:extLst>
+          </p:cNvPr>
+          <p:cNvSpPr>
+            <a:spLocks noGrp="1"/>
+          </p:cNvSpPr>
+          <p:nvPr>
+            <p:ph type="title"/>
+          </p:nvPr>
+        </p:nvSpPr>
+        <p:spPr>
+          <a:xfrm>
+            <a:off x="838200" y="365125"/>
+            <a:ext cx="10515600" cy="1325563"/>
+          </a:xfrm>
+        </p:spPr>
+        <p:txBody>
+          <a:bodyPr>
+            <a:normAutofit/>
+          </a:bodyPr>
+          <a:lstStyle/>
+          <a:p>
+            <a:r>
+              <a:rPr lang="en-US" sz="5400" b="1"/>
+              <a:t>Model Validation</a:t>
+            </a:r>
+            <a:endParaRPr lang="en-US" sz="5400"/>
+          </a:p>
+        </p:txBody>
+      </p:sp>
+      <p:sp>
+        <p:nvSpPr>
+          <p:cNvPr id="10" name="sketch line">
+            <a:extLst>
+              <a:ext uri="{FF2B5EF4-FFF2-40B4-BE49-F238E27FC236}">
+                <a16:creationId xmlns:a16="http://schemas.microsoft.com/office/drawing/2014/main" id="{DB17E863-922E-4C26-BD64-E8FD41D28661}"/>
+              </a:ext>
+              <a:ext uri="{C183D7F6-B498-43B3-948B-1728B52AA6E4}">
+                <adec:decorative xmlns:adec="http://schemas.microsoft.com/office/drawing/2017/decorative" val="1"/>
+              </a:ext>
+            </a:extLst>
+          </p:cNvPr>
+          <p:cNvSpPr>
+            <a:spLocks noGrp="1" noRot="1" noChangeAspect="1" noMove="1" noResize="1" noEditPoints="1" noAdjustHandles="1" noChangeArrowheads="1" noChangeShapeType="1" noTextEdit="1"/>
+          </p:cNvSpPr>
+          <p:nvPr>
+            <p:extLst>
+              <p:ext uri="{386F3935-93C4-4BCD-93E2-E3B085C9AB24}">
+                <p16:designElem xmlns:p16="http://schemas.microsoft.com/office/powerpoint/2015/main" val="1"/>
+              </p:ext>
+            </p:extLst>
+          </p:nvPr>
+        </p:nvSpPr>
+        <p:spPr>
+          <a:xfrm>
+            <a:off x="669036" y="1677373"/>
+            <a:ext cx="10853928" cy="18288"/>
+          </a:xfrm>
+          <a:custGeom>
+            <a:avLst/>
+            <a:gdLst>
+              <a:gd name="connsiteX0" fmla="*/ 0 w 10853928"/>
+              <a:gd name="connsiteY0" fmla="*/ 0 h 18288"/>
+              <a:gd name="connsiteX1" fmla="*/ 461292 w 10853928"/>
+              <a:gd name="connsiteY1" fmla="*/ 0 h 18288"/>
+              <a:gd name="connsiteX2" fmla="*/ 1139662 w 10853928"/>
+              <a:gd name="connsiteY2" fmla="*/ 0 h 18288"/>
+              <a:gd name="connsiteX3" fmla="*/ 1926572 w 10853928"/>
+              <a:gd name="connsiteY3" fmla="*/ 0 h 18288"/>
+              <a:gd name="connsiteX4" fmla="*/ 2279325 w 10853928"/>
+              <a:gd name="connsiteY4" fmla="*/ 0 h 18288"/>
+              <a:gd name="connsiteX5" fmla="*/ 2632078 w 10853928"/>
+              <a:gd name="connsiteY5" fmla="*/ 0 h 18288"/>
+              <a:gd name="connsiteX6" fmla="*/ 3527527 w 10853928"/>
+              <a:gd name="connsiteY6" fmla="*/ 0 h 18288"/>
+              <a:gd name="connsiteX7" fmla="*/ 4205897 w 10853928"/>
+              <a:gd name="connsiteY7" fmla="*/ 0 h 18288"/>
+              <a:gd name="connsiteX8" fmla="*/ 4558650 w 10853928"/>
+              <a:gd name="connsiteY8" fmla="*/ 0 h 18288"/>
+              <a:gd name="connsiteX9" fmla="*/ 5237020 w 10853928"/>
+              <a:gd name="connsiteY9" fmla="*/ 0 h 18288"/>
+              <a:gd name="connsiteX10" fmla="*/ 6132469 w 10853928"/>
+              <a:gd name="connsiteY10" fmla="*/ 0 h 18288"/>
+              <a:gd name="connsiteX11" fmla="*/ 6702301 w 10853928"/>
+              <a:gd name="connsiteY11" fmla="*/ 0 h 18288"/>
+              <a:gd name="connsiteX12" fmla="*/ 7272132 w 10853928"/>
+              <a:gd name="connsiteY12" fmla="*/ 0 h 18288"/>
+              <a:gd name="connsiteX13" fmla="*/ 7950502 w 10853928"/>
+              <a:gd name="connsiteY13" fmla="*/ 0 h 18288"/>
+              <a:gd name="connsiteX14" fmla="*/ 8737412 w 10853928"/>
+              <a:gd name="connsiteY14" fmla="*/ 0 h 18288"/>
+              <a:gd name="connsiteX15" fmla="*/ 9524322 w 10853928"/>
+              <a:gd name="connsiteY15" fmla="*/ 0 h 18288"/>
+              <a:gd name="connsiteX16" fmla="*/ 10853928 w 10853928"/>
+              <a:gd name="connsiteY16" fmla="*/ 0 h 18288"/>
+              <a:gd name="connsiteX17" fmla="*/ 10853928 w 10853928"/>
+              <a:gd name="connsiteY17" fmla="*/ 18288 h 18288"/>
+              <a:gd name="connsiteX18" fmla="*/ 10392636 w 10853928"/>
+              <a:gd name="connsiteY18" fmla="*/ 18288 h 18288"/>
+              <a:gd name="connsiteX19" fmla="*/ 9497187 w 10853928"/>
+              <a:gd name="connsiteY19" fmla="*/ 18288 h 18288"/>
+              <a:gd name="connsiteX20" fmla="*/ 8818817 w 10853928"/>
+              <a:gd name="connsiteY20" fmla="*/ 18288 h 18288"/>
+              <a:gd name="connsiteX21" fmla="*/ 8466064 w 10853928"/>
+              <a:gd name="connsiteY21" fmla="*/ 18288 h 18288"/>
+              <a:gd name="connsiteX22" fmla="*/ 7787693 w 10853928"/>
+              <a:gd name="connsiteY22" fmla="*/ 18288 h 18288"/>
+              <a:gd name="connsiteX23" fmla="*/ 7217862 w 10853928"/>
+              <a:gd name="connsiteY23" fmla="*/ 18288 h 18288"/>
+              <a:gd name="connsiteX24" fmla="*/ 6648031 w 10853928"/>
+              <a:gd name="connsiteY24" fmla="*/ 18288 h 18288"/>
+              <a:gd name="connsiteX25" fmla="*/ 6078200 w 10853928"/>
+              <a:gd name="connsiteY25" fmla="*/ 18288 h 18288"/>
+              <a:gd name="connsiteX26" fmla="*/ 5508368 w 10853928"/>
+              <a:gd name="connsiteY26" fmla="*/ 18288 h 18288"/>
+              <a:gd name="connsiteX27" fmla="*/ 4721459 w 10853928"/>
+              <a:gd name="connsiteY27" fmla="*/ 18288 h 18288"/>
+              <a:gd name="connsiteX28" fmla="*/ 4043088 w 10853928"/>
+              <a:gd name="connsiteY28" fmla="*/ 18288 h 18288"/>
+              <a:gd name="connsiteX29" fmla="*/ 3690336 w 10853928"/>
+              <a:gd name="connsiteY29" fmla="*/ 18288 h 18288"/>
+              <a:gd name="connsiteX30" fmla="*/ 3120504 w 10853928"/>
+              <a:gd name="connsiteY30" fmla="*/ 18288 h 18288"/>
+              <a:gd name="connsiteX31" fmla="*/ 2333595 w 10853928"/>
+              <a:gd name="connsiteY31" fmla="*/ 18288 h 18288"/>
+              <a:gd name="connsiteX32" fmla="*/ 1872303 w 10853928"/>
+              <a:gd name="connsiteY32" fmla="*/ 18288 h 18288"/>
+              <a:gd name="connsiteX33" fmla="*/ 976854 w 10853928"/>
+              <a:gd name="connsiteY33" fmla="*/ 18288 h 18288"/>
+              <a:gd name="connsiteX34" fmla="*/ 0 w 10853928"/>
+              <a:gd name="connsiteY34" fmla="*/ 18288 h 18288"/>
+              <a:gd name="connsiteX35" fmla="*/ 0 w 10853928"/>
+              <a:gd name="connsiteY35" fmla="*/ 0 h 18288"/>
+            </a:gdLst>
+            <a:ahLst/>
+            <a:cxnLst>
+              <a:cxn ang="0">
+                <a:pos x="connsiteX0" y="connsiteY0"/>
+              </a:cxn>
+              <a:cxn ang="0">
+                <a:pos x="connsiteX1" y="connsiteY1"/>
+              </a:cxn>
+              <a:cxn ang="0">
+                <a:pos x="connsiteX2" y="connsiteY2"/>
+              </a:cxn>
+              <a:cxn ang="0">
+                <a:pos x="connsiteX3" y="connsiteY3"/>
+              </a:cxn>
+              <a:cxn ang="0">
+                <a:pos x="connsiteX4" y="connsiteY4"/>
+              </a:cxn>
+              <a:cxn ang="0">
+                <a:pos x="connsiteX5" y="connsiteY5"/>
+              </a:cxn>
+              <a:cxn ang="0">
+                <a:pos x="connsiteX6" y="connsiteY6"/>
+              </a:cxn>
+              <a:cxn ang="0">
+                <a:pos x="connsiteX7" y="connsiteY7"/>
+              </a:cxn>
+              <a:cxn ang="0">
+                <a:pos x="connsiteX8" y="connsiteY8"/>
+              </a:cxn>
+              <a:cxn ang="0">
+                <a:pos x="connsiteX9" y="connsiteY9"/>
+              </a:cxn>
+              <a:cxn ang="0">
+                <a:pos x="connsiteX10" y="connsiteY10"/>
+              </a:cxn>
+              <a:cxn ang="0">
+                <a:pos x="connsiteX11" y="connsiteY11"/>
+              </a:cxn>
+              <a:cxn ang="0">
+                <a:pos x="connsiteX12" y="connsiteY12"/>
+              </a:cxn>
+              <a:cxn ang="0">
+                <a:pos x="connsiteX13" y="connsiteY13"/>
+              </a:cxn>
+              <a:cxn ang="0">
+                <a:pos x="connsiteX14" y="connsiteY14"/>
+              </a:cxn>
+              <a:cxn ang="0">
+                <a:pos x="connsiteX15" y="connsiteY15"/>
+              </a:cxn>
+              <a:cxn ang="0">
+                <a:pos x="connsiteX16" y="connsiteY16"/>
+              </a:cxn>
+              <a:cxn ang="0">
+                <a:pos x="connsiteX17" y="connsiteY17"/>
+              </a:cxn>
+              <a:cxn ang="0">
+                <a:pos x="connsiteX18" y="connsiteY18"/>
+              </a:cxn>
+              <a:cxn ang="0">
+                <a:pos x="connsiteX19" y="connsiteY19"/>
+              </a:cxn>
+              <a:cxn ang="0">
+                <a:pos x="connsiteX20" y="connsiteY20"/>
+              </a:cxn>
+              <a:cxn ang="0">
+                <a:pos x="connsiteX21" y="connsiteY21"/>
+              </a:cxn>
+              <a:cxn ang="0">
+                <a:pos x="connsiteX22" y="connsiteY22"/>
+              </a:cxn>
+              <a:cxn ang="0">
+                <a:pos x="connsiteX23" y="connsiteY23"/>
+              </a:cxn>
+              <a:cxn ang="0">
+                <a:pos x="connsiteX24" y="connsiteY24"/>
+              </a:cxn>
+              <a:cxn ang="0">
+                <a:pos x="connsiteX25" y="connsiteY25"/>
+              </a:cxn>
+              <a:cxn ang="0">
+                <a:pos x="connsiteX26" y="connsiteY26"/>
+              </a:cxn>
+              <a:cxn ang="0">
+                <a:pos x="connsiteX27" y="connsiteY27"/>
+              </a:cxn>
+              <a:cxn ang="0">
+                <a:pos x="connsiteX28" y="connsiteY28"/>
+              </a:cxn>
+              <a:cxn ang="0">
+                <a:pos x="connsiteX29" y="connsiteY29"/>
+              </a:cxn>
+              <a:cxn ang="0">
+                <a:pos x="connsiteX30" y="connsiteY30"/>
+              </a:cxn>
+              <a:cxn ang="0">
+                <a:pos x="connsiteX31" y="connsiteY31"/>
+              </a:cxn>
+              <a:cxn ang="0">
+                <a:pos x="connsiteX32" y="connsiteY32"/>
+              </a:cxn>
+              <a:cxn ang="0">
+                <a:pos x="connsiteX33" y="connsiteY33"/>
+              </a:cxn>
+              <a:cxn ang="0">
+                <a:pos x="connsiteX34" y="connsiteY34"/>
+              </a:cxn>
+              <a:cxn ang="0">
+                <a:pos x="connsiteX35" y="connsiteY35"/>
+              </a:cxn>
+            </a:cxnLst>
+            <a:rect l="l" t="t" r="r" b="b"/>
+            <a:pathLst>
+              <a:path w="10853928" h="18288" fill="none" extrusionOk="0">
+                <a:moveTo>
+                  <a:pt x="0" y="0"/>
+                </a:moveTo>
+                <a:cubicBezTo>
+                  <a:pt x="146993" y="-19076"/>
+                  <a:pt x="347684" y="-4790"/>
+                  <a:pt x="461292" y="0"/>
+                </a:cubicBezTo>
+                <a:cubicBezTo>
+                  <a:pt x="574900" y="4790"/>
+                  <a:pt x="808367" y="19821"/>
+                  <a:pt x="1139662" y="0"/>
+                </a:cubicBezTo>
+                <a:cubicBezTo>
+                  <a:pt x="1470957" y="-19821"/>
+                  <a:pt x="1627405" y="5721"/>
+                  <a:pt x="1926572" y="0"/>
+                </a:cubicBezTo>
+                <a:cubicBezTo>
+                  <a:pt x="2225739" y="-5721"/>
+                  <a:pt x="2137730" y="-3235"/>
+                  <a:pt x="2279325" y="0"/>
+                </a:cubicBezTo>
+                <a:cubicBezTo>
+                  <a:pt x="2420920" y="3235"/>
+                  <a:pt x="2456518" y="9685"/>
+                  <a:pt x="2632078" y="0"/>
+                </a:cubicBezTo>
+                <a:cubicBezTo>
+                  <a:pt x="2807638" y="-9685"/>
+                  <a:pt x="3211516" y="-43007"/>
+                  <a:pt x="3527527" y="0"/>
+                </a:cubicBezTo>
+                <a:cubicBezTo>
+                  <a:pt x="3843538" y="43007"/>
+                  <a:pt x="4058833" y="22042"/>
+                  <a:pt x="4205897" y="0"/>
+                </a:cubicBezTo>
+                <a:cubicBezTo>
+                  <a:pt x="4352961" y="-22042"/>
+                  <a:pt x="4474805" y="-11846"/>
+                  <a:pt x="4558650" y="0"/>
+                </a:cubicBezTo>
+                <a:cubicBezTo>
+                  <a:pt x="4642495" y="11846"/>
+                  <a:pt x="5041928" y="-6069"/>
+                  <a:pt x="5237020" y="0"/>
+                </a:cubicBezTo>
+                <a:cubicBezTo>
+                  <a:pt x="5432112" y="6069"/>
+                  <a:pt x="5943266" y="-17479"/>
+                  <a:pt x="6132469" y="0"/>
+                </a:cubicBezTo>
+                <a:cubicBezTo>
+                  <a:pt x="6321672" y="17479"/>
+                  <a:pt x="6483872" y="26234"/>
+                  <a:pt x="6702301" y="0"/>
+                </a:cubicBezTo>
+                <a:cubicBezTo>
+                  <a:pt x="6920730" y="-26234"/>
+                  <a:pt x="6991194" y="-15156"/>
+                  <a:pt x="7272132" y="0"/>
+                </a:cubicBezTo>
+                <a:cubicBezTo>
+                  <a:pt x="7553070" y="15156"/>
+                  <a:pt x="7684444" y="-32961"/>
+                  <a:pt x="7950502" y="0"/>
+                </a:cubicBezTo>
+                <a:cubicBezTo>
+                  <a:pt x="8216560" y="32961"/>
+                  <a:pt x="8493290" y="-10491"/>
+                  <a:pt x="8737412" y="0"/>
+                </a:cubicBezTo>
+                <a:cubicBezTo>
+                  <a:pt x="8981534" y="10491"/>
+                  <a:pt x="9191586" y="-13899"/>
+                  <a:pt x="9524322" y="0"/>
+                </a:cubicBezTo>
+                <a:cubicBezTo>
+                  <a:pt x="9857058" y="13899"/>
+                  <a:pt x="10297509" y="7485"/>
+                  <a:pt x="10853928" y="0"/>
+                </a:cubicBezTo>
+                <a:cubicBezTo>
+                  <a:pt x="10854574" y="4451"/>
+                  <a:pt x="10854418" y="9226"/>
+                  <a:pt x="10853928" y="18288"/>
+                </a:cubicBezTo>
+                <a:cubicBezTo>
+                  <a:pt x="10691638" y="28522"/>
+                  <a:pt x="10574319" y="29578"/>
+                  <a:pt x="10392636" y="18288"/>
+                </a:cubicBezTo>
+                <a:cubicBezTo>
+                  <a:pt x="10210953" y="6998"/>
+                  <a:pt x="9836277" y="-16742"/>
+                  <a:pt x="9497187" y="18288"/>
+                </a:cubicBezTo>
+                <a:cubicBezTo>
+                  <a:pt x="9158097" y="53318"/>
+                  <a:pt x="9119479" y="30714"/>
+                  <a:pt x="8818817" y="18288"/>
+                </a:cubicBezTo>
+                <a:cubicBezTo>
+                  <a:pt x="8518155" y="5863"/>
+                  <a:pt x="8640037" y="6483"/>
+                  <a:pt x="8466064" y="18288"/>
+                </a:cubicBezTo>
+                <a:cubicBezTo>
+                  <a:pt x="8292091" y="30093"/>
+                  <a:pt x="7997656" y="18914"/>
+                  <a:pt x="7787693" y="18288"/>
+                </a:cubicBezTo>
+                <a:cubicBezTo>
+                  <a:pt x="7577730" y="17662"/>
+                  <a:pt x="7412468" y="21416"/>
+                  <a:pt x="7217862" y="18288"/>
+                </a:cubicBezTo>
+                <a:cubicBezTo>
+                  <a:pt x="7023256" y="15160"/>
+                  <a:pt x="6898018" y="14824"/>
+                  <a:pt x="6648031" y="18288"/>
+                </a:cubicBezTo>
+                <a:cubicBezTo>
+                  <a:pt x="6398044" y="21752"/>
+                  <a:pt x="6254402" y="38625"/>
+                  <a:pt x="6078200" y="18288"/>
+                </a:cubicBezTo>
+                <a:cubicBezTo>
+                  <a:pt x="5901998" y="-2049"/>
+                  <a:pt x="5622886" y="3213"/>
+                  <a:pt x="5508368" y="18288"/>
+                </a:cubicBezTo>
+                <a:cubicBezTo>
+                  <a:pt x="5393850" y="33363"/>
+                  <a:pt x="5036260" y="26830"/>
+                  <a:pt x="4721459" y="18288"/>
+                </a:cubicBezTo>
+                <a:cubicBezTo>
+                  <a:pt x="4406658" y="9746"/>
+                  <a:pt x="4239221" y="41551"/>
+                  <a:pt x="4043088" y="18288"/>
+                </a:cubicBezTo>
+                <a:cubicBezTo>
+                  <a:pt x="3846955" y="-4975"/>
+                  <a:pt x="3818802" y="34658"/>
+                  <a:pt x="3690336" y="18288"/>
+                </a:cubicBezTo>
+                <a:cubicBezTo>
+                  <a:pt x="3561870" y="1918"/>
+                  <a:pt x="3265491" y="42194"/>
+                  <a:pt x="3120504" y="18288"/>
+                </a:cubicBezTo>
+                <a:cubicBezTo>
+                  <a:pt x="2975517" y="-5618"/>
+                  <a:pt x="2720254" y="36673"/>
+                  <a:pt x="2333595" y="18288"/>
+                </a:cubicBezTo>
+                <a:cubicBezTo>
+                  <a:pt x="1946936" y="-97"/>
+                  <a:pt x="2097241" y="5776"/>
+                  <a:pt x="1872303" y="18288"/>
+                </a:cubicBezTo>
+                <a:cubicBezTo>
+                  <a:pt x="1647365" y="30800"/>
+                  <a:pt x="1282708" y="45380"/>
+                  <a:pt x="976854" y="18288"/>
+                </a:cubicBezTo>
+                <a:cubicBezTo>
+                  <a:pt x="671000" y="-8804"/>
+                  <a:pt x="408401" y="-12775"/>
+                  <a:pt x="0" y="18288"/>
+                </a:cubicBezTo>
+                <a:cubicBezTo>
+                  <a:pt x="-213" y="9468"/>
+                  <a:pt x="187" y="4459"/>
+                  <a:pt x="0" y="0"/>
+                </a:cubicBezTo>
+                <a:close/>
+              </a:path>
+              <a:path w="10853928" h="18288" stroke="0" extrusionOk="0">
+                <a:moveTo>
+                  <a:pt x="0" y="0"/>
+                </a:moveTo>
+                <a:cubicBezTo>
+                  <a:pt x="267322" y="15284"/>
+                  <a:pt x="415388" y="-21048"/>
+                  <a:pt x="569831" y="0"/>
+                </a:cubicBezTo>
+                <a:cubicBezTo>
+                  <a:pt x="724274" y="21048"/>
+                  <a:pt x="769333" y="-2353"/>
+                  <a:pt x="922584" y="0"/>
+                </a:cubicBezTo>
+                <a:cubicBezTo>
+                  <a:pt x="1075835" y="2353"/>
+                  <a:pt x="1399490" y="-145"/>
+                  <a:pt x="1818033" y="0"/>
+                </a:cubicBezTo>
+                <a:cubicBezTo>
+                  <a:pt x="2236576" y="145"/>
+                  <a:pt x="2145330" y="5482"/>
+                  <a:pt x="2387864" y="0"/>
+                </a:cubicBezTo>
+                <a:cubicBezTo>
+                  <a:pt x="2630398" y="-5482"/>
+                  <a:pt x="2793207" y="18487"/>
+                  <a:pt x="2957695" y="0"/>
+                </a:cubicBezTo>
+                <a:cubicBezTo>
+                  <a:pt x="3122183" y="-18487"/>
+                  <a:pt x="3579141" y="19003"/>
+                  <a:pt x="3853144" y="0"/>
+                </a:cubicBezTo>
+                <a:cubicBezTo>
+                  <a:pt x="4127147" y="-19003"/>
+                  <a:pt x="4209857" y="12211"/>
+                  <a:pt x="4314436" y="0"/>
+                </a:cubicBezTo>
+                <a:cubicBezTo>
+                  <a:pt x="4419015" y="-12211"/>
+                  <a:pt x="4762459" y="-17220"/>
+                  <a:pt x="5209885" y="0"/>
+                </a:cubicBezTo>
+                <a:cubicBezTo>
+                  <a:pt x="5657311" y="17220"/>
+                  <a:pt x="5692663" y="-3290"/>
+                  <a:pt x="6105335" y="0"/>
+                </a:cubicBezTo>
+                <a:cubicBezTo>
+                  <a:pt x="6518007" y="3290"/>
+                  <a:pt x="6455516" y="-5124"/>
+                  <a:pt x="6783705" y="0"/>
+                </a:cubicBezTo>
+                <a:cubicBezTo>
+                  <a:pt x="7111894" y="5124"/>
+                  <a:pt x="7441941" y="-17829"/>
+                  <a:pt x="7679154" y="0"/>
+                </a:cubicBezTo>
+                <a:cubicBezTo>
+                  <a:pt x="7916367" y="17829"/>
+                  <a:pt x="8102967" y="-24363"/>
+                  <a:pt x="8248985" y="0"/>
+                </a:cubicBezTo>
+                <a:cubicBezTo>
+                  <a:pt x="8395003" y="24363"/>
+                  <a:pt x="8552393" y="25505"/>
+                  <a:pt x="8818817" y="0"/>
+                </a:cubicBezTo>
+                <a:cubicBezTo>
+                  <a:pt x="9085241" y="-25505"/>
+                  <a:pt x="9411308" y="38000"/>
+                  <a:pt x="9605726" y="0"/>
+                </a:cubicBezTo>
+                <a:cubicBezTo>
+                  <a:pt x="9800144" y="-38000"/>
+                  <a:pt x="10006468" y="-25741"/>
+                  <a:pt x="10175558" y="0"/>
+                </a:cubicBezTo>
+                <a:cubicBezTo>
+                  <a:pt x="10344648" y="25741"/>
+                  <a:pt x="10696282" y="695"/>
+                  <a:pt x="10853928" y="0"/>
+                </a:cubicBezTo>
+                <a:cubicBezTo>
+                  <a:pt x="10853521" y="8690"/>
+                  <a:pt x="10853774" y="14141"/>
+                  <a:pt x="10853928" y="18288"/>
+                </a:cubicBezTo>
+                <a:cubicBezTo>
+                  <a:pt x="10608124" y="24255"/>
+                  <a:pt x="10343415" y="22307"/>
+                  <a:pt x="10067018" y="18288"/>
+                </a:cubicBezTo>
+                <a:cubicBezTo>
+                  <a:pt x="9790621" y="14270"/>
+                  <a:pt x="9843266" y="3564"/>
+                  <a:pt x="9714266" y="18288"/>
+                </a:cubicBezTo>
+                <a:cubicBezTo>
+                  <a:pt x="9585266" y="33012"/>
+                  <a:pt x="9379484" y="1875"/>
+                  <a:pt x="9252974" y="18288"/>
+                </a:cubicBezTo>
+                <a:cubicBezTo>
+                  <a:pt x="9126464" y="34701"/>
+                  <a:pt x="8580678" y="-4904"/>
+                  <a:pt x="8357525" y="18288"/>
+                </a:cubicBezTo>
+                <a:cubicBezTo>
+                  <a:pt x="8134372" y="41480"/>
+                  <a:pt x="7903199" y="26458"/>
+                  <a:pt x="7679154" y="18288"/>
+                </a:cubicBezTo>
+                <a:cubicBezTo>
+                  <a:pt x="7455109" y="10118"/>
+                  <a:pt x="7435944" y="27109"/>
+                  <a:pt x="7217862" y="18288"/>
+                </a:cubicBezTo>
+                <a:cubicBezTo>
+                  <a:pt x="6999780" y="9467"/>
+                  <a:pt x="6680409" y="18985"/>
+                  <a:pt x="6539492" y="18288"/>
+                </a:cubicBezTo>
+                <a:cubicBezTo>
+                  <a:pt x="6398575" y="17592"/>
+                  <a:pt x="6312077" y="33018"/>
+                  <a:pt x="6186739" y="18288"/>
+                </a:cubicBezTo>
+                <a:cubicBezTo>
+                  <a:pt x="6061401" y="3558"/>
+                  <a:pt x="5947033" y="12075"/>
+                  <a:pt x="5833986" y="18288"/>
+                </a:cubicBezTo>
+                <a:cubicBezTo>
+                  <a:pt x="5720939" y="24501"/>
+                  <a:pt x="5482226" y="8586"/>
+                  <a:pt x="5155616" y="18288"/>
+                </a:cubicBezTo>
+                <a:cubicBezTo>
+                  <a:pt x="4829006" y="27991"/>
+                  <a:pt x="4841274" y="29316"/>
+                  <a:pt x="4694324" y="18288"/>
+                </a:cubicBezTo>
+                <a:cubicBezTo>
+                  <a:pt x="4547374" y="7260"/>
+                  <a:pt x="4077675" y="7013"/>
+                  <a:pt x="3907414" y="18288"/>
+                </a:cubicBezTo>
+                <a:cubicBezTo>
+                  <a:pt x="3737153" y="29564"/>
+                  <a:pt x="3538393" y="21630"/>
+                  <a:pt x="3446122" y="18288"/>
+                </a:cubicBezTo>
+                <a:cubicBezTo>
+                  <a:pt x="3353851" y="14946"/>
+                  <a:pt x="2990320" y="-8091"/>
+                  <a:pt x="2659212" y="18288"/>
+                </a:cubicBezTo>
+                <a:cubicBezTo>
+                  <a:pt x="2328104" y="44667"/>
+                  <a:pt x="2427653" y="9607"/>
+                  <a:pt x="2306460" y="18288"/>
+                </a:cubicBezTo>
+                <a:cubicBezTo>
+                  <a:pt x="2185267" y="26969"/>
+                  <a:pt x="1719763" y="3717"/>
+                  <a:pt x="1519550" y="18288"/>
+                </a:cubicBezTo>
+                <a:cubicBezTo>
+                  <a:pt x="1319337" y="32860"/>
+                  <a:pt x="1167371" y="17040"/>
+                  <a:pt x="1058258" y="18288"/>
+                </a:cubicBezTo>
+                <a:cubicBezTo>
+                  <a:pt x="949145" y="19536"/>
+                  <a:pt x="780234" y="31447"/>
+                  <a:pt x="705505" y="18288"/>
+                </a:cubicBezTo>
+                <a:cubicBezTo>
+                  <a:pt x="630776" y="5129"/>
+                  <a:pt x="215796" y="30056"/>
+                  <a:pt x="0" y="18288"/>
+                </a:cubicBezTo>
+                <a:cubicBezTo>
+                  <a:pt x="-53" y="11301"/>
+                  <a:pt x="-649" y="7756"/>
+                  <a:pt x="0" y="0"/>
+                </a:cubicBezTo>
+                <a:close/>
+              </a:path>
+            </a:pathLst>
+          </a:custGeom>
+          <a:solidFill>
+            <a:schemeClr val="accent2"/>
+          </a:solidFill>
+          <a:ln w="41275" cap="rnd">
+            <a:solidFill>
+              <a:schemeClr val="accent2"/>
+            </a:solidFill>
+            <a:round/>
+            <a:extLst>
+              <a:ext uri="{C807C97D-BFC1-408E-A445-0C87EB9F89A2}">
+                <ask:lineSketchStyleProps xmlns:ask="http://schemas.microsoft.com/office/drawing/2018/sketchyshapes" sd="1219033472">
+                  <a:prstGeom prst="rect">
+                    <a:avLst/>
+                  </a:prstGeom>
+                  <ask:type>
+                    <ask:lineSketchFreehand/>
+                  </ask:type>
+                </ask:lineSketchStyleProps>
+              </a:ext>
+            </a:extLst>
+          </a:ln>
+        </p:spPr>
+        <p:style>
+          <a:lnRef idx="2">
+            <a:schemeClr val="accent1">
+              <a:shade val="50000"/>
+            </a:schemeClr>
+          </a:lnRef>
+          <a:fillRef idx="1">
+            <a:schemeClr val="accent1"/>
+          </a:fillRef>
+          <a:effectRef idx="0">
+            <a:schemeClr val="accent1"/>
+          </a:effectRef>
+          <a:fontRef idx="minor">
+            <a:schemeClr val="lt1"/>
+          </a:fontRef>
+        </p:style>
+        <p:txBody>
+          <a:bodyPr rtlCol="0" anchor="ctr"/>
+          <a:lstStyle/>
+          <a:p>
+            <a:pPr algn="ctr"/>
+            <a:endParaRPr lang="en-US"/>
+          </a:p>
+        </p:txBody>
+      </p:sp>
+      <p:sp>
+        <p:nvSpPr>
+          <p:cNvPr id="3" name="Content Placeholder 2">
+            <a:extLst>
+              <a:ext uri="{FF2B5EF4-FFF2-40B4-BE49-F238E27FC236}">
+                <a16:creationId xmlns:a16="http://schemas.microsoft.com/office/drawing/2014/main" id="{6E0684CB-439A-8548-9AE4-EAEACD88C875}"/>
+              </a:ext>
+            </a:extLst>
+          </p:cNvPr>
+          <p:cNvSpPr>
+            <a:spLocks noGrp="1"/>
+          </p:cNvSpPr>
+          <p:nvPr>
+            <p:ph idx="1"/>
+          </p:nvPr>
+        </p:nvSpPr>
+        <p:spPr>
+          <a:xfrm>
+            <a:off x="838200" y="2258915"/>
+            <a:ext cx="10515600" cy="4233959"/>
+          </a:xfrm>
+        </p:spPr>
+        <p:txBody>
+          <a:bodyPr>
+            <a:normAutofit/>
+          </a:bodyPr>
+          <a:lstStyle/>
+          <a:p>
+            <a:r>
+              <a:rPr lang="en-US" sz="2400" dirty="0"/>
+              <a:t>Measuring model quality is the key to iteratively improving your models.</a:t>
+            </a:r>
+          </a:p>
+          <a:p>
+            <a:endParaRPr lang="en-US" sz="2400" dirty="0"/>
+          </a:p>
+          <a:p>
+            <a:r>
+              <a:rPr lang="en-US" sz="2400" b="1" dirty="0"/>
+              <a:t>Mean Absolute Error</a:t>
+            </a:r>
+            <a:r>
+              <a:rPr lang="en-US" sz="2400" dirty="0"/>
+              <a:t> (also called </a:t>
+            </a:r>
+            <a:r>
+              <a:rPr lang="en-US" sz="2400" b="1" dirty="0"/>
+              <a:t>MAE</a:t>
+            </a:r>
+            <a:r>
+              <a:rPr lang="en-US" sz="2400" dirty="0"/>
+              <a:t>). </a:t>
+            </a:r>
+          </a:p>
+          <a:p>
+            <a:pPr lvl="1"/>
+            <a:r>
+              <a:rPr lang="en-US" b="1" dirty="0"/>
+              <a:t>error=actual−predicted</a:t>
+            </a:r>
+          </a:p>
+          <a:p>
+            <a:pPr lvl="1"/>
+            <a:endParaRPr lang="en-US" dirty="0"/>
+          </a:p>
+          <a:p>
+            <a:r>
+              <a:rPr lang="en-US" sz="2400" dirty="0"/>
+              <a:t>With the MAE metric, we take the absolute value of each error. This converts each error to a positive number. We then take the average of those absolute errors. This is our measure of model quality. In plain English, it can be said as</a:t>
+            </a:r>
+          </a:p>
+          <a:p>
+            <a:pPr lvl="1"/>
+            <a:r>
+              <a:rPr lang="en-US" b="1" dirty="0"/>
+              <a:t>On average, our predictions are off by about X</a:t>
+            </a:r>
+            <a:r>
+              <a:rPr lang="en-US" dirty="0"/>
+              <a:t>.</a:t>
+            </a:r>
+          </a:p>
+        </p:txBody>
+      </p:sp>
+    </p:spTree>
+    <p:extLst>
+      <p:ext uri="{BB962C8B-B14F-4D97-AF65-F5344CB8AC3E}">
+        <p14:creationId xmlns:p14="http://schemas.microsoft.com/office/powerpoint/2010/main" val="3232270866"/>
+      </p:ext>
+    </p:extLst>
+  </p:cSld>
+  <p:clrMapOvr>
+    <a:masterClrMapping/>
+  </p:clrMapOvr>
+</p:sld>
+</file>
+
+<file path=ppt/slides/slide8.xml><?xml version="1.0" encoding="utf-8"?>
+<p:sld xmlns:a="http://schemas.openxmlformats.org/drawingml/2006/main" xmlns:r="http://schemas.openxmlformats.org/officeDocument/2006/relationships" xmlns:p="http://schemas.openxmlformats.org/presentationml/2006/main">
+  <p:cSld>
+    <p:bg>
+      <p:bgPr>
+        <a:solidFill>
+          <a:schemeClr val="bg1"/>
+        </a:solidFill>
+        <a:effectLst/>
+      </p:bgPr>
+    </p:bg>
+    <p:spTree>
+      <p:nvGrpSpPr>
+        <p:cNvPr id="1" name=""/>
+        <p:cNvGrpSpPr/>
+        <p:nvPr/>
+      </p:nvGrpSpPr>
+      <p:grpSpPr>
+        <a:xfrm>
+          <a:off x="0" y="0"/>
+          <a:ext cx="0" cy="0"/>
+          <a:chOff x="0" y="0"/>
+          <a:chExt cx="0" cy="0"/>
+        </a:xfrm>
+      </p:grpSpPr>
+      <p:sp useBgFill="1">
+        <p:nvSpPr>
+          <p:cNvPr id="8" name="Rectangle 7">
+            <a:extLst>
+              <a:ext uri="{FF2B5EF4-FFF2-40B4-BE49-F238E27FC236}">
+                <a16:creationId xmlns:a16="http://schemas.microsoft.com/office/drawing/2014/main" id="{100EDD19-6802-4EC3-95CE-CFFAB042CFD6}"/>
+              </a:ext>
+              <a:ext uri="{C183D7F6-B498-43B3-948B-1728B52AA6E4}">
+                <adec:decorative xmlns:adec="http://schemas.microsoft.com/office/drawing/2017/decorative" val="1"/>
+              </a:ext>
+            </a:extLst>
+          </p:cNvPr>
+          <p:cNvSpPr>
+            <a:spLocks noGrp="1" noRot="1" noChangeAspect="1" noMove="1" noResize="1" noEditPoints="1" noAdjustHandles="1" noChangeArrowheads="1" noChangeShapeType="1" noTextEdit="1"/>
+          </p:cNvSpPr>
+          <p:nvPr>
+            <p:extLst>
+              <p:ext uri="{386F3935-93C4-4BCD-93E2-E3B085C9AB24}">
+                <p16:designElem xmlns:p16="http://schemas.microsoft.com/office/powerpoint/2015/main" val="1"/>
+              </p:ext>
+            </p:extLst>
+          </p:nvPr>
+        </p:nvSpPr>
+        <p:spPr>
+          <a:xfrm>
+            <a:off x="0" y="0"/>
+            <a:ext cx="12188952" cy="6858000"/>
+          </a:xfrm>
+          <a:prstGeom prst="rect">
+            <a:avLst/>
+          </a:prstGeom>
+          <a:ln>
+            <a:noFill/>
+          </a:ln>
+        </p:spPr>
+        <p:style>
+          <a:lnRef idx="2">
+            <a:schemeClr val="accent1">
+              <a:shade val="50000"/>
+            </a:schemeClr>
+          </a:lnRef>
+          <a:fillRef idx="1">
+            <a:schemeClr val="accent1"/>
+          </a:fillRef>
+          <a:effectRef idx="0">
+            <a:schemeClr val="accent1"/>
+          </a:effectRef>
+          <a:fontRef idx="minor">
+            <a:schemeClr val="lt1"/>
+          </a:fontRef>
+        </p:style>
+        <p:txBody>
+          <a:bodyPr rtlCol="0" anchor="ctr"/>
+          <a:lstStyle/>
+          <a:p>
+            <a:pPr algn="ctr"/>
+            <a:endParaRPr lang="en-US"/>
+          </a:p>
+        </p:txBody>
+      </p:sp>
+      <p:sp>
+        <p:nvSpPr>
+          <p:cNvPr id="2" name="Title 1">
+            <a:extLst>
+              <a:ext uri="{FF2B5EF4-FFF2-40B4-BE49-F238E27FC236}">
+                <a16:creationId xmlns:a16="http://schemas.microsoft.com/office/drawing/2014/main" id="{336FD433-A91E-B549-AECE-5582BF62C202}"/>
+              </a:ext>
+            </a:extLst>
+          </p:cNvPr>
+          <p:cNvSpPr>
+            <a:spLocks noGrp="1"/>
+          </p:cNvSpPr>
+          <p:nvPr>
+            <p:ph type="title"/>
+          </p:nvPr>
+        </p:nvSpPr>
+        <p:spPr>
+          <a:xfrm>
+            <a:off x="838200" y="365125"/>
+            <a:ext cx="10515600" cy="1325563"/>
+          </a:xfrm>
+        </p:spPr>
+        <p:txBody>
+          <a:bodyPr>
+            <a:normAutofit/>
+          </a:bodyPr>
+          <a:lstStyle/>
+          <a:p>
+            <a:r>
+              <a:rPr lang="en-US" sz="5400" b="1"/>
+              <a:t>Model Validation</a:t>
+            </a:r>
+            <a:endParaRPr lang="en-US" sz="5400"/>
+          </a:p>
+        </p:txBody>
+      </p:sp>
+      <p:sp>
+        <p:nvSpPr>
+          <p:cNvPr id="10" name="sketch line">
+            <a:extLst>
+              <a:ext uri="{FF2B5EF4-FFF2-40B4-BE49-F238E27FC236}">
+                <a16:creationId xmlns:a16="http://schemas.microsoft.com/office/drawing/2014/main" id="{DB17E863-922E-4C26-BD64-E8FD41D28661}"/>
+              </a:ext>
+              <a:ext uri="{C183D7F6-B498-43B3-948B-1728B52AA6E4}">
+                <adec:decorative xmlns:adec="http://schemas.microsoft.com/office/drawing/2017/decorative" val="1"/>
+              </a:ext>
+            </a:extLst>
+          </p:cNvPr>
+          <p:cNvSpPr>
+            <a:spLocks noGrp="1" noRot="1" noChangeAspect="1" noMove="1" noResize="1" noEditPoints="1" noAdjustHandles="1" noChangeArrowheads="1" noChangeShapeType="1" noTextEdit="1"/>
+          </p:cNvSpPr>
+          <p:nvPr>
+            <p:extLst>
+              <p:ext uri="{386F3935-93C4-4BCD-93E2-E3B085C9AB24}">
+                <p16:designElem xmlns:p16="http://schemas.microsoft.com/office/powerpoint/2015/main" val="1"/>
+              </p:ext>
+            </p:extLst>
+          </p:nvPr>
+        </p:nvSpPr>
+        <p:spPr>
+          <a:xfrm>
+            <a:off x="669036" y="1677373"/>
+            <a:ext cx="10853928" cy="18288"/>
+          </a:xfrm>
+          <a:custGeom>
+            <a:avLst/>
+            <a:gdLst>
+              <a:gd name="connsiteX0" fmla="*/ 0 w 10853928"/>
+              <a:gd name="connsiteY0" fmla="*/ 0 h 18288"/>
+              <a:gd name="connsiteX1" fmla="*/ 461292 w 10853928"/>
+              <a:gd name="connsiteY1" fmla="*/ 0 h 18288"/>
+              <a:gd name="connsiteX2" fmla="*/ 1139662 w 10853928"/>
+              <a:gd name="connsiteY2" fmla="*/ 0 h 18288"/>
+              <a:gd name="connsiteX3" fmla="*/ 1926572 w 10853928"/>
+              <a:gd name="connsiteY3" fmla="*/ 0 h 18288"/>
+              <a:gd name="connsiteX4" fmla="*/ 2279325 w 10853928"/>
+              <a:gd name="connsiteY4" fmla="*/ 0 h 18288"/>
+              <a:gd name="connsiteX5" fmla="*/ 2632078 w 10853928"/>
+              <a:gd name="connsiteY5" fmla="*/ 0 h 18288"/>
+              <a:gd name="connsiteX6" fmla="*/ 3527527 w 10853928"/>
+              <a:gd name="connsiteY6" fmla="*/ 0 h 18288"/>
+              <a:gd name="connsiteX7" fmla="*/ 4205897 w 10853928"/>
+              <a:gd name="connsiteY7" fmla="*/ 0 h 18288"/>
+              <a:gd name="connsiteX8" fmla="*/ 4558650 w 10853928"/>
+              <a:gd name="connsiteY8" fmla="*/ 0 h 18288"/>
+              <a:gd name="connsiteX9" fmla="*/ 5237020 w 10853928"/>
+              <a:gd name="connsiteY9" fmla="*/ 0 h 18288"/>
+              <a:gd name="connsiteX10" fmla="*/ 6132469 w 10853928"/>
+              <a:gd name="connsiteY10" fmla="*/ 0 h 18288"/>
+              <a:gd name="connsiteX11" fmla="*/ 6702301 w 10853928"/>
+              <a:gd name="connsiteY11" fmla="*/ 0 h 18288"/>
+              <a:gd name="connsiteX12" fmla="*/ 7272132 w 10853928"/>
+              <a:gd name="connsiteY12" fmla="*/ 0 h 18288"/>
+              <a:gd name="connsiteX13" fmla="*/ 7950502 w 10853928"/>
+              <a:gd name="connsiteY13" fmla="*/ 0 h 18288"/>
+              <a:gd name="connsiteX14" fmla="*/ 8737412 w 10853928"/>
+              <a:gd name="connsiteY14" fmla="*/ 0 h 18288"/>
+              <a:gd name="connsiteX15" fmla="*/ 9524322 w 10853928"/>
+              <a:gd name="connsiteY15" fmla="*/ 0 h 18288"/>
+              <a:gd name="connsiteX16" fmla="*/ 10853928 w 10853928"/>
+              <a:gd name="connsiteY16" fmla="*/ 0 h 18288"/>
+              <a:gd name="connsiteX17" fmla="*/ 10853928 w 10853928"/>
+              <a:gd name="connsiteY17" fmla="*/ 18288 h 18288"/>
+              <a:gd name="connsiteX18" fmla="*/ 10392636 w 10853928"/>
+              <a:gd name="connsiteY18" fmla="*/ 18288 h 18288"/>
+              <a:gd name="connsiteX19" fmla="*/ 9497187 w 10853928"/>
+              <a:gd name="connsiteY19" fmla="*/ 18288 h 18288"/>
+              <a:gd name="connsiteX20" fmla="*/ 8818817 w 10853928"/>
+              <a:gd name="connsiteY20" fmla="*/ 18288 h 18288"/>
+              <a:gd name="connsiteX21" fmla="*/ 8466064 w 10853928"/>
+              <a:gd name="connsiteY21" fmla="*/ 18288 h 18288"/>
+              <a:gd name="connsiteX22" fmla="*/ 7787693 w 10853928"/>
+              <a:gd name="connsiteY22" fmla="*/ 18288 h 18288"/>
+              <a:gd name="connsiteX23" fmla="*/ 7217862 w 10853928"/>
+              <a:gd name="connsiteY23" fmla="*/ 18288 h 18288"/>
+              <a:gd name="connsiteX24" fmla="*/ 6648031 w 10853928"/>
+              <a:gd name="connsiteY24" fmla="*/ 18288 h 18288"/>
+              <a:gd name="connsiteX25" fmla="*/ 6078200 w 10853928"/>
+              <a:gd name="connsiteY25" fmla="*/ 18288 h 18288"/>
+              <a:gd name="connsiteX26" fmla="*/ 5508368 w 10853928"/>
+              <a:gd name="connsiteY26" fmla="*/ 18288 h 18288"/>
+              <a:gd name="connsiteX27" fmla="*/ 4721459 w 10853928"/>
+              <a:gd name="connsiteY27" fmla="*/ 18288 h 18288"/>
+              <a:gd name="connsiteX28" fmla="*/ 4043088 w 10853928"/>
+              <a:gd name="connsiteY28" fmla="*/ 18288 h 18288"/>
+              <a:gd name="connsiteX29" fmla="*/ 3690336 w 10853928"/>
+              <a:gd name="connsiteY29" fmla="*/ 18288 h 18288"/>
+              <a:gd name="connsiteX30" fmla="*/ 3120504 w 10853928"/>
+              <a:gd name="connsiteY30" fmla="*/ 18288 h 18288"/>
+              <a:gd name="connsiteX31" fmla="*/ 2333595 w 10853928"/>
+              <a:gd name="connsiteY31" fmla="*/ 18288 h 18288"/>
+              <a:gd name="connsiteX32" fmla="*/ 1872303 w 10853928"/>
+              <a:gd name="connsiteY32" fmla="*/ 18288 h 18288"/>
+              <a:gd name="connsiteX33" fmla="*/ 976854 w 10853928"/>
+              <a:gd name="connsiteY33" fmla="*/ 18288 h 18288"/>
+              <a:gd name="connsiteX34" fmla="*/ 0 w 10853928"/>
+              <a:gd name="connsiteY34" fmla="*/ 18288 h 18288"/>
+              <a:gd name="connsiteX35" fmla="*/ 0 w 10853928"/>
+              <a:gd name="connsiteY35" fmla="*/ 0 h 18288"/>
+            </a:gdLst>
+            <a:ahLst/>
+            <a:cxnLst>
+              <a:cxn ang="0">
+                <a:pos x="connsiteX0" y="connsiteY0"/>
+              </a:cxn>
+              <a:cxn ang="0">
+                <a:pos x="connsiteX1" y="connsiteY1"/>
+              </a:cxn>
+              <a:cxn ang="0">
+                <a:pos x="connsiteX2" y="connsiteY2"/>
+              </a:cxn>
+              <a:cxn ang="0">
+                <a:pos x="connsiteX3" y="connsiteY3"/>
+              </a:cxn>
+              <a:cxn ang="0">
+                <a:pos x="connsiteX4" y="connsiteY4"/>
+              </a:cxn>
+              <a:cxn ang="0">
+                <a:pos x="connsiteX5" y="connsiteY5"/>
+              </a:cxn>
+              <a:cxn ang="0">
+                <a:pos x="connsiteX6" y="connsiteY6"/>
+              </a:cxn>
+              <a:cxn ang="0">
+                <a:pos x="connsiteX7" y="connsiteY7"/>
+              </a:cxn>
+              <a:cxn ang="0">
+                <a:pos x="connsiteX8" y="connsiteY8"/>
+              </a:cxn>
+              <a:cxn ang="0">
+                <a:pos x="connsiteX9" y="connsiteY9"/>
+              </a:cxn>
+              <a:cxn ang="0">
+                <a:pos x="connsiteX10" y="connsiteY10"/>
+              </a:cxn>
+              <a:cxn ang="0">
+                <a:pos x="connsiteX11" y="connsiteY11"/>
+              </a:cxn>
+              <a:cxn ang="0">
+                <a:pos x="connsiteX12" y="connsiteY12"/>
+              </a:cxn>
+              <a:cxn ang="0">
+                <a:pos x="connsiteX13" y="connsiteY13"/>
+              </a:cxn>
+              <a:cxn ang="0">
+                <a:pos x="connsiteX14" y="connsiteY14"/>
+              </a:cxn>
+              <a:cxn ang="0">
+                <a:pos x="connsiteX15" y="connsiteY15"/>
+              </a:cxn>
+              <a:cxn ang="0">
+                <a:pos x="connsiteX16" y="connsiteY16"/>
+              </a:cxn>
+              <a:cxn ang="0">
+                <a:pos x="connsiteX17" y="connsiteY17"/>
+              </a:cxn>
+              <a:cxn ang="0">
+                <a:pos x="connsiteX18" y="connsiteY18"/>
+              </a:cxn>
+              <a:cxn ang="0">
+                <a:pos x="connsiteX19" y="connsiteY19"/>
+              </a:cxn>
+              <a:cxn ang="0">
+                <a:pos x="connsiteX20" y="connsiteY20"/>
+              </a:cxn>
+              <a:cxn ang="0">
+                <a:pos x="connsiteX21" y="connsiteY21"/>
+              </a:cxn>
+              <a:cxn ang="0">
+                <a:pos x="connsiteX22" y="connsiteY22"/>
+              </a:cxn>
+              <a:cxn ang="0">
+                <a:pos x="connsiteX23" y="connsiteY23"/>
+              </a:cxn>
+              <a:cxn ang="0">
+                <a:pos x="connsiteX24" y="connsiteY24"/>
+              </a:cxn>
+              <a:cxn ang="0">
+                <a:pos x="connsiteX25" y="connsiteY25"/>
+              </a:cxn>
+              <a:cxn ang="0">
+                <a:pos x="connsiteX26" y="connsiteY26"/>
+              </a:cxn>
+              <a:cxn ang="0">
+                <a:pos x="connsiteX27" y="connsiteY27"/>
+              </a:cxn>
+              <a:cxn ang="0">
+                <a:pos x="connsiteX28" y="connsiteY28"/>
+              </a:cxn>
+              <a:cxn ang="0">
+                <a:pos x="connsiteX29" y="connsiteY29"/>
+              </a:cxn>
+              <a:cxn ang="0">
+                <a:pos x="connsiteX30" y="connsiteY30"/>
+              </a:cxn>
+              <a:cxn ang="0">
+                <a:pos x="connsiteX31" y="connsiteY31"/>
+              </a:cxn>
+              <a:cxn ang="0">
+                <a:pos x="connsiteX32" y="connsiteY32"/>
+              </a:cxn>
+              <a:cxn ang="0">
+                <a:pos x="connsiteX33" y="connsiteY33"/>
+              </a:cxn>
+              <a:cxn ang="0">
+                <a:pos x="connsiteX34" y="connsiteY34"/>
+              </a:cxn>
+              <a:cxn ang="0">
+                <a:pos x="connsiteX35" y="connsiteY35"/>
+              </a:cxn>
+            </a:cxnLst>
+            <a:rect l="l" t="t" r="r" b="b"/>
+            <a:pathLst>
+              <a:path w="10853928" h="18288" fill="none" extrusionOk="0">
+                <a:moveTo>
+                  <a:pt x="0" y="0"/>
+                </a:moveTo>
+                <a:cubicBezTo>
+                  <a:pt x="146993" y="-19076"/>
+                  <a:pt x="347684" y="-4790"/>
+                  <a:pt x="461292" y="0"/>
+                </a:cubicBezTo>
+                <a:cubicBezTo>
+                  <a:pt x="574900" y="4790"/>
+                  <a:pt x="808367" y="19821"/>
+                  <a:pt x="1139662" y="0"/>
+                </a:cubicBezTo>
+                <a:cubicBezTo>
+                  <a:pt x="1470957" y="-19821"/>
+                  <a:pt x="1627405" y="5721"/>
+                  <a:pt x="1926572" y="0"/>
+                </a:cubicBezTo>
+                <a:cubicBezTo>
+                  <a:pt x="2225739" y="-5721"/>
+                  <a:pt x="2137730" y="-3235"/>
+                  <a:pt x="2279325" y="0"/>
+                </a:cubicBezTo>
+                <a:cubicBezTo>
+                  <a:pt x="2420920" y="3235"/>
+                  <a:pt x="2456518" y="9685"/>
+                  <a:pt x="2632078" y="0"/>
+                </a:cubicBezTo>
+                <a:cubicBezTo>
+                  <a:pt x="2807638" y="-9685"/>
+                  <a:pt x="3211516" y="-43007"/>
+                  <a:pt x="3527527" y="0"/>
+                </a:cubicBezTo>
+                <a:cubicBezTo>
+                  <a:pt x="3843538" y="43007"/>
+                  <a:pt x="4058833" y="22042"/>
+                  <a:pt x="4205897" y="0"/>
+                </a:cubicBezTo>
+                <a:cubicBezTo>
+                  <a:pt x="4352961" y="-22042"/>
+                  <a:pt x="4474805" y="-11846"/>
+                  <a:pt x="4558650" y="0"/>
+                </a:cubicBezTo>
+                <a:cubicBezTo>
+                  <a:pt x="4642495" y="11846"/>
+                  <a:pt x="5041928" y="-6069"/>
+                  <a:pt x="5237020" y="0"/>
+                </a:cubicBezTo>
+                <a:cubicBezTo>
+                  <a:pt x="5432112" y="6069"/>
+                  <a:pt x="5943266" y="-17479"/>
+                  <a:pt x="6132469" y="0"/>
+                </a:cubicBezTo>
+                <a:cubicBezTo>
+                  <a:pt x="6321672" y="17479"/>
+                  <a:pt x="6483872" y="26234"/>
+                  <a:pt x="6702301" y="0"/>
+                </a:cubicBezTo>
+                <a:cubicBezTo>
+                  <a:pt x="6920730" y="-26234"/>
+                  <a:pt x="6991194" y="-15156"/>
+                  <a:pt x="7272132" y="0"/>
+                </a:cubicBezTo>
+                <a:cubicBezTo>
+                  <a:pt x="7553070" y="15156"/>
+                  <a:pt x="7684444" y="-32961"/>
+                  <a:pt x="7950502" y="0"/>
+                </a:cubicBezTo>
+                <a:cubicBezTo>
+                  <a:pt x="8216560" y="32961"/>
+                  <a:pt x="8493290" y="-10491"/>
+                  <a:pt x="8737412" y="0"/>
+                </a:cubicBezTo>
+                <a:cubicBezTo>
+                  <a:pt x="8981534" y="10491"/>
+                  <a:pt x="9191586" y="-13899"/>
+                  <a:pt x="9524322" y="0"/>
+                </a:cubicBezTo>
+                <a:cubicBezTo>
+                  <a:pt x="9857058" y="13899"/>
+                  <a:pt x="10297509" y="7485"/>
+                  <a:pt x="10853928" y="0"/>
+                </a:cubicBezTo>
+                <a:cubicBezTo>
+                  <a:pt x="10854574" y="4451"/>
+                  <a:pt x="10854418" y="9226"/>
+                  <a:pt x="10853928" y="18288"/>
+                </a:cubicBezTo>
+                <a:cubicBezTo>
+                  <a:pt x="10691638" y="28522"/>
+                  <a:pt x="10574319" y="29578"/>
+                  <a:pt x="10392636" y="18288"/>
+                </a:cubicBezTo>
+                <a:cubicBezTo>
+                  <a:pt x="10210953" y="6998"/>
+                  <a:pt x="9836277" y="-16742"/>
+                  <a:pt x="9497187" y="18288"/>
+                </a:cubicBezTo>
+                <a:cubicBezTo>
+                  <a:pt x="9158097" y="53318"/>
+                  <a:pt x="9119479" y="30714"/>
+                  <a:pt x="8818817" y="18288"/>
+                </a:cubicBezTo>
+                <a:cubicBezTo>
+                  <a:pt x="8518155" y="5863"/>
+                  <a:pt x="8640037" y="6483"/>
+                  <a:pt x="8466064" y="18288"/>
+                </a:cubicBezTo>
+                <a:cubicBezTo>
+                  <a:pt x="8292091" y="30093"/>
+                  <a:pt x="7997656" y="18914"/>
+                  <a:pt x="7787693" y="18288"/>
+                </a:cubicBezTo>
+                <a:cubicBezTo>
+                  <a:pt x="7577730" y="17662"/>
+                  <a:pt x="7412468" y="21416"/>
+                  <a:pt x="7217862" y="18288"/>
+                </a:cubicBezTo>
+                <a:cubicBezTo>
+                  <a:pt x="7023256" y="15160"/>
+                  <a:pt x="6898018" y="14824"/>
+                  <a:pt x="6648031" y="18288"/>
+                </a:cubicBezTo>
+                <a:cubicBezTo>
+                  <a:pt x="6398044" y="21752"/>
+                  <a:pt x="6254402" y="38625"/>
+                  <a:pt x="6078200" y="18288"/>
+                </a:cubicBezTo>
+                <a:cubicBezTo>
+                  <a:pt x="5901998" y="-2049"/>
+                  <a:pt x="5622886" y="3213"/>
+                  <a:pt x="5508368" y="18288"/>
+                </a:cubicBezTo>
+                <a:cubicBezTo>
+                  <a:pt x="5393850" y="33363"/>
+                  <a:pt x="5036260" y="26830"/>
+                  <a:pt x="4721459" y="18288"/>
+                </a:cubicBezTo>
+                <a:cubicBezTo>
+                  <a:pt x="4406658" y="9746"/>
+                  <a:pt x="4239221" y="41551"/>
+                  <a:pt x="4043088" y="18288"/>
+                </a:cubicBezTo>
+                <a:cubicBezTo>
+                  <a:pt x="3846955" y="-4975"/>
+                  <a:pt x="3818802" y="34658"/>
+                  <a:pt x="3690336" y="18288"/>
+                </a:cubicBezTo>
+                <a:cubicBezTo>
+                  <a:pt x="3561870" y="1918"/>
+                  <a:pt x="3265491" y="42194"/>
+                  <a:pt x="3120504" y="18288"/>
+                </a:cubicBezTo>
+                <a:cubicBezTo>
+                  <a:pt x="2975517" y="-5618"/>
+                  <a:pt x="2720254" y="36673"/>
+                  <a:pt x="2333595" y="18288"/>
+                </a:cubicBezTo>
+                <a:cubicBezTo>
+                  <a:pt x="1946936" y="-97"/>
+                  <a:pt x="2097241" y="5776"/>
+                  <a:pt x="1872303" y="18288"/>
+                </a:cubicBezTo>
+                <a:cubicBezTo>
+                  <a:pt x="1647365" y="30800"/>
+                  <a:pt x="1282708" y="45380"/>
+                  <a:pt x="976854" y="18288"/>
+                </a:cubicBezTo>
+                <a:cubicBezTo>
+                  <a:pt x="671000" y="-8804"/>
+                  <a:pt x="408401" y="-12775"/>
+                  <a:pt x="0" y="18288"/>
+                </a:cubicBezTo>
+                <a:cubicBezTo>
+                  <a:pt x="-213" y="9468"/>
+                  <a:pt x="187" y="4459"/>
+                  <a:pt x="0" y="0"/>
+                </a:cubicBezTo>
+                <a:close/>
+              </a:path>
+              <a:path w="10853928" h="18288" stroke="0" extrusionOk="0">
+                <a:moveTo>
+                  <a:pt x="0" y="0"/>
+                </a:moveTo>
+                <a:cubicBezTo>
+                  <a:pt x="267322" y="15284"/>
+                  <a:pt x="415388" y="-21048"/>
+                  <a:pt x="569831" y="0"/>
+                </a:cubicBezTo>
+                <a:cubicBezTo>
+                  <a:pt x="724274" y="21048"/>
+                  <a:pt x="769333" y="-2353"/>
+                  <a:pt x="922584" y="0"/>
+                </a:cubicBezTo>
+                <a:cubicBezTo>
+                  <a:pt x="1075835" y="2353"/>
+                  <a:pt x="1399490" y="-145"/>
+                  <a:pt x="1818033" y="0"/>
+                </a:cubicBezTo>
+                <a:cubicBezTo>
+                  <a:pt x="2236576" y="145"/>
+                  <a:pt x="2145330" y="5482"/>
+                  <a:pt x="2387864" y="0"/>
+                </a:cubicBezTo>
+                <a:cubicBezTo>
+                  <a:pt x="2630398" y="-5482"/>
+                  <a:pt x="2793207" y="18487"/>
+                  <a:pt x="2957695" y="0"/>
+                </a:cubicBezTo>
+                <a:cubicBezTo>
+                  <a:pt x="3122183" y="-18487"/>
+                  <a:pt x="3579141" y="19003"/>
+                  <a:pt x="3853144" y="0"/>
+                </a:cubicBezTo>
+                <a:cubicBezTo>
+                  <a:pt x="4127147" y="-19003"/>
+                  <a:pt x="4209857" y="12211"/>
+                  <a:pt x="4314436" y="0"/>
+                </a:cubicBezTo>
+                <a:cubicBezTo>
+                  <a:pt x="4419015" y="-12211"/>
+                  <a:pt x="4762459" y="-17220"/>
+                  <a:pt x="5209885" y="0"/>
+                </a:cubicBezTo>
+                <a:cubicBezTo>
+                  <a:pt x="5657311" y="17220"/>
+                  <a:pt x="5692663" y="-3290"/>
+                  <a:pt x="6105335" y="0"/>
+                </a:cubicBezTo>
+                <a:cubicBezTo>
+                  <a:pt x="6518007" y="3290"/>
+                  <a:pt x="6455516" y="-5124"/>
+                  <a:pt x="6783705" y="0"/>
+                </a:cubicBezTo>
+                <a:cubicBezTo>
+                  <a:pt x="7111894" y="5124"/>
+                  <a:pt x="7441941" y="-17829"/>
+                  <a:pt x="7679154" y="0"/>
+                </a:cubicBezTo>
+                <a:cubicBezTo>
+                  <a:pt x="7916367" y="17829"/>
+                  <a:pt x="8102967" y="-24363"/>
+                  <a:pt x="8248985" y="0"/>
+                </a:cubicBezTo>
+                <a:cubicBezTo>
+                  <a:pt x="8395003" y="24363"/>
+                  <a:pt x="8552393" y="25505"/>
+                  <a:pt x="8818817" y="0"/>
+                </a:cubicBezTo>
+                <a:cubicBezTo>
+                  <a:pt x="9085241" y="-25505"/>
+                  <a:pt x="9411308" y="38000"/>
+                  <a:pt x="9605726" y="0"/>
+                </a:cubicBezTo>
+                <a:cubicBezTo>
+                  <a:pt x="9800144" y="-38000"/>
+                  <a:pt x="10006468" y="-25741"/>
+                  <a:pt x="10175558" y="0"/>
+                </a:cubicBezTo>
+                <a:cubicBezTo>
+                  <a:pt x="10344648" y="25741"/>
+                  <a:pt x="10696282" y="695"/>
+                  <a:pt x="10853928" y="0"/>
+                </a:cubicBezTo>
+                <a:cubicBezTo>
+                  <a:pt x="10853521" y="8690"/>
+                  <a:pt x="10853774" y="14141"/>
+                  <a:pt x="10853928" y="18288"/>
+                </a:cubicBezTo>
+                <a:cubicBezTo>
+                  <a:pt x="10608124" y="24255"/>
+                  <a:pt x="10343415" y="22307"/>
+                  <a:pt x="10067018" y="18288"/>
+                </a:cubicBezTo>
+                <a:cubicBezTo>
+                  <a:pt x="9790621" y="14270"/>
+                  <a:pt x="9843266" y="3564"/>
+                  <a:pt x="9714266" y="18288"/>
+                </a:cubicBezTo>
+                <a:cubicBezTo>
+                  <a:pt x="9585266" y="33012"/>
+                  <a:pt x="9379484" y="1875"/>
+                  <a:pt x="9252974" y="18288"/>
+                </a:cubicBezTo>
+                <a:cubicBezTo>
+                  <a:pt x="9126464" y="34701"/>
+                  <a:pt x="8580678" y="-4904"/>
+                  <a:pt x="8357525" y="18288"/>
+                </a:cubicBezTo>
+                <a:cubicBezTo>
+                  <a:pt x="8134372" y="41480"/>
+                  <a:pt x="7903199" y="26458"/>
+                  <a:pt x="7679154" y="18288"/>
+                </a:cubicBezTo>
+                <a:cubicBezTo>
+                  <a:pt x="7455109" y="10118"/>
+                  <a:pt x="7435944" y="27109"/>
+                  <a:pt x="7217862" y="18288"/>
+                </a:cubicBezTo>
+                <a:cubicBezTo>
+                  <a:pt x="6999780" y="9467"/>
+                  <a:pt x="6680409" y="18985"/>
+                  <a:pt x="6539492" y="18288"/>
+                </a:cubicBezTo>
+                <a:cubicBezTo>
+                  <a:pt x="6398575" y="17592"/>
+                  <a:pt x="6312077" y="33018"/>
+                  <a:pt x="6186739" y="18288"/>
+                </a:cubicBezTo>
+                <a:cubicBezTo>
+                  <a:pt x="6061401" y="3558"/>
+                  <a:pt x="5947033" y="12075"/>
+                  <a:pt x="5833986" y="18288"/>
+                </a:cubicBezTo>
+                <a:cubicBezTo>
+                  <a:pt x="5720939" y="24501"/>
+                  <a:pt x="5482226" y="8586"/>
+                  <a:pt x="5155616" y="18288"/>
+                </a:cubicBezTo>
+                <a:cubicBezTo>
+                  <a:pt x="4829006" y="27991"/>
+                  <a:pt x="4841274" y="29316"/>
+                  <a:pt x="4694324" y="18288"/>
+                </a:cubicBezTo>
+                <a:cubicBezTo>
+                  <a:pt x="4547374" y="7260"/>
+                  <a:pt x="4077675" y="7013"/>
+                  <a:pt x="3907414" y="18288"/>
+                </a:cubicBezTo>
+                <a:cubicBezTo>
+                  <a:pt x="3737153" y="29564"/>
+                  <a:pt x="3538393" y="21630"/>
+                  <a:pt x="3446122" y="18288"/>
+                </a:cubicBezTo>
+                <a:cubicBezTo>
+                  <a:pt x="3353851" y="14946"/>
+                  <a:pt x="2990320" y="-8091"/>
+                  <a:pt x="2659212" y="18288"/>
+                </a:cubicBezTo>
+                <a:cubicBezTo>
+                  <a:pt x="2328104" y="44667"/>
+                  <a:pt x="2427653" y="9607"/>
+                  <a:pt x="2306460" y="18288"/>
+                </a:cubicBezTo>
+                <a:cubicBezTo>
+                  <a:pt x="2185267" y="26969"/>
+                  <a:pt x="1719763" y="3717"/>
+                  <a:pt x="1519550" y="18288"/>
+                </a:cubicBezTo>
+                <a:cubicBezTo>
+                  <a:pt x="1319337" y="32860"/>
+                  <a:pt x="1167371" y="17040"/>
+                  <a:pt x="1058258" y="18288"/>
+                </a:cubicBezTo>
+                <a:cubicBezTo>
+                  <a:pt x="949145" y="19536"/>
+                  <a:pt x="780234" y="31447"/>
+                  <a:pt x="705505" y="18288"/>
+                </a:cubicBezTo>
+                <a:cubicBezTo>
+                  <a:pt x="630776" y="5129"/>
+                  <a:pt x="215796" y="30056"/>
+                  <a:pt x="0" y="18288"/>
+                </a:cubicBezTo>
+                <a:cubicBezTo>
+                  <a:pt x="-53" y="11301"/>
+                  <a:pt x="-649" y="7756"/>
+                  <a:pt x="0" y="0"/>
+                </a:cubicBezTo>
+                <a:close/>
+              </a:path>
+            </a:pathLst>
+          </a:custGeom>
+          <a:solidFill>
+            <a:schemeClr val="accent2"/>
+          </a:solidFill>
+          <a:ln w="41275" cap="rnd">
+            <a:solidFill>
+              <a:schemeClr val="accent2"/>
+            </a:solidFill>
+            <a:round/>
+            <a:extLst>
+              <a:ext uri="{C807C97D-BFC1-408E-A445-0C87EB9F89A2}">
+                <ask:lineSketchStyleProps xmlns:ask="http://schemas.microsoft.com/office/drawing/2018/sketchyshapes" sd="1219033472">
+                  <a:prstGeom prst="rect">
+                    <a:avLst/>
+                  </a:prstGeom>
+                  <ask:type>
+                    <ask:lineSketchFreehand/>
+                  </ask:type>
+                </ask:lineSketchStyleProps>
+              </a:ext>
+            </a:extLst>
+          </a:ln>
+        </p:spPr>
+        <p:style>
+          <a:lnRef idx="2">
+            <a:schemeClr val="accent1">
+              <a:shade val="50000"/>
+            </a:schemeClr>
+          </a:lnRef>
+          <a:fillRef idx="1">
+            <a:schemeClr val="accent1"/>
+          </a:fillRef>
+          <a:effectRef idx="0">
+            <a:schemeClr val="accent1"/>
+          </a:effectRef>
+          <a:fontRef idx="minor">
+            <a:schemeClr val="lt1"/>
+          </a:fontRef>
+        </p:style>
+        <p:txBody>
+          <a:bodyPr rtlCol="0" anchor="ctr"/>
+          <a:lstStyle/>
+          <a:p>
+            <a:pPr algn="ctr"/>
+            <a:endParaRPr lang="en-US"/>
+          </a:p>
+        </p:txBody>
+      </p:sp>
+      <p:sp>
+        <p:nvSpPr>
+          <p:cNvPr id="3" name="Content Placeholder 2">
+            <a:extLst>
+              <a:ext uri="{FF2B5EF4-FFF2-40B4-BE49-F238E27FC236}">
+                <a16:creationId xmlns:a16="http://schemas.microsoft.com/office/drawing/2014/main" id="{6E0684CB-439A-8548-9AE4-EAEACD88C875}"/>
+              </a:ext>
+            </a:extLst>
+          </p:cNvPr>
+          <p:cNvSpPr>
+            <a:spLocks noGrp="1"/>
+          </p:cNvSpPr>
+          <p:nvPr>
+            <p:ph idx="1"/>
+          </p:nvPr>
+        </p:nvSpPr>
+        <p:spPr>
+          <a:xfrm>
+            <a:off x="231494" y="1782129"/>
+            <a:ext cx="11817752" cy="4966143"/>
+          </a:xfrm>
+        </p:spPr>
+        <p:txBody>
+          <a:bodyPr>
+            <a:normAutofit fontScale="25000" lnSpcReduction="20000"/>
+          </a:bodyPr>
+          <a:lstStyle/>
+          <a:p>
+            <a:pPr marL="0" indent="0" algn="ctr">
+              <a:buNone/>
+            </a:pPr>
+            <a:r>
+              <a:rPr lang="en-US" sz="9600" b="1" dirty="0"/>
+              <a:t>The Problem with "In-Sample" Scores</a:t>
+            </a:r>
+            <a:endParaRPr lang="en-US" sz="6400" dirty="0"/>
+          </a:p>
+          <a:p>
+            <a:r>
+              <a:rPr lang="en-US" sz="8000" dirty="0"/>
+              <a:t>In the sample data you used to build the model, all homes with green doors were very expensive. The model's job is to find patterns that predict home prices, so it will see this pattern, and it will always predict high prices for homes with green doors.</a:t>
+            </a:r>
+          </a:p>
+          <a:p>
+            <a:endParaRPr lang="en-US" sz="8000" dirty="0"/>
+          </a:p>
+          <a:p>
+            <a:r>
+              <a:rPr lang="en-US" sz="8000" dirty="0"/>
+              <a:t>Since this pattern was derived from the training data, the model will appear accurate in the training data.</a:t>
+            </a:r>
+            <a:endParaRPr lang="en-US" sz="7200" dirty="0"/>
+          </a:p>
+          <a:p>
+            <a:r>
+              <a:rPr lang="en-US" sz="8000" dirty="0"/>
+              <a:t>But if this pattern doesn't hold when the model sees new data, the model would be very inaccurate when used in practice.</a:t>
+            </a:r>
+          </a:p>
+          <a:p>
+            <a:pPr marL="0" indent="0">
+              <a:buNone/>
+            </a:pPr>
+            <a:endParaRPr lang="en-US" sz="7200" dirty="0"/>
+          </a:p>
+          <a:p>
+            <a:r>
+              <a:rPr lang="en-US" sz="8000" dirty="0"/>
+              <a:t>Since models' practical value come from making predictions on new data, we measure performance on data that wasn't used to build the model. </a:t>
+            </a:r>
+            <a:endParaRPr lang="en-US" sz="7200" dirty="0"/>
+          </a:p>
+          <a:p>
+            <a:r>
+              <a:rPr lang="en-US" sz="8000" dirty="0"/>
+              <a:t>The most straightforward way to do this is to exclude some data from the model-building process, and then use those to test the model's accuracy on data it hasn't seen before. This data is called </a:t>
+            </a:r>
+            <a:r>
+              <a:rPr lang="en-US" sz="8000" b="1" dirty="0"/>
+              <a:t>validation data</a:t>
+            </a:r>
+            <a:r>
+              <a:rPr lang="en-US" sz="8000" dirty="0"/>
+              <a:t>.</a:t>
+            </a:r>
+          </a:p>
+          <a:p>
+            <a:endParaRPr lang="en-US" sz="8000" dirty="0"/>
+          </a:p>
+          <a:p>
+            <a:r>
+              <a:rPr lang="en-US" sz="7200" dirty="0"/>
+              <a:t>The scikit-learn library has a function </a:t>
+            </a:r>
+            <a:r>
+              <a:rPr lang="en-US" sz="7200" b="1" dirty="0" err="1"/>
+              <a:t>train_test_spli</a:t>
+            </a:r>
+            <a:r>
+              <a:rPr lang="en-US" sz="7200" dirty="0" err="1"/>
+              <a:t>t</a:t>
+            </a:r>
+            <a:r>
+              <a:rPr lang="en-US" sz="2000" dirty="0"/>
+              <a:t> </a:t>
+            </a:r>
+            <a:r>
+              <a:rPr lang="en-US" sz="7200" dirty="0"/>
+              <a:t> to break up the data into two pieces. We'll use some of that data as training data to fit the model, and we'll use the other data as validation data to calculate </a:t>
+            </a:r>
+            <a:r>
+              <a:rPr lang="en-US" sz="7200" b="1" dirty="0" err="1"/>
+              <a:t>mean_absolute_error</a:t>
+            </a:r>
+            <a:r>
+              <a:rPr lang="en-US" sz="7200" dirty="0"/>
+              <a:t>.</a:t>
+            </a:r>
+            <a:r>
+              <a:rPr lang="en-US" sz="21600" dirty="0"/>
+              <a:t> </a:t>
+            </a:r>
+            <a:endParaRPr lang="en-US" sz="11200" dirty="0"/>
+          </a:p>
+          <a:p>
+            <a:pPr marL="0" indent="0">
+              <a:buNone/>
+            </a:pPr>
+            <a:br>
+              <a:rPr lang="en-US" dirty="0"/>
+            </a:br>
+            <a:endParaRPr lang="en-US" dirty="0"/>
+          </a:p>
+          <a:p>
+            <a:endParaRPr lang="en-US" dirty="0"/>
+          </a:p>
+        </p:txBody>
+      </p:sp>
+    </p:spTree>
+    <p:extLst>
+      <p:ext uri="{BB962C8B-B14F-4D97-AF65-F5344CB8AC3E}">
+        <p14:creationId xmlns:p14="http://schemas.microsoft.com/office/powerpoint/2010/main" val="4191648736"/>
       </p:ext>
     </p:extLst>
   </p:cSld>
